--- a/Buenas_Prácticas_de_Geoprocesamiento .pptx
+++ b/Buenas_Prácticas_de_Geoprocesamiento .pptx
@@ -5,33 +5,30 @@
     <p:sldMasterId id="2147483659" r:id="rId1"/>
   </p:sldMasterIdLst>
   <p:notesMasterIdLst>
-    <p:notesMasterId r:id="rId9"/>
+    <p:notesMasterId r:id="rId6"/>
   </p:notesMasterIdLst>
   <p:sldIdLst>
     <p:sldId id="256" r:id="rId2"/>
     <p:sldId id="257" r:id="rId3"/>
-    <p:sldId id="258" r:id="rId4"/>
-    <p:sldId id="259" r:id="rId5"/>
-    <p:sldId id="260" r:id="rId6"/>
-    <p:sldId id="261" r:id="rId7"/>
-    <p:sldId id="262" r:id="rId8"/>
+    <p:sldId id="263" r:id="rId4"/>
+    <p:sldId id="262" r:id="rId5"/>
   </p:sldIdLst>
   <p:sldSz cx="12192000" cy="6858000"/>
   <p:notesSz cx="6858000" cy="9144000"/>
   <p:embeddedFontLst>
     <p:embeddedFont>
-      <p:font typeface="Century Gothic" panose="020B0502020202020204" pitchFamily="34" charset="0"/>
-      <p:regular r:id="rId10"/>
-      <p:bold r:id="rId11"/>
-      <p:italic r:id="rId12"/>
-      <p:boldItalic r:id="rId13"/>
+      <p:font typeface="Calibri" panose="020F0502020204030204" pitchFamily="34" charset="0"/>
+      <p:regular r:id="rId7"/>
+      <p:bold r:id="rId8"/>
+      <p:italic r:id="rId9"/>
+      <p:boldItalic r:id="rId10"/>
     </p:embeddedFont>
     <p:embeddedFont>
-      <p:font typeface="Calibri" panose="020F0502020204030204" pitchFamily="34" charset="0"/>
-      <p:regular r:id="rId14"/>
-      <p:bold r:id="rId15"/>
-      <p:italic r:id="rId16"/>
-      <p:boldItalic r:id="rId17"/>
+      <p:font typeface="Century Gothic" panose="020B0502020202020204" pitchFamily="34" charset="0"/>
+      <p:regular r:id="rId11"/>
+      <p:bold r:id="rId12"/>
+      <p:italic r:id="rId13"/>
+      <p:boldItalic r:id="rId14"/>
     </p:embeddedFont>
   </p:embeddedFontLst>
   <p:defaultTextStyle>
@@ -263,6 +260,11 @@
       </a:defRPr>
     </a:lvl9pPr>
   </p:defaultTextStyle>
+  <p:extLst>
+    <p:ext uri="{EFAFB233-063F-42B5-8137-9DF3F51BA10A}">
+      <p15:sldGuideLst xmlns:p15="http://schemas.microsoft.com/office/powerpoint/2012/main"/>
+    </p:ext>
+  </p:extLst>
 </p:presentation>
 </file>
 
@@ -1847,664 +1849,6 @@
   <p:cSld>
     <p:spTree>
       <p:nvGrpSpPr>
-        <p:cNvPr id="1" name="Shape 97"/>
-        <p:cNvGrpSpPr/>
-        <p:nvPr/>
-      </p:nvGrpSpPr>
-      <p:grpSpPr>
-        <a:xfrm>
-          <a:off x="0" y="0"/>
-          <a:ext cx="0" cy="0"/>
-          <a:chOff x="0" y="0"/>
-          <a:chExt cx="0" cy="0"/>
-        </a:xfrm>
-      </p:grpSpPr>
-      <p:sp>
-        <p:nvSpPr>
-          <p:cNvPr id="98" name="Shape 98"/>
-          <p:cNvSpPr>
-            <a:spLocks noGrp="1" noRot="1" noChangeAspect="1"/>
-          </p:cNvSpPr>
-          <p:nvPr>
-            <p:ph type="sldImg" idx="2"/>
-          </p:nvPr>
-        </p:nvSpPr>
-        <p:spPr>
-          <a:xfrm>
-            <a:off x="685800" y="1143000"/>
-            <a:ext cx="5486400" cy="3086100"/>
-          </a:xfrm>
-          <a:custGeom>
-            <a:avLst/>
-            <a:gdLst/>
-            <a:ahLst/>
-            <a:cxnLst/>
-            <a:rect l="0" t="0" r="0" b="0"/>
-            <a:pathLst>
-              <a:path w="120000" h="120000" extrusionOk="0">
-                <a:moveTo>
-                  <a:pt x="0" y="0"/>
-                </a:moveTo>
-                <a:lnTo>
-                  <a:pt x="120000" y="0"/>
-                </a:lnTo>
-                <a:lnTo>
-                  <a:pt x="120000" y="120000"/>
-                </a:lnTo>
-                <a:lnTo>
-                  <a:pt x="0" y="120000"/>
-                </a:lnTo>
-                <a:close/>
-              </a:path>
-            </a:pathLst>
-          </a:custGeom>
-          <a:noFill/>
-          <a:ln w="12700" cap="flat" cmpd="sng">
-            <a:solidFill>
-              <a:srgbClr val="000000"/>
-            </a:solidFill>
-            <a:prstDash val="solid"/>
-            <a:round/>
-            <a:headEnd type="none" w="sm" len="sm"/>
-            <a:tailEnd type="none" w="sm" len="sm"/>
-          </a:ln>
-        </p:spPr>
-      </p:sp>
-      <p:sp>
-        <p:nvSpPr>
-          <p:cNvPr id="99" name="Shape 99"/>
-          <p:cNvSpPr txBox="1">
-            <a:spLocks noGrp="1"/>
-          </p:cNvSpPr>
-          <p:nvPr>
-            <p:ph type="body" idx="1"/>
-          </p:nvPr>
-        </p:nvSpPr>
-        <p:spPr>
-          <a:xfrm>
-            <a:off x="685800" y="4400550"/>
-            <a:ext cx="5486400" cy="3600600"/>
-          </a:xfrm>
-          <a:prstGeom prst="rect">
-            <a:avLst/>
-          </a:prstGeom>
-          <a:noFill/>
-          <a:ln>
-            <a:noFill/>
-          </a:ln>
-        </p:spPr>
-        <p:txBody>
-          <a:bodyPr spcFirstLastPara="1" wrap="square" lIns="91425" tIns="45700" rIns="91425" bIns="45700" anchor="t" anchorCtr="0">
-            <a:noAutofit/>
-          </a:bodyPr>
-          <a:lstStyle/>
-          <a:p>
-            <a:pPr marL="0" marR="0" lvl="0" indent="0" algn="l" rtl="0">
-              <a:spcBef>
-                <a:spcPts val="0"/>
-              </a:spcBef>
-              <a:spcAft>
-                <a:spcPts val="0"/>
-              </a:spcAft>
-              <a:buNone/>
-            </a:pPr>
-            <a:endParaRPr sz="1200" b="0" i="0" u="none" strike="noStrike" cap="none">
-              <a:solidFill>
-                <a:schemeClr val="dk1"/>
-              </a:solidFill>
-              <a:latin typeface="Calibri"/>
-              <a:ea typeface="Calibri"/>
-              <a:cs typeface="Calibri"/>
-              <a:sym typeface="Calibri"/>
-            </a:endParaRPr>
-          </a:p>
-        </p:txBody>
-      </p:sp>
-      <p:sp>
-        <p:nvSpPr>
-          <p:cNvPr id="100" name="Shape 100"/>
-          <p:cNvSpPr txBox="1">
-            <a:spLocks noGrp="1"/>
-          </p:cNvSpPr>
-          <p:nvPr>
-            <p:ph type="sldNum" idx="12"/>
-          </p:nvPr>
-        </p:nvSpPr>
-        <p:spPr>
-          <a:xfrm>
-            <a:off x="3884613" y="8685213"/>
-            <a:ext cx="2971800" cy="458700"/>
-          </a:xfrm>
-          <a:prstGeom prst="rect">
-            <a:avLst/>
-          </a:prstGeom>
-          <a:noFill/>
-          <a:ln>
-            <a:noFill/>
-          </a:ln>
-        </p:spPr>
-        <p:txBody>
-          <a:bodyPr spcFirstLastPara="1" wrap="square" lIns="91425" tIns="45700" rIns="91425" bIns="45700" anchor="b" anchorCtr="0">
-            <a:noAutofit/>
-          </a:bodyPr>
-          <a:lstStyle/>
-          <a:p>
-            <a:pPr marL="0" marR="0" lvl="0" indent="0" algn="r" rtl="0">
-              <a:spcBef>
-                <a:spcPts val="0"/>
-              </a:spcBef>
-              <a:spcAft>
-                <a:spcPts val="0"/>
-              </a:spcAft>
-              <a:buNone/>
-            </a:pPr>
-            <a:fld id="{00000000-1234-1234-1234-123412341234}" type="slidenum">
-              <a:rPr lang="es-CO" sz="1200" b="0" i="0" u="none" strike="noStrike" cap="none">
-                <a:solidFill>
-                  <a:schemeClr val="dk1"/>
-                </a:solidFill>
-                <a:latin typeface="Calibri"/>
-                <a:ea typeface="Calibri"/>
-                <a:cs typeface="Calibri"/>
-                <a:sym typeface="Calibri"/>
-              </a:rPr>
-              <a:t>3</a:t>
-            </a:fld>
-            <a:endParaRPr sz="1200" b="0" i="0" u="none" strike="noStrike" cap="none">
-              <a:solidFill>
-                <a:schemeClr val="dk1"/>
-              </a:solidFill>
-              <a:latin typeface="Calibri"/>
-              <a:ea typeface="Calibri"/>
-              <a:cs typeface="Calibri"/>
-              <a:sym typeface="Calibri"/>
-            </a:endParaRPr>
-          </a:p>
-        </p:txBody>
-      </p:sp>
-    </p:spTree>
-    <p:extLst>
-      <p:ext uri="{BB962C8B-B14F-4D97-AF65-F5344CB8AC3E}">
-        <p14:creationId xmlns:p14="http://schemas.microsoft.com/office/powerpoint/2010/main" val="1911116516"/>
-      </p:ext>
-    </p:extLst>
-  </p:cSld>
-  <p:clrMapOvr>
-    <a:masterClrMapping/>
-  </p:clrMapOvr>
-</p:notes>
-</file>
-
-<file path=ppt/notesSlides/notesSlide4.xml><?xml version="1.0" encoding="utf-8"?>
-<p:notes xmlns:a="http://schemas.openxmlformats.org/drawingml/2006/main" xmlns:r="http://schemas.openxmlformats.org/officeDocument/2006/relationships" xmlns:p="http://schemas.openxmlformats.org/presentationml/2006/main" showMasterSp="0" showMasterPhAnim="0">
-  <p:cSld>
-    <p:spTree>
-      <p:nvGrpSpPr>
-        <p:cNvPr id="1" name="Shape 104"/>
-        <p:cNvGrpSpPr/>
-        <p:nvPr/>
-      </p:nvGrpSpPr>
-      <p:grpSpPr>
-        <a:xfrm>
-          <a:off x="0" y="0"/>
-          <a:ext cx="0" cy="0"/>
-          <a:chOff x="0" y="0"/>
-          <a:chExt cx="0" cy="0"/>
-        </a:xfrm>
-      </p:grpSpPr>
-      <p:sp>
-        <p:nvSpPr>
-          <p:cNvPr id="105" name="Shape 105"/>
-          <p:cNvSpPr>
-            <a:spLocks noGrp="1" noRot="1" noChangeAspect="1"/>
-          </p:cNvSpPr>
-          <p:nvPr>
-            <p:ph type="sldImg" idx="2"/>
-          </p:nvPr>
-        </p:nvSpPr>
-        <p:spPr>
-          <a:xfrm>
-            <a:off x="685800" y="1143000"/>
-            <a:ext cx="5486400" cy="3086100"/>
-          </a:xfrm>
-          <a:custGeom>
-            <a:avLst/>
-            <a:gdLst/>
-            <a:ahLst/>
-            <a:cxnLst/>
-            <a:rect l="0" t="0" r="0" b="0"/>
-            <a:pathLst>
-              <a:path w="120000" h="120000" extrusionOk="0">
-                <a:moveTo>
-                  <a:pt x="0" y="0"/>
-                </a:moveTo>
-                <a:lnTo>
-                  <a:pt x="120000" y="0"/>
-                </a:lnTo>
-                <a:lnTo>
-                  <a:pt x="120000" y="120000"/>
-                </a:lnTo>
-                <a:lnTo>
-                  <a:pt x="0" y="120000"/>
-                </a:lnTo>
-                <a:close/>
-              </a:path>
-            </a:pathLst>
-          </a:custGeom>
-        </p:spPr>
-      </p:sp>
-      <p:sp>
-        <p:nvSpPr>
-          <p:cNvPr id="106" name="Shape 106"/>
-          <p:cNvSpPr txBox="1">
-            <a:spLocks noGrp="1"/>
-          </p:cNvSpPr>
-          <p:nvPr>
-            <p:ph type="body" idx="1"/>
-          </p:nvPr>
-        </p:nvSpPr>
-        <p:spPr>
-          <a:xfrm>
-            <a:off x="685800" y="4400550"/>
-            <a:ext cx="5486400" cy="3600600"/>
-          </a:xfrm>
-          <a:prstGeom prst="rect">
-            <a:avLst/>
-          </a:prstGeom>
-        </p:spPr>
-        <p:txBody>
-          <a:bodyPr spcFirstLastPara="1" wrap="square" lIns="91425" tIns="91425" rIns="91425" bIns="91425" anchor="t" anchorCtr="0">
-            <a:noAutofit/>
-          </a:bodyPr>
-          <a:lstStyle/>
-          <a:p>
-            <a:pPr marL="0" lvl="0" indent="0">
-              <a:spcBef>
-                <a:spcPts val="0"/>
-              </a:spcBef>
-              <a:spcAft>
-                <a:spcPts val="0"/>
-              </a:spcAft>
-              <a:buNone/>
-            </a:pPr>
-            <a:endParaRPr/>
-          </a:p>
-        </p:txBody>
-      </p:sp>
-      <p:sp>
-        <p:nvSpPr>
-          <p:cNvPr id="107" name="Shape 107"/>
-          <p:cNvSpPr txBox="1">
-            <a:spLocks noGrp="1"/>
-          </p:cNvSpPr>
-          <p:nvPr>
-            <p:ph type="sldNum" idx="12"/>
-          </p:nvPr>
-        </p:nvSpPr>
-        <p:spPr>
-          <a:xfrm>
-            <a:off x="3884613" y="8685213"/>
-            <a:ext cx="2971800" cy="458700"/>
-          </a:xfrm>
-          <a:prstGeom prst="rect">
-            <a:avLst/>
-          </a:prstGeom>
-        </p:spPr>
-        <p:txBody>
-          <a:bodyPr spcFirstLastPara="1" wrap="square" lIns="91425" tIns="45700" rIns="91425" bIns="45700" anchor="b" anchorCtr="0">
-            <a:noAutofit/>
-          </a:bodyPr>
-          <a:lstStyle/>
-          <a:p>
-            <a:pPr marL="0" lvl="0" indent="0">
-              <a:spcBef>
-                <a:spcPts val="0"/>
-              </a:spcBef>
-              <a:spcAft>
-                <a:spcPts val="0"/>
-              </a:spcAft>
-              <a:buClr>
-                <a:srgbClr val="000000"/>
-              </a:buClr>
-              <a:buFont typeface="Arial"/>
-              <a:buNone/>
-            </a:pPr>
-            <a:fld id="{00000000-1234-1234-1234-123412341234}" type="slidenum">
-              <a:rPr lang="es-CO"/>
-              <a:t>4</a:t>
-            </a:fld>
-            <a:endParaRPr/>
-          </a:p>
-        </p:txBody>
-      </p:sp>
-    </p:spTree>
-    <p:extLst>
-      <p:ext uri="{BB962C8B-B14F-4D97-AF65-F5344CB8AC3E}">
-        <p14:creationId xmlns:p14="http://schemas.microsoft.com/office/powerpoint/2010/main" val="1825269111"/>
-      </p:ext>
-    </p:extLst>
-  </p:cSld>
-  <p:clrMapOvr>
-    <a:masterClrMapping/>
-  </p:clrMapOvr>
-</p:notes>
-</file>
-
-<file path=ppt/notesSlides/notesSlide5.xml><?xml version="1.0" encoding="utf-8"?>
-<p:notes xmlns:a="http://schemas.openxmlformats.org/drawingml/2006/main" xmlns:r="http://schemas.openxmlformats.org/officeDocument/2006/relationships" xmlns:p="http://schemas.openxmlformats.org/presentationml/2006/main" showMasterSp="0" showMasterPhAnim="0">
-  <p:cSld>
-    <p:spTree>
-      <p:nvGrpSpPr>
-        <p:cNvPr id="1" name="Shape 118"/>
-        <p:cNvGrpSpPr/>
-        <p:nvPr/>
-      </p:nvGrpSpPr>
-      <p:grpSpPr>
-        <a:xfrm>
-          <a:off x="0" y="0"/>
-          <a:ext cx="0" cy="0"/>
-          <a:chOff x="0" y="0"/>
-          <a:chExt cx="0" cy="0"/>
-        </a:xfrm>
-      </p:grpSpPr>
-      <p:sp>
-        <p:nvSpPr>
-          <p:cNvPr id="119" name="Shape 119"/>
-          <p:cNvSpPr>
-            <a:spLocks noGrp="1" noRot="1" noChangeAspect="1"/>
-          </p:cNvSpPr>
-          <p:nvPr>
-            <p:ph type="sldImg" idx="2"/>
-          </p:nvPr>
-        </p:nvSpPr>
-        <p:spPr>
-          <a:xfrm>
-            <a:off x="685800" y="1143000"/>
-            <a:ext cx="5486400" cy="3086100"/>
-          </a:xfrm>
-          <a:custGeom>
-            <a:avLst/>
-            <a:gdLst/>
-            <a:ahLst/>
-            <a:cxnLst/>
-            <a:rect l="0" t="0" r="0" b="0"/>
-            <a:pathLst>
-              <a:path w="120000" h="120000" extrusionOk="0">
-                <a:moveTo>
-                  <a:pt x="0" y="0"/>
-                </a:moveTo>
-                <a:lnTo>
-                  <a:pt x="120000" y="0"/>
-                </a:lnTo>
-                <a:lnTo>
-                  <a:pt x="120000" y="120000"/>
-                </a:lnTo>
-                <a:lnTo>
-                  <a:pt x="0" y="120000"/>
-                </a:lnTo>
-                <a:close/>
-              </a:path>
-            </a:pathLst>
-          </a:custGeom>
-        </p:spPr>
-      </p:sp>
-      <p:sp>
-        <p:nvSpPr>
-          <p:cNvPr id="120" name="Shape 120"/>
-          <p:cNvSpPr txBox="1">
-            <a:spLocks noGrp="1"/>
-          </p:cNvSpPr>
-          <p:nvPr>
-            <p:ph type="body" idx="1"/>
-          </p:nvPr>
-        </p:nvSpPr>
-        <p:spPr>
-          <a:xfrm>
-            <a:off x="685800" y="4400550"/>
-            <a:ext cx="5486400" cy="3600600"/>
-          </a:xfrm>
-          <a:prstGeom prst="rect">
-            <a:avLst/>
-          </a:prstGeom>
-        </p:spPr>
-        <p:txBody>
-          <a:bodyPr spcFirstLastPara="1" wrap="square" lIns="91425" tIns="91425" rIns="91425" bIns="91425" anchor="t" anchorCtr="0">
-            <a:noAutofit/>
-          </a:bodyPr>
-          <a:lstStyle/>
-          <a:p>
-            <a:pPr marL="0" lvl="0" indent="0">
-              <a:spcBef>
-                <a:spcPts val="0"/>
-              </a:spcBef>
-              <a:spcAft>
-                <a:spcPts val="0"/>
-              </a:spcAft>
-              <a:buNone/>
-            </a:pPr>
-            <a:endParaRPr/>
-          </a:p>
-        </p:txBody>
-      </p:sp>
-      <p:sp>
-        <p:nvSpPr>
-          <p:cNvPr id="121" name="Shape 121"/>
-          <p:cNvSpPr txBox="1">
-            <a:spLocks noGrp="1"/>
-          </p:cNvSpPr>
-          <p:nvPr>
-            <p:ph type="sldNum" idx="12"/>
-          </p:nvPr>
-        </p:nvSpPr>
-        <p:spPr>
-          <a:xfrm>
-            <a:off x="3884613" y="8685213"/>
-            <a:ext cx="2971800" cy="458700"/>
-          </a:xfrm>
-          <a:prstGeom prst="rect">
-            <a:avLst/>
-          </a:prstGeom>
-        </p:spPr>
-        <p:txBody>
-          <a:bodyPr spcFirstLastPara="1" wrap="square" lIns="91425" tIns="45700" rIns="91425" bIns="45700" anchor="b" anchorCtr="0">
-            <a:noAutofit/>
-          </a:bodyPr>
-          <a:lstStyle/>
-          <a:p>
-            <a:pPr marL="0" lvl="0" indent="0">
-              <a:spcBef>
-                <a:spcPts val="0"/>
-              </a:spcBef>
-              <a:spcAft>
-                <a:spcPts val="0"/>
-              </a:spcAft>
-              <a:buClr>
-                <a:srgbClr val="000000"/>
-              </a:buClr>
-              <a:buFont typeface="Arial"/>
-              <a:buNone/>
-            </a:pPr>
-            <a:fld id="{00000000-1234-1234-1234-123412341234}" type="slidenum">
-              <a:rPr lang="es-CO"/>
-              <a:t>5</a:t>
-            </a:fld>
-            <a:endParaRPr/>
-          </a:p>
-        </p:txBody>
-      </p:sp>
-    </p:spTree>
-    <p:extLst>
-      <p:ext uri="{BB962C8B-B14F-4D97-AF65-F5344CB8AC3E}">
-        <p14:creationId xmlns:p14="http://schemas.microsoft.com/office/powerpoint/2010/main" val="59333028"/>
-      </p:ext>
-    </p:extLst>
-  </p:cSld>
-  <p:clrMapOvr>
-    <a:masterClrMapping/>
-  </p:clrMapOvr>
-</p:notes>
-</file>
-
-<file path=ppt/notesSlides/notesSlide6.xml><?xml version="1.0" encoding="utf-8"?>
-<p:notes xmlns:a="http://schemas.openxmlformats.org/drawingml/2006/main" xmlns:r="http://schemas.openxmlformats.org/officeDocument/2006/relationships" xmlns:p="http://schemas.openxmlformats.org/presentationml/2006/main" showMasterSp="0" showMasterPhAnim="0">
-  <p:cSld>
-    <p:spTree>
-      <p:nvGrpSpPr>
-        <p:cNvPr id="1" name="Shape 125"/>
-        <p:cNvGrpSpPr/>
-        <p:nvPr/>
-      </p:nvGrpSpPr>
-      <p:grpSpPr>
-        <a:xfrm>
-          <a:off x="0" y="0"/>
-          <a:ext cx="0" cy="0"/>
-          <a:chOff x="0" y="0"/>
-          <a:chExt cx="0" cy="0"/>
-        </a:xfrm>
-      </p:grpSpPr>
-      <p:sp>
-        <p:nvSpPr>
-          <p:cNvPr id="126" name="Shape 126"/>
-          <p:cNvSpPr>
-            <a:spLocks noGrp="1" noRot="1" noChangeAspect="1"/>
-          </p:cNvSpPr>
-          <p:nvPr>
-            <p:ph type="sldImg" idx="2"/>
-          </p:nvPr>
-        </p:nvSpPr>
-        <p:spPr>
-          <a:xfrm>
-            <a:off x="685800" y="1143000"/>
-            <a:ext cx="5486400" cy="3086100"/>
-          </a:xfrm>
-          <a:custGeom>
-            <a:avLst/>
-            <a:gdLst/>
-            <a:ahLst/>
-            <a:cxnLst/>
-            <a:rect l="0" t="0" r="0" b="0"/>
-            <a:pathLst>
-              <a:path w="120000" h="120000" extrusionOk="0">
-                <a:moveTo>
-                  <a:pt x="0" y="0"/>
-                </a:moveTo>
-                <a:lnTo>
-                  <a:pt x="120000" y="0"/>
-                </a:lnTo>
-                <a:lnTo>
-                  <a:pt x="120000" y="120000"/>
-                </a:lnTo>
-                <a:lnTo>
-                  <a:pt x="0" y="120000"/>
-                </a:lnTo>
-                <a:close/>
-              </a:path>
-            </a:pathLst>
-          </a:custGeom>
-        </p:spPr>
-      </p:sp>
-      <p:sp>
-        <p:nvSpPr>
-          <p:cNvPr id="127" name="Shape 127"/>
-          <p:cNvSpPr txBox="1">
-            <a:spLocks noGrp="1"/>
-          </p:cNvSpPr>
-          <p:nvPr>
-            <p:ph type="body" idx="1"/>
-          </p:nvPr>
-        </p:nvSpPr>
-        <p:spPr>
-          <a:xfrm>
-            <a:off x="685800" y="4400550"/>
-            <a:ext cx="5486400" cy="3600600"/>
-          </a:xfrm>
-          <a:prstGeom prst="rect">
-            <a:avLst/>
-          </a:prstGeom>
-        </p:spPr>
-        <p:txBody>
-          <a:bodyPr spcFirstLastPara="1" wrap="square" lIns="91425" tIns="91425" rIns="91425" bIns="91425" anchor="t" anchorCtr="0">
-            <a:noAutofit/>
-          </a:bodyPr>
-          <a:lstStyle/>
-          <a:p>
-            <a:pPr marL="0" lvl="0" indent="0" rtl="0">
-              <a:spcBef>
-                <a:spcPts val="0"/>
-              </a:spcBef>
-              <a:spcAft>
-                <a:spcPts val="0"/>
-              </a:spcAft>
-              <a:buNone/>
-            </a:pPr>
-            <a:endParaRPr/>
-          </a:p>
-        </p:txBody>
-      </p:sp>
-      <p:sp>
-        <p:nvSpPr>
-          <p:cNvPr id="128" name="Shape 128"/>
-          <p:cNvSpPr txBox="1">
-            <a:spLocks noGrp="1"/>
-          </p:cNvSpPr>
-          <p:nvPr>
-            <p:ph type="sldNum" idx="12"/>
-          </p:nvPr>
-        </p:nvSpPr>
-        <p:spPr>
-          <a:xfrm>
-            <a:off x="3884613" y="8685213"/>
-            <a:ext cx="2971800" cy="458700"/>
-          </a:xfrm>
-          <a:prstGeom prst="rect">
-            <a:avLst/>
-          </a:prstGeom>
-        </p:spPr>
-        <p:txBody>
-          <a:bodyPr spcFirstLastPara="1" wrap="square" lIns="91425" tIns="45700" rIns="91425" bIns="45700" anchor="b" anchorCtr="0">
-            <a:noAutofit/>
-          </a:bodyPr>
-          <a:lstStyle/>
-          <a:p>
-            <a:pPr marL="0" lvl="0" indent="0" rtl="0">
-              <a:spcBef>
-                <a:spcPts val="0"/>
-              </a:spcBef>
-              <a:spcAft>
-                <a:spcPts val="0"/>
-              </a:spcAft>
-              <a:buClr>
-                <a:srgbClr val="000000"/>
-              </a:buClr>
-              <a:buFont typeface="Arial"/>
-              <a:buNone/>
-            </a:pPr>
-            <a:fld id="{00000000-1234-1234-1234-123412341234}" type="slidenum">
-              <a:rPr lang="es-CO"/>
-              <a:t>6</a:t>
-            </a:fld>
-            <a:endParaRPr/>
-          </a:p>
-        </p:txBody>
-      </p:sp>
-    </p:spTree>
-    <p:extLst>
-      <p:ext uri="{BB962C8B-B14F-4D97-AF65-F5344CB8AC3E}">
-        <p14:creationId xmlns:p14="http://schemas.microsoft.com/office/powerpoint/2010/main" val="1566673486"/>
-      </p:ext>
-    </p:extLst>
-  </p:cSld>
-  <p:clrMapOvr>
-    <a:masterClrMapping/>
-  </p:clrMapOvr>
-</p:notes>
-</file>
-
-<file path=ppt/notesSlides/notesSlide7.xml><?xml version="1.0" encoding="utf-8"?>
-<p:notes xmlns:a="http://schemas.openxmlformats.org/drawingml/2006/main" xmlns:r="http://schemas.openxmlformats.org/officeDocument/2006/relationships" xmlns:p="http://schemas.openxmlformats.org/presentationml/2006/main" showMasterSp="0" showMasterPhAnim="0">
-  <p:cSld>
-    <p:spTree>
-      <p:nvGrpSpPr>
         <p:cNvPr id="1" name="Shape 133"/>
         <p:cNvGrpSpPr/>
         <p:nvPr/>
@@ -2666,7 +2010,7 @@
                 <a:cs typeface="Calibri"/>
                 <a:sym typeface="Calibri"/>
               </a:rPr>
-              <a:t>7</a:t>
+              <a:t>4</a:t>
             </a:fld>
             <a:endParaRPr sz="1200">
               <a:solidFill>
@@ -16697,7 +16041,7 @@
               <a:buNone/>
             </a:pPr>
             <a:r>
-              <a:rPr lang="es-CO" sz="4000" b="1">
+              <a:rPr lang="es-CO" sz="4000" b="1" dirty="0">
                 <a:solidFill>
                   <a:srgbClr val="FFFFFF"/>
                 </a:solidFill>
@@ -16706,9 +16050,21 @@
                 <a:cs typeface="Century Gothic"/>
                 <a:sym typeface="Century Gothic"/>
               </a:rPr>
-              <a:t>Buenas Prácticas en el Procesamiento de información Geospacial</a:t>
+              <a:t>Buenas Prácticas en el Procesamiento de información </a:t>
             </a:r>
-            <a:endParaRPr sz="4000" b="1">
+            <a:r>
+              <a:rPr lang="es-CO" sz="4000" b="1" dirty="0" err="1">
+                <a:solidFill>
+                  <a:srgbClr val="FFFFFF"/>
+                </a:solidFill>
+                <a:latin typeface="Century Gothic"/>
+                <a:ea typeface="Century Gothic"/>
+                <a:cs typeface="Century Gothic"/>
+                <a:sym typeface="Century Gothic"/>
+              </a:rPr>
+              <a:t>Geospacial</a:t>
+            </a:r>
+            <a:endParaRPr sz="4000" b="1" dirty="0">
               <a:solidFill>
                 <a:srgbClr val="FFFFFF"/>
               </a:solidFill>
@@ -16736,7 +16092,7 @@
               <a:buNone/>
             </a:pPr>
             <a:r>
-              <a:rPr lang="es-CO" sz="4000" b="1">
+              <a:rPr lang="es-CO" sz="4000" b="1" dirty="0">
                 <a:solidFill>
                   <a:srgbClr val="FFFFFF"/>
                 </a:solidFill>
@@ -16747,7 +16103,7 @@
               </a:rPr>
               <a:t> Grupo de Análisis de Información</a:t>
             </a:r>
-            <a:endParaRPr sz="2800" b="1" i="0" u="none" strike="noStrike" cap="none">
+            <a:endParaRPr sz="2800" b="1" i="0" u="none" strike="noStrike" cap="none" dirty="0">
               <a:solidFill>
                 <a:srgbClr val="FFFFFF"/>
               </a:solidFill>
@@ -16784,34 +16140,6 @@
           <a:chExt cx="0" cy="0"/>
         </a:xfrm>
       </p:grpSpPr>
-      <p:pic>
-        <p:nvPicPr>
-          <p:cNvPr id="95" name="Shape 95"/>
-          <p:cNvPicPr preferRelativeResize="0"/>
-          <p:nvPr/>
-        </p:nvPicPr>
-        <p:blipFill>
-          <a:blip r:embed="rId3">
-            <a:alphaModFix/>
-          </a:blip>
-          <a:stretch>
-            <a:fillRect/>
-          </a:stretch>
-        </p:blipFill>
-        <p:spPr>
-          <a:xfrm>
-            <a:off x="3471150" y="807613"/>
-            <a:ext cx="4762500" cy="1285875"/>
-          </a:xfrm>
-          <a:prstGeom prst="rect">
-            <a:avLst/>
-          </a:prstGeom>
-          <a:noFill/>
-          <a:ln>
-            <a:noFill/>
-          </a:ln>
-        </p:spPr>
-      </p:pic>
       <p:sp>
         <p:nvSpPr>
           <p:cNvPr id="96" name="Shape 96"/>
@@ -16820,13 +16148,15 @@
         </p:nvSpPr>
         <p:spPr>
           <a:xfrm>
-            <a:off x="424900" y="1665150"/>
-            <a:ext cx="11008500" cy="3883500"/>
+            <a:off x="131946" y="1167845"/>
+            <a:ext cx="12136253" cy="5690155"/>
           </a:xfrm>
           <a:prstGeom prst="rect">
             <a:avLst/>
           </a:prstGeom>
-          <a:noFill/>
+          <a:solidFill>
+            <a:schemeClr val="bg1"/>
+          </a:solidFill>
           <a:ln>
             <a:noFill/>
           </a:ln>
@@ -16846,7 +16176,9 @@
               </a:spcAft>
               <a:buNone/>
             </a:pPr>
-            <a:endParaRPr dirty="0"/>
+            <a:endParaRPr dirty="0">
+              <a:latin typeface="Century Gothic" panose="020B0502020202020204" pitchFamily="34" charset="0"/>
+            </a:endParaRPr>
           </a:p>
           <a:p>
             <a:pPr marL="0" lvl="0" indent="0" rtl="0">
@@ -16858,7 +16190,9 @@
               </a:spcAft>
               <a:buNone/>
             </a:pPr>
-            <a:endParaRPr dirty="0"/>
+            <a:endParaRPr dirty="0">
+              <a:latin typeface="Century Gothic" panose="020B0502020202020204" pitchFamily="34" charset="0"/>
+            </a:endParaRPr>
           </a:p>
           <a:p>
             <a:pPr marL="457200" lvl="0" indent="-317500" rtl="0">
@@ -16872,37 +16206,67 @@
               <a:buChar char="●"/>
             </a:pPr>
             <a:r>
-              <a:rPr lang="es-CO" dirty="0"/>
-              <a:t>Eliminar Z y M. </a:t>
+              <a:rPr lang="es-CO" sz="1800" b="1" dirty="0">
+                <a:latin typeface="Century Gothic" panose="020B0502020202020204" pitchFamily="34" charset="0"/>
+              </a:rPr>
+              <a:t>Eliminar Z y M</a:t>
+            </a:r>
+            <a:r>
+              <a:rPr lang="es-CO" sz="1800" dirty="0">
+                <a:latin typeface="Century Gothic" panose="020B0502020202020204" pitchFamily="34" charset="0"/>
+              </a:rPr>
+              <a:t>. </a:t>
             </a:r>
             <a:r>
               <a:rPr lang="es-CO" dirty="0">
                 <a:solidFill>
-                  <a:srgbClr val="FF0000"/>
-                </a:solidFill>
+                  <a:srgbClr val="00B050"/>
+                </a:solidFill>
+                <a:latin typeface="Century Gothic" panose="020B0502020202020204" pitchFamily="34" charset="0"/>
               </a:rPr>
               <a:t>(No permiten hacer </a:t>
             </a:r>
             <a:r>
-              <a:rPr lang="es-CO" dirty="0" err="1">
-                <a:solidFill>
-                  <a:srgbClr val="FF0000"/>
-                </a:solidFill>
+              <a:rPr lang="es-CO" dirty="0" smtClean="0">
+                <a:solidFill>
+                  <a:srgbClr val="00B050"/>
+                </a:solidFill>
+                <a:latin typeface="Century Gothic" panose="020B0502020202020204" pitchFamily="34" charset="0"/>
+              </a:rPr>
+              <a:t>disolver límites (</a:t>
+            </a:r>
+            <a:r>
+              <a:rPr lang="es-CO" dirty="0" err="1" smtClean="0">
+                <a:solidFill>
+                  <a:srgbClr val="00B050"/>
+                </a:solidFill>
+                <a:latin typeface="Century Gothic" panose="020B0502020202020204" pitchFamily="34" charset="0"/>
               </a:rPr>
               <a:t>dissolve</a:t>
             </a:r>
             <a:r>
+              <a:rPr lang="es-CO" dirty="0" smtClean="0">
+                <a:solidFill>
+                  <a:srgbClr val="00B050"/>
+                </a:solidFill>
+                <a:latin typeface="Century Gothic" panose="020B0502020202020204" pitchFamily="34" charset="0"/>
+              </a:rPr>
+              <a:t>) </a:t>
+            </a:r>
+            <a:r>
               <a:rPr lang="es-CO" dirty="0">
                 <a:solidFill>
-                  <a:srgbClr val="FF0000"/>
-                </a:solidFill>
+                  <a:srgbClr val="00B050"/>
+                </a:solidFill>
+                <a:latin typeface="Century Gothic" panose="020B0502020202020204" pitchFamily="34" charset="0"/>
               </a:rPr>
-              <a:t> debido a que, las capas aunque están horizontalmente adyacentes, están verticalmente  separadas)</a:t>
+              <a:t>debido a que, las capas aunque están horizontalmente adyacentes, están verticalmente  separadas)</a:t>
             </a:r>
             <a:endParaRPr dirty="0">
               <a:solidFill>
-                <a:srgbClr val="FF0000"/>
+                <a:srgbClr val="00B050"/>
               </a:solidFill>
+              <a:latin typeface="Century Gothic" panose="020B0502020202020204" pitchFamily="34" charset="0"/>
             </a:endParaRPr>
           </a:p>
           <a:p>
@@ -16915,7 +16279,9 @@
               </a:spcAft>
               <a:buNone/>
             </a:pPr>
-            <a:endParaRPr dirty="0"/>
+            <a:endParaRPr dirty="0">
+              <a:latin typeface="Century Gothic" panose="020B0502020202020204" pitchFamily="34" charset="0"/>
+            </a:endParaRPr>
           </a:p>
           <a:p>
             <a:pPr marL="457200" lvl="0" indent="-317500" rtl="0">
@@ -16929,22 +16295,50 @@
               <a:buChar char="●"/>
             </a:pPr>
             <a:r>
-              <a:rPr lang="es-CO" dirty="0"/>
-              <a:t>Eliminar registros duplicados.(</a:t>
+              <a:rPr lang="es-CO" sz="1800" b="1" dirty="0">
+                <a:latin typeface="Century Gothic" panose="020B0502020202020204" pitchFamily="34" charset="0"/>
+              </a:rPr>
+              <a:t>Eliminar registros </a:t>
+            </a:r>
+            <a:r>
+              <a:rPr lang="es-CO" sz="1800" b="1" dirty="0" smtClean="0">
+                <a:latin typeface="Century Gothic" panose="020B0502020202020204" pitchFamily="34" charset="0"/>
+              </a:rPr>
+              <a:t>duplicados</a:t>
             </a:r>
             <a:r>
               <a:rPr lang="es-CO" dirty="0">
                 <a:solidFill>
-                  <a:srgbClr val="FF0000"/>
-                </a:solidFill>
+                  <a:srgbClr val="00B050"/>
+                </a:solidFill>
+                <a:latin typeface="Century Gothic" panose="020B0502020202020204" pitchFamily="34" charset="0"/>
               </a:rPr>
-              <a:t>Aumentan el área de estudio y producen errores de superposición</a:t>
+              <a:t> </a:t>
             </a:r>
             <a:r>
-              <a:rPr lang="es-CO" dirty="0"/>
-              <a:t>)</a:t>
+              <a:rPr lang="es-CO" dirty="0" smtClean="0">
+                <a:solidFill>
+                  <a:srgbClr val="00B050"/>
+                </a:solidFill>
+                <a:latin typeface="Century Gothic" panose="020B0502020202020204" pitchFamily="34" charset="0"/>
+              </a:rPr>
+              <a:t>(Aumentan </a:t>
             </a:r>
-            <a:endParaRPr dirty="0"/>
+            <a:r>
+              <a:rPr lang="es-CO" dirty="0">
+                <a:solidFill>
+                  <a:srgbClr val="00B050"/>
+                </a:solidFill>
+                <a:latin typeface="Century Gothic" panose="020B0502020202020204" pitchFamily="34" charset="0"/>
+              </a:rPr>
+              <a:t>el área de estudio y producen errores de superposición)</a:t>
+            </a:r>
+            <a:endParaRPr dirty="0">
+              <a:solidFill>
+                <a:srgbClr val="00B050"/>
+              </a:solidFill>
+              <a:latin typeface="Century Gothic" panose="020B0502020202020204" pitchFamily="34" charset="0"/>
+            </a:endParaRPr>
           </a:p>
           <a:p>
             <a:pPr marL="0" lvl="0" indent="0" rtl="0">
@@ -16956,7 +16350,9 @@
               </a:spcAft>
               <a:buNone/>
             </a:pPr>
-            <a:endParaRPr dirty="0"/>
+            <a:endParaRPr dirty="0">
+              <a:latin typeface="Century Gothic" panose="020B0502020202020204" pitchFamily="34" charset="0"/>
+            </a:endParaRPr>
           </a:p>
           <a:p>
             <a:pPr marL="457200" lvl="0" indent="-317500" rtl="0">
@@ -16970,22 +16366,26 @@
               <a:buChar char="●"/>
             </a:pPr>
             <a:r>
-              <a:rPr lang="es-CO" dirty="0"/>
-              <a:t>Procesar empleando el mismo sistema de coordenadas (</a:t>
+              <a:rPr lang="es-CO" sz="1800" b="1" dirty="0">
+                <a:latin typeface="Century Gothic" panose="020B0502020202020204" pitchFamily="34" charset="0"/>
+              </a:rPr>
+              <a:t>Procesar empleando el mismo sistema de coordenadas </a:t>
             </a:r>
             <a:r>
               <a:rPr lang="es-CO" dirty="0">
                 <a:solidFill>
-                  <a:srgbClr val="FF0000"/>
-                </a:solidFill>
+                  <a:srgbClr val="00B050"/>
+                </a:solidFill>
+                <a:latin typeface="Century Gothic" panose="020B0502020202020204" pitchFamily="34" charset="0"/>
               </a:rPr>
-              <a:t>desplazamientos</a:t>
+              <a:t>(desplazamientos)</a:t>
             </a:r>
-            <a:r>
-              <a:rPr lang="es-CO" dirty="0"/>
-              <a:t>)</a:t>
-            </a:r>
-            <a:endParaRPr dirty="0"/>
+            <a:endParaRPr dirty="0">
+              <a:solidFill>
+                <a:srgbClr val="00B050"/>
+              </a:solidFill>
+              <a:latin typeface="Century Gothic" panose="020B0502020202020204" pitchFamily="34" charset="0"/>
+            </a:endParaRPr>
           </a:p>
           <a:p>
             <a:pPr marL="0" lvl="0" indent="0" rtl="0">
@@ -16997,7 +16397,12 @@
               </a:spcAft>
               <a:buNone/>
             </a:pPr>
-            <a:endParaRPr dirty="0"/>
+            <a:endParaRPr dirty="0">
+              <a:solidFill>
+                <a:srgbClr val="00B050"/>
+              </a:solidFill>
+              <a:latin typeface="Century Gothic" panose="020B0502020202020204" pitchFamily="34" charset="0"/>
+            </a:endParaRPr>
           </a:p>
           <a:p>
             <a:pPr marL="457200" lvl="0" indent="-317500" rtl="0">
@@ -17011,30 +16416,38 @@
               <a:buChar char="●"/>
             </a:pPr>
             <a:r>
-              <a:rPr lang="es-CO" dirty="0"/>
+              <a:rPr lang="es-CO" sz="1800" b="1" dirty="0">
+                <a:latin typeface="Century Gothic" panose="020B0502020202020204" pitchFamily="34" charset="0"/>
+              </a:rPr>
               <a:t>Trabajar con geometrías single </a:t>
             </a:r>
             <a:r>
-              <a:rPr lang="es-CO" dirty="0" err="1"/>
+              <a:rPr lang="es-CO" sz="1800" b="1" dirty="0" err="1">
+                <a:latin typeface="Century Gothic" panose="020B0502020202020204" pitchFamily="34" charset="0"/>
+              </a:rPr>
               <a:t>part</a:t>
             </a:r>
             <a:r>
-              <a:rPr lang="es-CO" dirty="0"/>
-              <a:t> (</a:t>
+              <a:rPr lang="es-CO" sz="1800" b="1" dirty="0">
+                <a:latin typeface="Century Gothic" panose="020B0502020202020204" pitchFamily="34" charset="0"/>
+              </a:rPr>
+              <a:t> </a:t>
             </a:r>
             <a:r>
               <a:rPr lang="es-CO" dirty="0">
                 <a:solidFill>
-                  <a:srgbClr val="FF0000"/>
-                </a:solidFill>
+                  <a:srgbClr val="00B050"/>
+                </a:solidFill>
+                <a:latin typeface="Century Gothic" panose="020B0502020202020204" pitchFamily="34" charset="0"/>
               </a:rPr>
-              <a:t>imposibilitan algunos procesos de superposición y generalización</a:t>
+              <a:t>(imposibilitan algunos procesos de superposición y generalización)</a:t>
             </a:r>
-            <a:r>
-              <a:rPr lang="es-CO" dirty="0"/>
-              <a:t>)</a:t>
-            </a:r>
-            <a:endParaRPr dirty="0"/>
+            <a:endParaRPr dirty="0">
+              <a:solidFill>
+                <a:srgbClr val="00B050"/>
+              </a:solidFill>
+              <a:latin typeface="Century Gothic" panose="020B0502020202020204" pitchFamily="34" charset="0"/>
+            </a:endParaRPr>
           </a:p>
           <a:p>
             <a:pPr marL="0" lvl="0" indent="0" rtl="0">
@@ -17046,7 +16459,9 @@
               </a:spcAft>
               <a:buNone/>
             </a:pPr>
-            <a:endParaRPr dirty="0"/>
+            <a:endParaRPr dirty="0">
+              <a:latin typeface="Century Gothic" panose="020B0502020202020204" pitchFamily="34" charset="0"/>
+            </a:endParaRPr>
           </a:p>
           <a:p>
             <a:pPr marL="457200" lvl="0" indent="-317500" rtl="0">
@@ -17063,41 +16478,55 @@
               <a:buChar char="●"/>
             </a:pPr>
             <a:r>
-              <a:rPr lang="es-CO" dirty="0">
-                <a:solidFill>
-                  <a:schemeClr val="dk1"/>
-                </a:solidFill>
+              <a:rPr lang="es-CO" sz="1800" b="1" dirty="0">
+                <a:solidFill>
+                  <a:schemeClr val="dk1"/>
+                </a:solidFill>
+                <a:latin typeface="Century Gothic" panose="020B0502020202020204" pitchFamily="34" charset="0"/>
               </a:rPr>
-              <a:t>Reparar geometrías después de cada proceso de superposición (</a:t>
+              <a:t>Reparar geometrías después de cada proceso de superposición </a:t>
             </a:r>
             <a:r>
               <a:rPr lang="es-CO" dirty="0">
                 <a:solidFill>
-                  <a:srgbClr val="FF0000"/>
-                </a:solidFill>
+                  <a:srgbClr val="00B050"/>
+                </a:solidFill>
+                <a:latin typeface="Century Gothic" panose="020B0502020202020204" pitchFamily="34" charset="0"/>
               </a:rPr>
-              <a:t>Elimina errores como geometrías vacías y auto traslapes, corrige errores como el </a:t>
+              <a:t>(Elimina errores como geometrías vacías y auto traslapes, corrige errores como </a:t>
             </a:r>
             <a:r>
-              <a:rPr lang="es-CO" dirty="0" err="1">
-                <a:solidFill>
-                  <a:srgbClr val="FF0000"/>
-                </a:solidFill>
+              <a:rPr lang="es-CO" dirty="0" smtClean="0">
+                <a:solidFill>
+                  <a:srgbClr val="00B050"/>
+                </a:solidFill>
+                <a:latin typeface="Century Gothic" panose="020B0502020202020204" pitchFamily="34" charset="0"/>
+              </a:rPr>
+              <a:t>los errores de </a:t>
+            </a:r>
+            <a:r>
+              <a:rPr lang="es-CO" dirty="0" err="1" smtClean="0">
+                <a:solidFill>
+                  <a:srgbClr val="00B050"/>
+                </a:solidFill>
+                <a:latin typeface="Century Gothic" panose="020B0502020202020204" pitchFamily="34" charset="0"/>
               </a:rPr>
               <a:t>topoengine</a:t>
             </a:r>
             <a:r>
               <a:rPr lang="es-CO" dirty="0">
                 <a:solidFill>
-                  <a:schemeClr val="dk1"/>
-                </a:solidFill>
+                  <a:srgbClr val="00B050"/>
+                </a:solidFill>
+                <a:latin typeface="Century Gothic" panose="020B0502020202020204" pitchFamily="34" charset="0"/>
               </a:rPr>
               <a:t>)</a:t>
             </a:r>
             <a:endParaRPr dirty="0">
               <a:solidFill>
-                <a:schemeClr val="dk1"/>
+                <a:srgbClr val="00B050"/>
               </a:solidFill>
+              <a:latin typeface="Century Gothic" panose="020B0502020202020204" pitchFamily="34" charset="0"/>
             </a:endParaRPr>
           </a:p>
           <a:p>
@@ -17114,6 +16543,7 @@
               <a:solidFill>
                 <a:schemeClr val="dk1"/>
               </a:solidFill>
+              <a:latin typeface="Century Gothic" panose="020B0502020202020204" pitchFamily="34" charset="0"/>
             </a:endParaRPr>
           </a:p>
           <a:p>
@@ -17131,33 +16561,149 @@
               <a:buChar char="●"/>
             </a:pPr>
             <a:r>
-              <a:rPr lang="es-CO" dirty="0">
-                <a:solidFill>
-                  <a:schemeClr val="dk1"/>
-                </a:solidFill>
+              <a:rPr lang="es-CO" sz="1800" b="1" dirty="0">
+                <a:solidFill>
+                  <a:schemeClr val="dk1"/>
+                </a:solidFill>
+                <a:latin typeface="Century Gothic" panose="020B0502020202020204" pitchFamily="34" charset="0"/>
               </a:rPr>
-              <a:t>Segmentar polígonos grandes con Dice (</a:t>
+              <a:t>Segmentar polígonos grandes con Dice </a:t>
             </a:r>
             <a:r>
               <a:rPr lang="es-CO" dirty="0">
                 <a:solidFill>
-                  <a:srgbClr val="FF0000"/>
-                </a:solidFill>
+                  <a:srgbClr val="00B050"/>
+                </a:solidFill>
+                <a:latin typeface="Century Gothic" panose="020B0502020202020204" pitchFamily="34" charset="0"/>
               </a:rPr>
-              <a:t>Mejora el rendimiento de las operaciones en entidades muy grandes</a:t>
+              <a:t>(Mejora el rendimiento de las operaciones en entidades muy grandes)</a:t>
+            </a:r>
+            <a:endParaRPr dirty="0">
+              <a:solidFill>
+                <a:srgbClr val="00B050"/>
+              </a:solidFill>
+              <a:latin typeface="Century Gothic" panose="020B0502020202020204" pitchFamily="34" charset="0"/>
+            </a:endParaRPr>
+          </a:p>
+          <a:p>
+            <a:pPr marL="0" lvl="0" indent="0" rtl="0">
+              <a:spcBef>
+                <a:spcPts val="0"/>
+              </a:spcBef>
+              <a:spcAft>
+                <a:spcPts val="0"/>
+              </a:spcAft>
+              <a:buNone/>
+            </a:pPr>
+            <a:endParaRPr sz="1800" dirty="0">
+              <a:solidFill>
+                <a:schemeClr val="dk1"/>
+              </a:solidFill>
+              <a:latin typeface="Century Gothic" panose="020B0502020202020204" pitchFamily="34" charset="0"/>
+            </a:endParaRPr>
+          </a:p>
+          <a:p>
+            <a:pPr marL="457200" lvl="0" indent="-317500" rtl="0">
+              <a:spcBef>
+                <a:spcPts val="0"/>
+              </a:spcBef>
+              <a:spcAft>
+                <a:spcPts val="0"/>
+              </a:spcAft>
+              <a:buClr>
+                <a:schemeClr val="dk1"/>
+              </a:buClr>
+              <a:buSzPts val="1400"/>
+              <a:buChar char="●"/>
+            </a:pPr>
+            <a:r>
+              <a:rPr lang="es-CO" sz="1800" b="1" dirty="0">
+                <a:solidFill>
+                  <a:schemeClr val="dk1"/>
+                </a:solidFill>
+                <a:latin typeface="Century Gothic" panose="020B0502020202020204" pitchFamily="34" charset="0"/>
+              </a:rPr>
+              <a:t>Disolver en la medida de lo posible las capas insumo </a:t>
             </a:r>
             <a:r>
               <a:rPr lang="es-CO" dirty="0">
                 <a:solidFill>
-                  <a:schemeClr val="dk1"/>
-                </a:solidFill>
+                  <a:srgbClr val="00B050"/>
+                </a:solidFill>
+                <a:latin typeface="Century Gothic" panose="020B0502020202020204" pitchFamily="34" charset="0"/>
+              </a:rPr>
+              <a:t>(Ayuda a eliminar superposición </a:t>
+            </a:r>
+            <a:r>
+              <a:rPr lang="es-CO" dirty="0" smtClean="0">
+                <a:solidFill>
+                  <a:srgbClr val="00B050"/>
+                </a:solidFill>
+                <a:latin typeface="Century Gothic" panose="020B0502020202020204" pitchFamily="34" charset="0"/>
               </a:rPr>
               <a:t>)</a:t>
             </a:r>
             <a:endParaRPr dirty="0">
               <a:solidFill>
+                <a:srgbClr val="00B050"/>
+              </a:solidFill>
+              <a:latin typeface="Century Gothic" panose="020B0502020202020204" pitchFamily="34" charset="0"/>
+            </a:endParaRPr>
+          </a:p>
+          <a:p>
+            <a:pPr marL="0" lvl="0" indent="0" rtl="0">
+              <a:spcBef>
+                <a:spcPts val="0"/>
+              </a:spcBef>
+              <a:spcAft>
+                <a:spcPts val="0"/>
+              </a:spcAft>
+              <a:buNone/>
+            </a:pPr>
+            <a:endParaRPr b="1" dirty="0">
+              <a:solidFill>
                 <a:schemeClr val="dk1"/>
               </a:solidFill>
+              <a:latin typeface="Century Gothic" panose="020B0502020202020204" pitchFamily="34" charset="0"/>
+            </a:endParaRPr>
+          </a:p>
+          <a:p>
+            <a:pPr marL="457200" lvl="0" indent="-317500" rtl="0">
+              <a:spcBef>
+                <a:spcPts val="0"/>
+              </a:spcBef>
+              <a:spcAft>
+                <a:spcPts val="0"/>
+              </a:spcAft>
+              <a:buClr>
+                <a:schemeClr val="dk1"/>
+              </a:buClr>
+              <a:buSzPts val="1400"/>
+              <a:buChar char="●"/>
+            </a:pPr>
+            <a:r>
+              <a:rPr lang="es-CO" sz="1800" b="1" dirty="0">
+                <a:solidFill>
+                  <a:schemeClr val="dk1"/>
+                </a:solidFill>
+                <a:latin typeface="Century Gothic" panose="020B0502020202020204" pitchFamily="34" charset="0"/>
+              </a:rPr>
+              <a:t>No emplear caracteres especiales ni rutas con espacio </a:t>
+            </a:r>
+            <a:r>
+              <a:rPr lang="es-CO" dirty="0">
+                <a:solidFill>
+                  <a:srgbClr val="00B050"/>
+                </a:solidFill>
+                <a:latin typeface="Century Gothic" panose="020B0502020202020204" pitchFamily="34" charset="0"/>
+              </a:rPr>
+              <a:t>(Imposibilita el uso de algunos scripts optimizados y generar problemas al publicar)</a:t>
+            </a:r>
+            <a:endParaRPr dirty="0">
+              <a:solidFill>
+                <a:srgbClr val="00B050"/>
+              </a:solidFill>
+              <a:latin typeface="Century Gothic" panose="020B0502020202020204" pitchFamily="34" charset="0"/>
             </a:endParaRPr>
           </a:p>
           <a:p>
@@ -17174,6 +16720,7 @@
               <a:solidFill>
                 <a:schemeClr val="dk1"/>
               </a:solidFill>
+              <a:latin typeface="Century Gothic" panose="020B0502020202020204" pitchFamily="34" charset="0"/>
             </a:endParaRPr>
           </a:p>
           <a:p>
@@ -17191,33 +16738,46 @@
               <a:buChar char="●"/>
             </a:pPr>
             <a:r>
-              <a:rPr lang="es-CO" dirty="0">
-                <a:solidFill>
-                  <a:schemeClr val="dk1"/>
-                </a:solidFill>
+              <a:rPr lang="es-CO" sz="1800" b="1" dirty="0">
+                <a:solidFill>
+                  <a:schemeClr val="dk1"/>
+                </a:solidFill>
+                <a:latin typeface="Century Gothic" panose="020B0502020202020204" pitchFamily="34" charset="0"/>
               </a:rPr>
-              <a:t>Disolver en la medida de lo posible las capas insumo (</a:t>
+              <a:t>No copiar y pegar fracciones de otros modelos </a:t>
             </a:r>
             <a:r>
               <a:rPr lang="es-CO" dirty="0">
                 <a:solidFill>
-                  <a:srgbClr val="FF0000"/>
-                </a:solidFill>
+                  <a:srgbClr val="00B050"/>
+                </a:solidFill>
+                <a:latin typeface="Century Gothic" panose="020B0502020202020204" pitchFamily="34" charset="0"/>
               </a:rPr>
-              <a:t>Ayuda a eliminar superposición </a:t>
+              <a:t>(Las copias almacenan </a:t>
             </a:r>
             <a:r>
               <a:rPr lang="es-CO" dirty="0">
                 <a:solidFill>
-                  <a:schemeClr val="dk1"/>
-                </a:solidFill>
+                  <a:srgbClr val="00B050"/>
+                </a:solidFill>
+                <a:latin typeface="Century Gothic" panose="020B0502020202020204" pitchFamily="34" charset="0"/>
               </a:rPr>
-              <a:t>).</a:t>
+              <a:t>caché que puede causar resultados </a:t>
+            </a:r>
+            <a:r>
+              <a:rPr lang="es-CO" dirty="0" smtClean="0">
+                <a:solidFill>
+                  <a:srgbClr val="00B050"/>
+                </a:solidFill>
+                <a:latin typeface="Century Gothic" panose="020B0502020202020204" pitchFamily="34" charset="0"/>
+              </a:rPr>
+              <a:t>inesperados)</a:t>
             </a:r>
             <a:endParaRPr dirty="0">
               <a:solidFill>
-                <a:schemeClr val="dk1"/>
+                <a:srgbClr val="00B050"/>
               </a:solidFill>
+              <a:latin typeface="Century Gothic" panose="020B0502020202020204" pitchFamily="34" charset="0"/>
             </a:endParaRPr>
           </a:p>
           <a:p>
@@ -17231,53 +16791,7 @@
               <a:buNone/>
             </a:pPr>
             <a:endParaRPr dirty="0">
-              <a:solidFill>
-                <a:schemeClr val="dk1"/>
-              </a:solidFill>
-            </a:endParaRPr>
-          </a:p>
-          <a:p>
-            <a:pPr marL="457200" lvl="0" indent="-317500" rtl="0">
-              <a:spcBef>
-                <a:spcPts val="0"/>
-              </a:spcBef>
-              <a:spcAft>
-                <a:spcPts val="0"/>
-              </a:spcAft>
-              <a:buClr>
-                <a:schemeClr val="dk1"/>
-              </a:buClr>
-              <a:buSzPts val="1400"/>
-              <a:buChar char="●"/>
-            </a:pPr>
-            <a:r>
-              <a:rPr lang="es-CO" dirty="0">
-                <a:solidFill>
-                  <a:schemeClr val="dk1"/>
-                </a:solidFill>
-              </a:rPr>
-              <a:t>No emplear caracteres especiales ni rutas con espacio (</a:t>
-            </a:r>
-            <a:r>
-              <a:rPr lang="es-CO" dirty="0">
-                <a:solidFill>
-                  <a:srgbClr val="FF0000"/>
-                </a:solidFill>
-              </a:rPr>
-              <a:t>Imposibilita el uso de algunos scripts optimizados y generar problemas al publicar</a:t>
-            </a:r>
-            <a:r>
-              <a:rPr lang="es-CO" dirty="0">
-                <a:solidFill>
-                  <a:schemeClr val="dk1"/>
-                </a:solidFill>
-              </a:rPr>
-              <a:t>)</a:t>
-            </a:r>
-            <a:endParaRPr dirty="0">
-              <a:solidFill>
-                <a:schemeClr val="dk1"/>
-              </a:solidFill>
+              <a:latin typeface="Century Gothic" panose="020B0502020202020204" pitchFamily="34" charset="0"/>
             </a:endParaRPr>
           </a:p>
           <a:p>
@@ -17291,53 +16805,7 @@
               <a:buNone/>
             </a:pPr>
             <a:endParaRPr dirty="0">
-              <a:solidFill>
-                <a:schemeClr val="dk1"/>
-              </a:solidFill>
-            </a:endParaRPr>
-          </a:p>
-          <a:p>
-            <a:pPr marL="457200" lvl="0" indent="-317500" rtl="0">
-              <a:spcBef>
-                <a:spcPts val="0"/>
-              </a:spcBef>
-              <a:spcAft>
-                <a:spcPts val="0"/>
-              </a:spcAft>
-              <a:buClr>
-                <a:schemeClr val="dk1"/>
-              </a:buClr>
-              <a:buSzPts val="1400"/>
-              <a:buChar char="●"/>
-            </a:pPr>
-            <a:r>
-              <a:rPr lang="es-CO" dirty="0">
-                <a:solidFill>
-                  <a:schemeClr val="dk1"/>
-                </a:solidFill>
-              </a:rPr>
-              <a:t>No copiar y pegar fracciones de otros modelos (</a:t>
-            </a:r>
-            <a:r>
-              <a:rPr lang="es-CO" dirty="0">
-                <a:solidFill>
-                  <a:srgbClr val="FF0000"/>
-                </a:solidFill>
-              </a:rPr>
-              <a:t>Las copias almacenan caché que puede causar resultados inesperados</a:t>
-            </a:r>
-            <a:r>
-              <a:rPr lang="es-CO" dirty="0">
-                <a:solidFill>
-                  <a:schemeClr val="dk1"/>
-                </a:solidFill>
-              </a:rPr>
-              <a:t>).</a:t>
-            </a:r>
-            <a:endParaRPr dirty="0">
-              <a:solidFill>
-                <a:schemeClr val="dk1"/>
-              </a:solidFill>
+              <a:latin typeface="Century Gothic" panose="020B0502020202020204" pitchFamily="34" charset="0"/>
             </a:endParaRPr>
           </a:p>
           <a:p>
@@ -17350,69 +16818,22 @@
               </a:spcAft>
               <a:buNone/>
             </a:pPr>
-            <a:endParaRPr dirty="0"/>
-          </a:p>
-          <a:p>
-            <a:pPr marL="0" lvl="0" indent="0" rtl="0">
-              <a:spcBef>
-                <a:spcPts val="0"/>
-              </a:spcBef>
-              <a:spcAft>
-                <a:spcPts val="0"/>
-              </a:spcAft>
-              <a:buNone/>
-            </a:pPr>
-            <a:endParaRPr dirty="0"/>
-          </a:p>
-          <a:p>
-            <a:pPr marL="0" lvl="0" indent="0" rtl="0">
-              <a:spcBef>
-                <a:spcPts val="0"/>
-              </a:spcBef>
-              <a:spcAft>
-                <a:spcPts val="0"/>
-              </a:spcAft>
-              <a:buNone/>
-            </a:pPr>
-            <a:endParaRPr dirty="0"/>
+            <a:endParaRPr dirty="0">
+              <a:latin typeface="Century Gothic" panose="020B0502020202020204" pitchFamily="34" charset="0"/>
+            </a:endParaRPr>
           </a:p>
         </p:txBody>
       </p:sp>
-    </p:spTree>
-  </p:cSld>
-  <p:clrMapOvr>
-    <a:masterClrMapping/>
-  </p:clrMapOvr>
-</p:sld>
-</file>
-
-<file path=ppt/slides/slide3.xml><?xml version="1.0" encoding="utf-8"?>
-<p:sld xmlns:a="http://schemas.openxmlformats.org/drawingml/2006/main" xmlns:r="http://schemas.openxmlformats.org/officeDocument/2006/relationships" xmlns:p="http://schemas.openxmlformats.org/presentationml/2006/main">
-  <p:cSld>
-    <p:spTree>
-      <p:nvGrpSpPr>
-        <p:cNvPr id="1" name="Shape 101"/>
-        <p:cNvGrpSpPr/>
-        <p:nvPr/>
-      </p:nvGrpSpPr>
-      <p:grpSpPr>
-        <a:xfrm>
-          <a:off x="0" y="0"/>
-          <a:ext cx="0" cy="0"/>
-          <a:chOff x="0" y="0"/>
-          <a:chExt cx="0" cy="0"/>
-        </a:xfrm>
-      </p:grpSpPr>
       <p:sp>
         <p:nvSpPr>
-          <p:cNvPr id="102" name="Shape 102"/>
+          <p:cNvPr id="4" name="Shape 89"/>
           <p:cNvSpPr txBox="1"/>
           <p:nvPr/>
         </p:nvSpPr>
         <p:spPr>
           <a:xfrm>
-            <a:off x="899225" y="1906600"/>
-            <a:ext cx="9624900" cy="3883500"/>
+            <a:off x="284091" y="966051"/>
+            <a:ext cx="10515600" cy="680223"/>
           </a:xfrm>
           <a:prstGeom prst="rect">
             <a:avLst/>
@@ -17423,12 +16844,15 @@
           </a:ln>
         </p:spPr>
         <p:txBody>
-          <a:bodyPr spcFirstLastPara="1" wrap="square" lIns="91425" tIns="91425" rIns="91425" bIns="91425" anchor="t" anchorCtr="0">
+          <a:bodyPr spcFirstLastPara="1" wrap="square" lIns="91425" tIns="45700" rIns="91425" bIns="45700" anchor="b" anchorCtr="0">
             <a:noAutofit/>
           </a:bodyPr>
           <a:lstStyle/>
           <a:p>
-            <a:pPr marL="0" lvl="0" indent="0" rtl="0">
+            <a:pPr marL="0" marR="0" lvl="0" indent="0" algn="ctr" rtl="0">
+              <a:lnSpc>
+                <a:spcPct val="90000"/>
+              </a:lnSpc>
               <a:spcBef>
                 <a:spcPts val="0"/>
               </a:spcBef>
@@ -17436,798 +16860,26 @@
                 <a:spcPts val="0"/>
               </a:spcAft>
               <a:buClr>
-                <a:srgbClr val="000000"/>
+                <a:srgbClr val="FFFFFF"/>
               </a:buClr>
-              <a:buNone/>
-            </a:pPr>
-            <a:endParaRPr>
-              <a:solidFill>
-                <a:schemeClr val="dk1"/>
-              </a:solidFill>
-            </a:endParaRPr>
-          </a:p>
-          <a:p>
-            <a:pPr marL="0" lvl="0" indent="0" rtl="0">
-              <a:spcBef>
-                <a:spcPts val="0"/>
-              </a:spcBef>
-              <a:spcAft>
-                <a:spcPts val="0"/>
-              </a:spcAft>
-              <a:buClr>
-                <a:srgbClr val="000000"/>
-              </a:buClr>
-              <a:buNone/>
-            </a:pPr>
-            <a:endParaRPr>
-              <a:solidFill>
-                <a:schemeClr val="dk1"/>
-              </a:solidFill>
-            </a:endParaRPr>
-          </a:p>
-          <a:p>
-            <a:pPr marL="457200" lvl="0" indent="-317500" rtl="0">
-              <a:spcBef>
-                <a:spcPts val="0"/>
-              </a:spcBef>
-              <a:spcAft>
-                <a:spcPts val="0"/>
-              </a:spcAft>
-              <a:buClr>
-                <a:schemeClr val="dk1"/>
-              </a:buClr>
-              <a:buSzPts val="1400"/>
-              <a:buChar char="●"/>
+              <a:buFont typeface="Century Gothic"/>
+              <a:buNone/>
             </a:pPr>
             <a:r>
-              <a:rPr lang="es-CO">
-                <a:solidFill>
-                  <a:schemeClr val="dk1"/>
-                </a:solidFill>
+              <a:rPr lang="es-CO" sz="4000" b="1" dirty="0" smtClean="0">
+                <a:solidFill>
+                  <a:srgbClr val="00B050"/>
+                </a:solidFill>
+                <a:latin typeface="Century Gothic"/>
+                <a:ea typeface="Century Gothic"/>
+                <a:cs typeface="Century Gothic"/>
+                <a:sym typeface="Century Gothic"/>
               </a:rPr>
-              <a:t>Validar el espacio en disco disponible, la RAM usada por ArcGis, del sistema en general y la velocidad de conexión de red.(</a:t>
+              <a:t>Listado de buenas prácticas </a:t>
             </a:r>
-            <a:r>
-              <a:rPr lang="es-CO">
-                <a:solidFill>
-                  <a:srgbClr val="FF0000"/>
-                </a:solidFill>
-              </a:rPr>
-              <a:t>Poca RAM no permite a la herramienta ejecutarse y falla, la velocidad de conexión de red hace que las capas se procesen de forma incompleta</a:t>
-            </a:r>
-            <a:r>
-              <a:rPr lang="es-CO">
-                <a:solidFill>
-                  <a:schemeClr val="dk1"/>
-                </a:solidFill>
-              </a:rPr>
-              <a:t>)</a:t>
-            </a:r>
-            <a:endParaRPr>
+            <a:endParaRPr sz="2800" b="1" i="0" u="none" strike="noStrike" cap="none" dirty="0">
               <a:solidFill>
-                <a:schemeClr val="dk1"/>
-              </a:solidFill>
-            </a:endParaRPr>
-          </a:p>
-          <a:p>
-            <a:pPr marL="0" lvl="0" indent="0" rtl="0">
-              <a:spcBef>
-                <a:spcPts val="0"/>
-              </a:spcBef>
-              <a:spcAft>
-                <a:spcPts val="0"/>
-              </a:spcAft>
-              <a:buClr>
-                <a:srgbClr val="000000"/>
-              </a:buClr>
-              <a:buNone/>
-            </a:pPr>
-            <a:endParaRPr>
-              <a:solidFill>
-                <a:schemeClr val="dk1"/>
-              </a:solidFill>
-            </a:endParaRPr>
-          </a:p>
-          <a:p>
-            <a:pPr marL="457200" lvl="0" indent="-317500" rtl="0">
-              <a:spcBef>
-                <a:spcPts val="0"/>
-              </a:spcBef>
-              <a:spcAft>
-                <a:spcPts val="0"/>
-              </a:spcAft>
-              <a:buClr>
-                <a:schemeClr val="dk1"/>
-              </a:buClr>
-              <a:buSzPts val="1400"/>
-              <a:buChar char="●"/>
-            </a:pPr>
-            <a:r>
-              <a:rPr lang="es-CO">
-                <a:solidFill>
-                  <a:schemeClr val="dk1"/>
-                </a:solidFill>
-              </a:rPr>
-              <a:t>Eliminar polígonos pequeños (</a:t>
-            </a:r>
-            <a:r>
-              <a:rPr lang="es-CO">
-                <a:solidFill>
-                  <a:srgbClr val="FF0000"/>
-                </a:solidFill>
-              </a:rPr>
-              <a:t>los polígonos pequeños no los validan los revisores de calidad y aumentan la complejidad de los procesos, en la mayoría de casos generan “Ruido”</a:t>
-            </a:r>
-            <a:r>
-              <a:rPr lang="es-CO">
-                <a:solidFill>
-                  <a:schemeClr val="dk1"/>
-                </a:solidFill>
-              </a:rPr>
-              <a:t>).</a:t>
-            </a:r>
-            <a:endParaRPr>
-              <a:solidFill>
-                <a:schemeClr val="dk1"/>
-              </a:solidFill>
-            </a:endParaRPr>
-          </a:p>
-          <a:p>
-            <a:pPr marL="0" lvl="0" indent="0" rtl="0">
-              <a:spcBef>
-                <a:spcPts val="0"/>
-              </a:spcBef>
-              <a:spcAft>
-                <a:spcPts val="0"/>
-              </a:spcAft>
-              <a:buNone/>
-            </a:pPr>
-            <a:endParaRPr>
-              <a:solidFill>
-                <a:schemeClr val="dk1"/>
-              </a:solidFill>
-            </a:endParaRPr>
-          </a:p>
-          <a:p>
-            <a:pPr marL="457200" lvl="0" indent="-317500" rtl="0">
-              <a:spcBef>
-                <a:spcPts val="0"/>
-              </a:spcBef>
-              <a:spcAft>
-                <a:spcPts val="0"/>
-              </a:spcAft>
-              <a:buClr>
-                <a:schemeClr val="dk1"/>
-              </a:buClr>
-              <a:buSzPts val="1400"/>
-              <a:buChar char="●"/>
-            </a:pPr>
-            <a:r>
-              <a:rPr lang="es-CO">
-                <a:solidFill>
-                  <a:schemeClr val="dk1"/>
-                </a:solidFill>
-              </a:rPr>
-              <a:t>Corregir problemas topológicos (</a:t>
-            </a:r>
-            <a:r>
-              <a:rPr lang="es-CO">
-                <a:solidFill>
-                  <a:srgbClr val="FF0000"/>
-                </a:solidFill>
-              </a:rPr>
-              <a:t>garantiza la calidad de los productos</a:t>
-            </a:r>
-            <a:r>
-              <a:rPr lang="es-CO">
-                <a:solidFill>
-                  <a:schemeClr val="dk1"/>
-                </a:solidFill>
-              </a:rPr>
-              <a:t>).</a:t>
-            </a:r>
-            <a:endParaRPr>
-              <a:solidFill>
-                <a:schemeClr val="dk1"/>
-              </a:solidFill>
-            </a:endParaRPr>
-          </a:p>
-          <a:p>
-            <a:pPr marL="0" lvl="0" indent="0" rtl="0">
-              <a:spcBef>
-                <a:spcPts val="0"/>
-              </a:spcBef>
-              <a:spcAft>
-                <a:spcPts val="0"/>
-              </a:spcAft>
-              <a:buNone/>
-            </a:pPr>
-            <a:endParaRPr>
-              <a:solidFill>
-                <a:schemeClr val="dk1"/>
-              </a:solidFill>
-            </a:endParaRPr>
-          </a:p>
-          <a:p>
-            <a:pPr marL="457200" lvl="0" indent="-317500" rtl="0">
-              <a:spcBef>
-                <a:spcPts val="0"/>
-              </a:spcBef>
-              <a:spcAft>
-                <a:spcPts val="0"/>
-              </a:spcAft>
-              <a:buClr>
-                <a:schemeClr val="dk1"/>
-              </a:buClr>
-              <a:buSzPts val="1400"/>
-              <a:buChar char="●"/>
-            </a:pPr>
-            <a:r>
-              <a:rPr lang="es-CO">
-                <a:solidFill>
-                  <a:schemeClr val="dk1"/>
-                </a:solidFill>
-              </a:rPr>
-              <a:t>Cerrar Arcgis luego de ejecutar procesos largos (</a:t>
-            </a:r>
-            <a:r>
-              <a:rPr lang="es-CO">
-                <a:solidFill>
-                  <a:srgbClr val="FF0000"/>
-                </a:solidFill>
-              </a:rPr>
-              <a:t>el almacenamiento de caché produce cierres, inestabilidad y resultados inesperados</a:t>
-            </a:r>
-            <a:r>
-              <a:rPr lang="es-CO">
-                <a:solidFill>
-                  <a:schemeClr val="dk1"/>
-                </a:solidFill>
-              </a:rPr>
-              <a:t>).</a:t>
-            </a:r>
-            <a:endParaRPr>
-              <a:solidFill>
-                <a:schemeClr val="dk1"/>
-              </a:solidFill>
-            </a:endParaRPr>
-          </a:p>
-          <a:p>
-            <a:pPr marL="0" lvl="0" indent="0" rtl="0">
-              <a:spcBef>
-                <a:spcPts val="0"/>
-              </a:spcBef>
-              <a:spcAft>
-                <a:spcPts val="0"/>
-              </a:spcAft>
-              <a:buNone/>
-            </a:pPr>
-            <a:endParaRPr>
-              <a:solidFill>
-                <a:schemeClr val="dk1"/>
-              </a:solidFill>
-            </a:endParaRPr>
-          </a:p>
-          <a:p>
-            <a:pPr marL="457200" lvl="0" indent="-317500" rtl="0">
-              <a:spcBef>
-                <a:spcPts val="0"/>
-              </a:spcBef>
-              <a:spcAft>
-                <a:spcPts val="0"/>
-              </a:spcAft>
-              <a:buClr>
-                <a:schemeClr val="dk1"/>
-              </a:buClr>
-              <a:buSzPts val="1400"/>
-              <a:buChar char="●"/>
-            </a:pPr>
-            <a:r>
-              <a:rPr lang="es-CO">
-                <a:solidFill>
-                  <a:schemeClr val="dk1"/>
-                </a:solidFill>
-              </a:rPr>
-              <a:t>Apagar el computador por lo menos una vez a la semana (</a:t>
-            </a:r>
-            <a:r>
-              <a:rPr lang="es-CO">
-                <a:solidFill>
-                  <a:srgbClr val="FF0000"/>
-                </a:solidFill>
-              </a:rPr>
-              <a:t>por ahorrar energía y mantener la estabilidad del SO</a:t>
-            </a:r>
-            <a:r>
-              <a:rPr lang="es-CO">
-                <a:solidFill>
-                  <a:schemeClr val="dk1"/>
-                </a:solidFill>
-              </a:rPr>
-              <a:t>).</a:t>
-            </a:r>
-            <a:endParaRPr>
-              <a:solidFill>
-                <a:schemeClr val="dk1"/>
-              </a:solidFill>
-            </a:endParaRPr>
-          </a:p>
-          <a:p>
-            <a:pPr marL="0" lvl="0" indent="0" rtl="0">
-              <a:spcBef>
-                <a:spcPts val="0"/>
-              </a:spcBef>
-              <a:spcAft>
-                <a:spcPts val="0"/>
-              </a:spcAft>
-              <a:buNone/>
-            </a:pPr>
-            <a:endParaRPr>
-              <a:solidFill>
-                <a:schemeClr val="dk1"/>
-              </a:solidFill>
-            </a:endParaRPr>
-          </a:p>
-          <a:p>
-            <a:pPr marL="457200" lvl="0" indent="-317500" rtl="0">
-              <a:spcBef>
-                <a:spcPts val="0"/>
-              </a:spcBef>
-              <a:spcAft>
-                <a:spcPts val="0"/>
-              </a:spcAft>
-              <a:buClr>
-                <a:schemeClr val="dk1"/>
-              </a:buClr>
-              <a:buSzPts val="1400"/>
-              <a:buChar char="●"/>
-            </a:pPr>
-            <a:r>
-              <a:rPr lang="es-CO">
-                <a:solidFill>
-                  <a:schemeClr val="dk1"/>
-                </a:solidFill>
-              </a:rPr>
-              <a:t>Comentar con otros usuarios los problemas y nuevos conocimientos que ayuden a mejorar el proceso (</a:t>
-            </a:r>
-            <a:r>
-              <a:rPr lang="es-CO">
-                <a:solidFill>
-                  <a:srgbClr val="FF0000"/>
-                </a:solidFill>
-              </a:rPr>
-              <a:t>Si todos sabemos como superarlos, logramos mejorar la calidad de nuestros productos y reducimos tiempo</a:t>
-            </a:r>
-            <a:r>
-              <a:rPr lang="es-CO">
-                <a:solidFill>
-                  <a:schemeClr val="dk1"/>
-                </a:solidFill>
-              </a:rPr>
-              <a:t> ).</a:t>
-            </a:r>
-            <a:endParaRPr>
-              <a:solidFill>
-                <a:schemeClr val="dk1"/>
-              </a:solidFill>
-            </a:endParaRPr>
-          </a:p>
-          <a:p>
-            <a:pPr marL="0" lvl="0" indent="0" rtl="0">
-              <a:spcBef>
-                <a:spcPts val="0"/>
-              </a:spcBef>
-              <a:spcAft>
-                <a:spcPts val="0"/>
-              </a:spcAft>
-              <a:buNone/>
-            </a:pPr>
-            <a:endParaRPr>
-              <a:solidFill>
-                <a:schemeClr val="dk1"/>
-              </a:solidFill>
-            </a:endParaRPr>
-          </a:p>
-          <a:p>
-            <a:pPr marL="0" lvl="0" indent="0" rtl="0">
-              <a:spcBef>
-                <a:spcPts val="0"/>
-              </a:spcBef>
-              <a:spcAft>
-                <a:spcPts val="0"/>
-              </a:spcAft>
-              <a:buNone/>
-            </a:pPr>
-            <a:endParaRPr/>
-          </a:p>
-          <a:p>
-            <a:pPr marL="0" lvl="0" indent="0" rtl="0">
-              <a:spcBef>
-                <a:spcPts val="0"/>
-              </a:spcBef>
-              <a:spcAft>
-                <a:spcPts val="0"/>
-              </a:spcAft>
-              <a:buNone/>
-            </a:pPr>
-            <a:endParaRPr/>
-          </a:p>
-          <a:p>
-            <a:pPr marL="0" lvl="0" indent="0" rtl="0">
-              <a:spcBef>
-                <a:spcPts val="0"/>
-              </a:spcBef>
-              <a:spcAft>
-                <a:spcPts val="0"/>
-              </a:spcAft>
-              <a:buNone/>
-            </a:pPr>
-            <a:endParaRPr/>
-          </a:p>
-          <a:p>
-            <a:pPr marL="0" lvl="0" indent="0" rtl="0">
-              <a:spcBef>
-                <a:spcPts val="0"/>
-              </a:spcBef>
-              <a:spcAft>
-                <a:spcPts val="0"/>
-              </a:spcAft>
-              <a:buNone/>
-            </a:pPr>
-            <a:endParaRPr/>
-          </a:p>
-        </p:txBody>
-      </p:sp>
-      <p:pic>
-        <p:nvPicPr>
-          <p:cNvPr id="103" name="Shape 103"/>
-          <p:cNvPicPr preferRelativeResize="0"/>
-          <p:nvPr/>
-        </p:nvPicPr>
-        <p:blipFill>
-          <a:blip r:embed="rId3">
-            <a:alphaModFix/>
-          </a:blip>
-          <a:stretch>
-            <a:fillRect/>
-          </a:stretch>
-        </p:blipFill>
-        <p:spPr>
-          <a:xfrm>
-            <a:off x="3432800" y="452738"/>
-            <a:ext cx="4762500" cy="1285875"/>
-          </a:xfrm>
-          <a:prstGeom prst="rect">
-            <a:avLst/>
-          </a:prstGeom>
-          <a:noFill/>
-          <a:ln>
-            <a:noFill/>
-          </a:ln>
-        </p:spPr>
-      </p:pic>
-    </p:spTree>
-  </p:cSld>
-  <p:clrMapOvr>
-    <a:masterClrMapping/>
-  </p:clrMapOvr>
-</p:sld>
-</file>
-
-<file path=ppt/slides/slide4.xml><?xml version="1.0" encoding="utf-8"?>
-<p:sld xmlns:a="http://schemas.openxmlformats.org/drawingml/2006/main" xmlns:r="http://schemas.openxmlformats.org/officeDocument/2006/relationships" xmlns:p="http://schemas.openxmlformats.org/presentationml/2006/main">
-  <p:cSld>
-    <p:spTree>
-      <p:nvGrpSpPr>
-        <p:cNvPr id="1" name="Shape 108"/>
-        <p:cNvGrpSpPr/>
-        <p:nvPr/>
-      </p:nvGrpSpPr>
-      <p:grpSpPr>
-        <a:xfrm>
-          <a:off x="0" y="0"/>
-          <a:ext cx="0" cy="0"/>
-          <a:chOff x="0" y="0"/>
-          <a:chExt cx="0" cy="0"/>
-        </a:xfrm>
-      </p:grpSpPr>
-      <p:pic>
-        <p:nvPicPr>
-          <p:cNvPr id="109" name="Shape 109"/>
-          <p:cNvPicPr preferRelativeResize="0"/>
-          <p:nvPr/>
-        </p:nvPicPr>
-        <p:blipFill>
-          <a:blip r:embed="rId3">
-            <a:alphaModFix/>
-          </a:blip>
-          <a:stretch>
-            <a:fillRect/>
-          </a:stretch>
-        </p:blipFill>
-        <p:spPr>
-          <a:xfrm>
-            <a:off x="498225" y="690588"/>
-            <a:ext cx="4432775" cy="2780150"/>
-          </a:xfrm>
-          <a:prstGeom prst="rect">
-            <a:avLst/>
-          </a:prstGeom>
-          <a:noFill/>
-          <a:ln>
-            <a:noFill/>
-          </a:ln>
-        </p:spPr>
-      </p:pic>
-      <p:pic>
-        <p:nvPicPr>
-          <p:cNvPr id="110" name="Shape 110"/>
-          <p:cNvPicPr preferRelativeResize="0"/>
-          <p:nvPr/>
-        </p:nvPicPr>
-        <p:blipFill>
-          <a:blip r:embed="rId4">
-            <a:alphaModFix/>
-          </a:blip>
-          <a:stretch>
-            <a:fillRect/>
-          </a:stretch>
-        </p:blipFill>
-        <p:spPr>
-          <a:xfrm>
-            <a:off x="5360125" y="834327"/>
-            <a:ext cx="4975776" cy="2949260"/>
-          </a:xfrm>
-          <a:prstGeom prst="rect">
-            <a:avLst/>
-          </a:prstGeom>
-          <a:noFill/>
-          <a:ln>
-            <a:noFill/>
-          </a:ln>
-        </p:spPr>
-      </p:pic>
-      <p:pic>
-        <p:nvPicPr>
-          <p:cNvPr id="111" name="Shape 111"/>
-          <p:cNvPicPr preferRelativeResize="0"/>
-          <p:nvPr/>
-        </p:nvPicPr>
-        <p:blipFill>
-          <a:blip r:embed="rId5">
-            <a:alphaModFix/>
-          </a:blip>
-          <a:stretch>
-            <a:fillRect/>
-          </a:stretch>
-        </p:blipFill>
-        <p:spPr>
-          <a:xfrm>
-            <a:off x="1358000" y="3678862"/>
-            <a:ext cx="4975785" cy="2809950"/>
-          </a:xfrm>
-          <a:prstGeom prst="rect">
-            <a:avLst/>
-          </a:prstGeom>
-          <a:noFill/>
-          <a:ln>
-            <a:noFill/>
-          </a:ln>
-        </p:spPr>
-      </p:pic>
-      <p:pic>
-        <p:nvPicPr>
-          <p:cNvPr id="112" name="Shape 112"/>
-          <p:cNvPicPr preferRelativeResize="0"/>
-          <p:nvPr/>
-        </p:nvPicPr>
-        <p:blipFill>
-          <a:blip r:embed="rId6">
-            <a:alphaModFix/>
-          </a:blip>
-          <a:stretch>
-            <a:fillRect/>
-          </a:stretch>
-        </p:blipFill>
-        <p:spPr>
-          <a:xfrm>
-            <a:off x="6201361" y="3470762"/>
-            <a:ext cx="5308814" cy="3226163"/>
-          </a:xfrm>
-          <a:prstGeom prst="rect">
-            <a:avLst/>
-          </a:prstGeom>
-          <a:noFill/>
-          <a:ln>
-            <a:noFill/>
-          </a:ln>
-        </p:spPr>
-      </p:pic>
-      <p:cxnSp>
-        <p:nvCxnSpPr>
-          <p:cNvPr id="113" name="Shape 113"/>
-          <p:cNvCxnSpPr/>
-          <p:nvPr/>
-        </p:nvCxnSpPr>
-        <p:spPr>
-          <a:xfrm>
-            <a:off x="1897325" y="1689800"/>
-            <a:ext cx="19800" cy="2124600"/>
-          </a:xfrm>
-          <a:prstGeom prst="straightConnector1">
-            <a:avLst/>
-          </a:prstGeom>
-          <a:noFill/>
-          <a:ln w="9525" cap="flat" cmpd="sng">
-            <a:solidFill>
-              <a:schemeClr val="dk2"/>
-            </a:solidFill>
-            <a:prstDash val="solid"/>
-            <a:round/>
-            <a:headEnd type="none" w="med" len="med"/>
-            <a:tailEnd type="triangle" w="med" len="med"/>
-          </a:ln>
-        </p:spPr>
-      </p:cxnSp>
-      <p:cxnSp>
-        <p:nvCxnSpPr>
-          <p:cNvPr id="114" name="Shape 114"/>
-          <p:cNvCxnSpPr/>
-          <p:nvPr/>
-        </p:nvCxnSpPr>
-        <p:spPr>
-          <a:xfrm flipH="1">
-            <a:off x="4585200" y="1689800"/>
-            <a:ext cx="3083100" cy="2668200"/>
-          </a:xfrm>
-          <a:prstGeom prst="straightConnector1">
-            <a:avLst/>
-          </a:prstGeom>
-          <a:noFill/>
-          <a:ln w="9525" cap="flat" cmpd="sng">
-            <a:solidFill>
-              <a:schemeClr val="dk2"/>
-            </a:solidFill>
-            <a:prstDash val="solid"/>
-            <a:round/>
-            <a:headEnd type="none" w="med" len="med"/>
-            <a:tailEnd type="triangle" w="med" len="med"/>
-          </a:ln>
-        </p:spPr>
-      </p:cxnSp>
-      <p:cxnSp>
-        <p:nvCxnSpPr>
-          <p:cNvPr id="115" name="Shape 115"/>
-          <p:cNvCxnSpPr/>
-          <p:nvPr/>
-        </p:nvCxnSpPr>
-        <p:spPr>
-          <a:xfrm flipH="1">
-            <a:off x="6383875" y="4733400"/>
-            <a:ext cx="2667900" cy="1185900"/>
-          </a:xfrm>
-          <a:prstGeom prst="straightConnector1">
-            <a:avLst/>
-          </a:prstGeom>
-          <a:noFill/>
-          <a:ln w="9525" cap="flat" cmpd="sng">
-            <a:solidFill>
-              <a:schemeClr val="dk2"/>
-            </a:solidFill>
-            <a:prstDash val="solid"/>
-            <a:round/>
-            <a:headEnd type="none" w="med" len="med"/>
-            <a:tailEnd type="triangle" w="med" len="med"/>
-          </a:ln>
-        </p:spPr>
-      </p:cxnSp>
-      <p:sp>
-        <p:nvSpPr>
-          <p:cNvPr id="116" name="Shape 116"/>
-          <p:cNvSpPr txBox="1"/>
-          <p:nvPr/>
-        </p:nvSpPr>
-        <p:spPr>
-          <a:xfrm>
-            <a:off x="2710050" y="581900"/>
-            <a:ext cx="5524800" cy="644700"/>
-          </a:xfrm>
-          <a:prstGeom prst="rect">
-            <a:avLst/>
-          </a:prstGeom>
-          <a:noFill/>
-          <a:ln>
-            <a:noFill/>
-          </a:ln>
-        </p:spPr>
-        <p:txBody>
-          <a:bodyPr spcFirstLastPara="1" wrap="square" lIns="91425" tIns="91425" rIns="91425" bIns="91425" anchor="t" anchorCtr="0">
-            <a:noAutofit/>
-          </a:bodyPr>
-          <a:lstStyle/>
-          <a:p>
-            <a:pPr marL="0" lvl="0" indent="0" algn="ctr" rtl="0">
-              <a:spcBef>
-                <a:spcPts val="0"/>
-              </a:spcBef>
-              <a:spcAft>
-                <a:spcPts val="0"/>
-              </a:spcAft>
-              <a:buNone/>
-            </a:pPr>
-            <a:r>
-              <a:rPr lang="es-CO" sz="1800" b="1">
-                <a:solidFill>
-                  <a:srgbClr val="179339"/>
-                </a:solidFill>
-                <a:latin typeface="Century Gothic"/>
-                <a:ea typeface="Century Gothic"/>
-                <a:cs typeface="Century Gothic"/>
-                <a:sym typeface="Century Gothic"/>
-              </a:rPr>
-              <a:t>Ejemplo Dice</a:t>
-            </a:r>
-            <a:endParaRPr sz="1800" b="1">
-              <a:solidFill>
-                <a:srgbClr val="179339"/>
-              </a:solidFill>
-              <a:latin typeface="Century Gothic"/>
-              <a:ea typeface="Century Gothic"/>
-              <a:cs typeface="Century Gothic"/>
-              <a:sym typeface="Century Gothic"/>
-            </a:endParaRPr>
-          </a:p>
-        </p:txBody>
-      </p:sp>
-      <p:sp>
-        <p:nvSpPr>
-          <p:cNvPr id="117" name="Shape 117"/>
-          <p:cNvSpPr txBox="1"/>
-          <p:nvPr/>
-        </p:nvSpPr>
-        <p:spPr>
-          <a:xfrm>
-            <a:off x="6833775" y="1226600"/>
-            <a:ext cx="5524800" cy="644700"/>
-          </a:xfrm>
-          <a:prstGeom prst="rect">
-            <a:avLst/>
-          </a:prstGeom>
-          <a:noFill/>
-          <a:ln>
-            <a:noFill/>
-          </a:ln>
-        </p:spPr>
-        <p:txBody>
-          <a:bodyPr spcFirstLastPara="1" wrap="square" lIns="91425" tIns="91425" rIns="91425" bIns="91425" anchor="t" anchorCtr="0">
-            <a:noAutofit/>
-          </a:bodyPr>
-          <a:lstStyle/>
-          <a:p>
-            <a:pPr marL="0" lvl="0" indent="0" algn="ctr" rtl="0">
-              <a:spcBef>
-                <a:spcPts val="0"/>
-              </a:spcBef>
-              <a:spcAft>
-                <a:spcPts val="0"/>
-              </a:spcAft>
-              <a:buNone/>
-            </a:pPr>
-            <a:r>
-              <a:rPr lang="es-CO" b="1">
-                <a:solidFill>
-                  <a:srgbClr val="FF0000"/>
-                </a:solidFill>
-                <a:latin typeface="Century Gothic"/>
-                <a:ea typeface="Century Gothic"/>
-                <a:cs typeface="Century Gothic"/>
-                <a:sym typeface="Century Gothic"/>
-              </a:rPr>
-              <a:t>Quedó multipart (mala práctica)</a:t>
-            </a:r>
-            <a:endParaRPr b="1">
-              <a:solidFill>
-                <a:srgbClr val="FF0000"/>
+                <a:srgbClr val="00B050"/>
               </a:solidFill>
               <a:latin typeface="Century Gothic"/>
               <a:ea typeface="Century Gothic"/>
@@ -18245,12 +16897,12 @@
 </p:sld>
 </file>
 
-<file path=ppt/slides/slide5.xml><?xml version="1.0" encoding="utf-8"?>
+<file path=ppt/slides/slide3.xml><?xml version="1.0" encoding="utf-8"?>
 <p:sld xmlns:a="http://schemas.openxmlformats.org/drawingml/2006/main" xmlns:r="http://schemas.openxmlformats.org/officeDocument/2006/relationships" xmlns:p="http://schemas.openxmlformats.org/presentationml/2006/main">
   <p:cSld>
     <p:spTree>
       <p:nvGrpSpPr>
-        <p:cNvPr id="1" name="Shape 122"/>
+        <p:cNvPr id="1" name=""/>
         <p:cNvGrpSpPr/>
         <p:nvPr/>
       </p:nvGrpSpPr>
@@ -18264,14 +16916,2142 @@
       </p:grpSpPr>
       <p:sp>
         <p:nvSpPr>
-          <p:cNvPr id="123" name="Shape 123"/>
+          <p:cNvPr id="2" name="Forma libre 1"/>
+          <p:cNvSpPr/>
+          <p:nvPr/>
+        </p:nvSpPr>
+        <p:spPr>
+          <a:xfrm>
+            <a:off x="385057" y="2168399"/>
+            <a:ext cx="1948241" cy="4207991"/>
+          </a:xfrm>
+          <a:custGeom>
+            <a:avLst/>
+            <a:gdLst>
+              <a:gd name="connsiteX0" fmla="*/ 0 w 2186315"/>
+              <a:gd name="connsiteY0" fmla="*/ 218632 h 4401367"/>
+              <a:gd name="connsiteX1" fmla="*/ 218632 w 2186315"/>
+              <a:gd name="connsiteY1" fmla="*/ 0 h 4401367"/>
+              <a:gd name="connsiteX2" fmla="*/ 1967684 w 2186315"/>
+              <a:gd name="connsiteY2" fmla="*/ 0 h 4401367"/>
+              <a:gd name="connsiteX3" fmla="*/ 2186316 w 2186315"/>
+              <a:gd name="connsiteY3" fmla="*/ 218632 h 4401367"/>
+              <a:gd name="connsiteX4" fmla="*/ 2186315 w 2186315"/>
+              <a:gd name="connsiteY4" fmla="*/ 4182736 h 4401367"/>
+              <a:gd name="connsiteX5" fmla="*/ 1967683 w 2186315"/>
+              <a:gd name="connsiteY5" fmla="*/ 4401368 h 4401367"/>
+              <a:gd name="connsiteX6" fmla="*/ 218632 w 2186315"/>
+              <a:gd name="connsiteY6" fmla="*/ 4401367 h 4401367"/>
+              <a:gd name="connsiteX7" fmla="*/ 0 w 2186315"/>
+              <a:gd name="connsiteY7" fmla="*/ 4182735 h 4401367"/>
+              <a:gd name="connsiteX8" fmla="*/ 0 w 2186315"/>
+              <a:gd name="connsiteY8" fmla="*/ 218632 h 4401367"/>
+            </a:gdLst>
+            <a:ahLst/>
+            <a:cxnLst>
+              <a:cxn ang="0">
+                <a:pos x="connsiteX0" y="connsiteY0"/>
+              </a:cxn>
+              <a:cxn ang="0">
+                <a:pos x="connsiteX1" y="connsiteY1"/>
+              </a:cxn>
+              <a:cxn ang="0">
+                <a:pos x="connsiteX2" y="connsiteY2"/>
+              </a:cxn>
+              <a:cxn ang="0">
+                <a:pos x="connsiteX3" y="connsiteY3"/>
+              </a:cxn>
+              <a:cxn ang="0">
+                <a:pos x="connsiteX4" y="connsiteY4"/>
+              </a:cxn>
+              <a:cxn ang="0">
+                <a:pos x="connsiteX5" y="connsiteY5"/>
+              </a:cxn>
+              <a:cxn ang="0">
+                <a:pos x="connsiteX6" y="connsiteY6"/>
+              </a:cxn>
+              <a:cxn ang="0">
+                <a:pos x="connsiteX7" y="connsiteY7"/>
+              </a:cxn>
+              <a:cxn ang="0">
+                <a:pos x="connsiteX8" y="connsiteY8"/>
+              </a:cxn>
+            </a:cxnLst>
+            <a:rect l="l" t="t" r="r" b="b"/>
+            <a:pathLst>
+              <a:path w="2186315" h="4401367">
+                <a:moveTo>
+                  <a:pt x="0" y="218632"/>
+                </a:moveTo>
+                <a:cubicBezTo>
+                  <a:pt x="0" y="97885"/>
+                  <a:pt x="97885" y="0"/>
+                  <a:pt x="218632" y="0"/>
+                </a:cubicBezTo>
+                <a:lnTo>
+                  <a:pt x="1967684" y="0"/>
+                </a:lnTo>
+                <a:cubicBezTo>
+                  <a:pt x="2088431" y="0"/>
+                  <a:pt x="2186316" y="97885"/>
+                  <a:pt x="2186316" y="218632"/>
+                </a:cubicBezTo>
+                <a:cubicBezTo>
+                  <a:pt x="2186316" y="1540000"/>
+                  <a:pt x="2186315" y="2861368"/>
+                  <a:pt x="2186315" y="4182736"/>
+                </a:cubicBezTo>
+                <a:cubicBezTo>
+                  <a:pt x="2186315" y="4303483"/>
+                  <a:pt x="2088430" y="4401368"/>
+                  <a:pt x="1967683" y="4401368"/>
+                </a:cubicBezTo>
+                <a:lnTo>
+                  <a:pt x="218632" y="4401367"/>
+                </a:lnTo>
+                <a:cubicBezTo>
+                  <a:pt x="97885" y="4401367"/>
+                  <a:pt x="0" y="4303482"/>
+                  <a:pt x="0" y="4182735"/>
+                </a:cubicBezTo>
+                <a:lnTo>
+                  <a:pt x="0" y="218632"/>
+                </a:lnTo>
+                <a:close/>
+              </a:path>
+            </a:pathLst>
+          </a:custGeom>
+        </p:spPr>
+        <p:style>
+          <a:lnRef idx="0">
+            <a:schemeClr val="dk1">
+              <a:hueOff val="0"/>
+              <a:satOff val="0"/>
+              <a:lumOff val="0"/>
+              <a:alphaOff val="0"/>
+            </a:schemeClr>
+          </a:lnRef>
+          <a:fillRef idx="1">
+            <a:schemeClr val="accent5">
+              <a:tint val="40000"/>
+              <a:hueOff val="0"/>
+              <a:satOff val="0"/>
+              <a:lumOff val="0"/>
+              <a:alphaOff val="0"/>
+            </a:schemeClr>
+          </a:fillRef>
+          <a:effectRef idx="0">
+            <a:schemeClr val="accent5">
+              <a:tint val="40000"/>
+              <a:hueOff val="0"/>
+              <a:satOff val="0"/>
+              <a:lumOff val="0"/>
+              <a:alphaOff val="0"/>
+            </a:schemeClr>
+          </a:effectRef>
+          <a:fontRef idx="minor">
+            <a:schemeClr val="dk1">
+              <a:hueOff val="0"/>
+              <a:satOff val="0"/>
+              <a:lumOff val="0"/>
+              <a:alphaOff val="0"/>
+            </a:schemeClr>
+          </a:fontRef>
+        </p:style>
+        <p:txBody>
+          <a:bodyPr spcFirstLastPara="0" vert="horz" wrap="square" lIns="51435" tIns="51435" rIns="51435" bIns="2362153" numCol="1" spcCol="1270" anchor="ctr" anchorCtr="0">
+            <a:noAutofit/>
+          </a:bodyPr>
+          <a:lstStyle/>
+          <a:p>
+            <a:pPr algn="ctr" defTabSz="600075" eaLnBrk="1" fontAlgn="auto" hangingPunct="1">
+              <a:lnSpc>
+                <a:spcPct val="90000"/>
+              </a:lnSpc>
+              <a:spcAft>
+                <a:spcPct val="35000"/>
+              </a:spcAft>
+            </a:pPr>
+            <a:r>
+              <a:rPr lang="es-CO" sz="1350" b="1" dirty="0">
+                <a:solidFill>
+                  <a:prstClr val="black">
+                    <a:hueOff val="0"/>
+                    <a:satOff val="0"/>
+                    <a:lumOff val="0"/>
+                    <a:alphaOff val="0"/>
+                  </a:prstClr>
+                </a:solidFill>
+              </a:rPr>
+              <a:t>Ajuste Inicial</a:t>
+            </a:r>
+          </a:p>
+        </p:txBody>
+      </p:sp>
+      <p:sp>
+        <p:nvSpPr>
+          <p:cNvPr id="3" name="Forma libre 2"/>
+          <p:cNvSpPr/>
+          <p:nvPr/>
+        </p:nvSpPr>
+        <p:spPr>
+          <a:xfrm>
+            <a:off x="591669" y="3445694"/>
+            <a:ext cx="1558593" cy="826701"/>
+          </a:xfrm>
+          <a:custGeom>
+            <a:avLst/>
+            <a:gdLst>
+              <a:gd name="connsiteX0" fmla="*/ 0 w 1749052"/>
+              <a:gd name="connsiteY0" fmla="*/ 86469 h 864692"/>
+              <a:gd name="connsiteX1" fmla="*/ 86469 w 1749052"/>
+              <a:gd name="connsiteY1" fmla="*/ 0 h 864692"/>
+              <a:gd name="connsiteX2" fmla="*/ 1662583 w 1749052"/>
+              <a:gd name="connsiteY2" fmla="*/ 0 h 864692"/>
+              <a:gd name="connsiteX3" fmla="*/ 1749052 w 1749052"/>
+              <a:gd name="connsiteY3" fmla="*/ 86469 h 864692"/>
+              <a:gd name="connsiteX4" fmla="*/ 1749052 w 1749052"/>
+              <a:gd name="connsiteY4" fmla="*/ 778223 h 864692"/>
+              <a:gd name="connsiteX5" fmla="*/ 1662583 w 1749052"/>
+              <a:gd name="connsiteY5" fmla="*/ 864692 h 864692"/>
+              <a:gd name="connsiteX6" fmla="*/ 86469 w 1749052"/>
+              <a:gd name="connsiteY6" fmla="*/ 864692 h 864692"/>
+              <a:gd name="connsiteX7" fmla="*/ 0 w 1749052"/>
+              <a:gd name="connsiteY7" fmla="*/ 778223 h 864692"/>
+              <a:gd name="connsiteX8" fmla="*/ 0 w 1749052"/>
+              <a:gd name="connsiteY8" fmla="*/ 86469 h 864692"/>
+            </a:gdLst>
+            <a:ahLst/>
+            <a:cxnLst>
+              <a:cxn ang="0">
+                <a:pos x="connsiteX0" y="connsiteY0"/>
+              </a:cxn>
+              <a:cxn ang="0">
+                <a:pos x="connsiteX1" y="connsiteY1"/>
+              </a:cxn>
+              <a:cxn ang="0">
+                <a:pos x="connsiteX2" y="connsiteY2"/>
+              </a:cxn>
+              <a:cxn ang="0">
+                <a:pos x="connsiteX3" y="connsiteY3"/>
+              </a:cxn>
+              <a:cxn ang="0">
+                <a:pos x="connsiteX4" y="connsiteY4"/>
+              </a:cxn>
+              <a:cxn ang="0">
+                <a:pos x="connsiteX5" y="connsiteY5"/>
+              </a:cxn>
+              <a:cxn ang="0">
+                <a:pos x="connsiteX6" y="connsiteY6"/>
+              </a:cxn>
+              <a:cxn ang="0">
+                <a:pos x="connsiteX7" y="connsiteY7"/>
+              </a:cxn>
+              <a:cxn ang="0">
+                <a:pos x="connsiteX8" y="connsiteY8"/>
+              </a:cxn>
+            </a:cxnLst>
+            <a:rect l="l" t="t" r="r" b="b"/>
+            <a:pathLst>
+              <a:path w="1749052" h="864692">
+                <a:moveTo>
+                  <a:pt x="0" y="86469"/>
+                </a:moveTo>
+                <a:cubicBezTo>
+                  <a:pt x="0" y="38713"/>
+                  <a:pt x="38713" y="0"/>
+                  <a:pt x="86469" y="0"/>
+                </a:cubicBezTo>
+                <a:lnTo>
+                  <a:pt x="1662583" y="0"/>
+                </a:lnTo>
+                <a:cubicBezTo>
+                  <a:pt x="1710339" y="0"/>
+                  <a:pt x="1749052" y="38713"/>
+                  <a:pt x="1749052" y="86469"/>
+                </a:cubicBezTo>
+                <a:lnTo>
+                  <a:pt x="1749052" y="778223"/>
+                </a:lnTo>
+                <a:cubicBezTo>
+                  <a:pt x="1749052" y="825979"/>
+                  <a:pt x="1710339" y="864692"/>
+                  <a:pt x="1662583" y="864692"/>
+                </a:cubicBezTo>
+                <a:lnTo>
+                  <a:pt x="86469" y="864692"/>
+                </a:lnTo>
+                <a:cubicBezTo>
+                  <a:pt x="38713" y="864692"/>
+                  <a:pt x="0" y="825979"/>
+                  <a:pt x="0" y="778223"/>
+                </a:cubicBezTo>
+                <a:lnTo>
+                  <a:pt x="0" y="86469"/>
+                </a:lnTo>
+                <a:close/>
+              </a:path>
+            </a:pathLst>
+          </a:custGeom>
+        </p:spPr>
+        <p:style>
+          <a:lnRef idx="2">
+            <a:schemeClr val="lt1">
+              <a:hueOff val="0"/>
+              <a:satOff val="0"/>
+              <a:lumOff val="0"/>
+              <a:alphaOff val="0"/>
+            </a:schemeClr>
+          </a:lnRef>
+          <a:fillRef idx="1">
+            <a:schemeClr val="accent5">
+              <a:hueOff val="0"/>
+              <a:satOff val="0"/>
+              <a:lumOff val="0"/>
+              <a:alphaOff val="0"/>
+            </a:schemeClr>
+          </a:fillRef>
+          <a:effectRef idx="0">
+            <a:schemeClr val="accent5">
+              <a:hueOff val="0"/>
+              <a:satOff val="0"/>
+              <a:lumOff val="0"/>
+              <a:alphaOff val="0"/>
+            </a:schemeClr>
+          </a:effectRef>
+          <a:fontRef idx="minor">
+            <a:schemeClr val="lt1"/>
+          </a:fontRef>
+        </p:style>
+        <p:txBody>
+          <a:bodyPr spcFirstLastPara="0" vert="horz" wrap="square" lIns="38045" tIns="33282" rIns="38045" bIns="33282" numCol="1" spcCol="1270" anchor="ctr" anchorCtr="0">
+            <a:noAutofit/>
+          </a:bodyPr>
+          <a:lstStyle/>
+          <a:p>
+            <a:pPr algn="ctr" defTabSz="333375" eaLnBrk="1" fontAlgn="auto" hangingPunct="1">
+              <a:lnSpc>
+                <a:spcPct val="90000"/>
+              </a:lnSpc>
+              <a:spcAft>
+                <a:spcPct val="35000"/>
+              </a:spcAft>
+            </a:pPr>
+            <a:r>
+              <a:rPr lang="es-CO" sz="750" dirty="0">
+                <a:solidFill>
+                  <a:prstClr val="white"/>
+                </a:solidFill>
+              </a:rPr>
+              <a:t>Unificación de Sistemas de Coordenadas</a:t>
+            </a:r>
+          </a:p>
+        </p:txBody>
+      </p:sp>
+      <p:sp>
+        <p:nvSpPr>
+          <p:cNvPr id="4" name="Forma libre 3"/>
+          <p:cNvSpPr/>
+          <p:nvPr/>
+        </p:nvSpPr>
+        <p:spPr>
+          <a:xfrm>
+            <a:off x="591669" y="4399580"/>
+            <a:ext cx="1558593" cy="826701"/>
+          </a:xfrm>
+          <a:custGeom>
+            <a:avLst/>
+            <a:gdLst>
+              <a:gd name="connsiteX0" fmla="*/ 0 w 1749052"/>
+              <a:gd name="connsiteY0" fmla="*/ 86469 h 864692"/>
+              <a:gd name="connsiteX1" fmla="*/ 86469 w 1749052"/>
+              <a:gd name="connsiteY1" fmla="*/ 0 h 864692"/>
+              <a:gd name="connsiteX2" fmla="*/ 1662583 w 1749052"/>
+              <a:gd name="connsiteY2" fmla="*/ 0 h 864692"/>
+              <a:gd name="connsiteX3" fmla="*/ 1749052 w 1749052"/>
+              <a:gd name="connsiteY3" fmla="*/ 86469 h 864692"/>
+              <a:gd name="connsiteX4" fmla="*/ 1749052 w 1749052"/>
+              <a:gd name="connsiteY4" fmla="*/ 778223 h 864692"/>
+              <a:gd name="connsiteX5" fmla="*/ 1662583 w 1749052"/>
+              <a:gd name="connsiteY5" fmla="*/ 864692 h 864692"/>
+              <a:gd name="connsiteX6" fmla="*/ 86469 w 1749052"/>
+              <a:gd name="connsiteY6" fmla="*/ 864692 h 864692"/>
+              <a:gd name="connsiteX7" fmla="*/ 0 w 1749052"/>
+              <a:gd name="connsiteY7" fmla="*/ 778223 h 864692"/>
+              <a:gd name="connsiteX8" fmla="*/ 0 w 1749052"/>
+              <a:gd name="connsiteY8" fmla="*/ 86469 h 864692"/>
+            </a:gdLst>
+            <a:ahLst/>
+            <a:cxnLst>
+              <a:cxn ang="0">
+                <a:pos x="connsiteX0" y="connsiteY0"/>
+              </a:cxn>
+              <a:cxn ang="0">
+                <a:pos x="connsiteX1" y="connsiteY1"/>
+              </a:cxn>
+              <a:cxn ang="0">
+                <a:pos x="connsiteX2" y="connsiteY2"/>
+              </a:cxn>
+              <a:cxn ang="0">
+                <a:pos x="connsiteX3" y="connsiteY3"/>
+              </a:cxn>
+              <a:cxn ang="0">
+                <a:pos x="connsiteX4" y="connsiteY4"/>
+              </a:cxn>
+              <a:cxn ang="0">
+                <a:pos x="connsiteX5" y="connsiteY5"/>
+              </a:cxn>
+              <a:cxn ang="0">
+                <a:pos x="connsiteX6" y="connsiteY6"/>
+              </a:cxn>
+              <a:cxn ang="0">
+                <a:pos x="connsiteX7" y="connsiteY7"/>
+              </a:cxn>
+              <a:cxn ang="0">
+                <a:pos x="connsiteX8" y="connsiteY8"/>
+              </a:cxn>
+            </a:cxnLst>
+            <a:rect l="l" t="t" r="r" b="b"/>
+            <a:pathLst>
+              <a:path w="1749052" h="864692">
+                <a:moveTo>
+                  <a:pt x="0" y="86469"/>
+                </a:moveTo>
+                <a:cubicBezTo>
+                  <a:pt x="0" y="38713"/>
+                  <a:pt x="38713" y="0"/>
+                  <a:pt x="86469" y="0"/>
+                </a:cubicBezTo>
+                <a:lnTo>
+                  <a:pt x="1662583" y="0"/>
+                </a:lnTo>
+                <a:cubicBezTo>
+                  <a:pt x="1710339" y="0"/>
+                  <a:pt x="1749052" y="38713"/>
+                  <a:pt x="1749052" y="86469"/>
+                </a:cubicBezTo>
+                <a:lnTo>
+                  <a:pt x="1749052" y="778223"/>
+                </a:lnTo>
+                <a:cubicBezTo>
+                  <a:pt x="1749052" y="825979"/>
+                  <a:pt x="1710339" y="864692"/>
+                  <a:pt x="1662583" y="864692"/>
+                </a:cubicBezTo>
+                <a:lnTo>
+                  <a:pt x="86469" y="864692"/>
+                </a:lnTo>
+                <a:cubicBezTo>
+                  <a:pt x="38713" y="864692"/>
+                  <a:pt x="0" y="825979"/>
+                  <a:pt x="0" y="778223"/>
+                </a:cubicBezTo>
+                <a:lnTo>
+                  <a:pt x="0" y="86469"/>
+                </a:lnTo>
+                <a:close/>
+              </a:path>
+            </a:pathLst>
+          </a:custGeom>
+        </p:spPr>
+        <p:style>
+          <a:lnRef idx="2">
+            <a:schemeClr val="lt1">
+              <a:hueOff val="0"/>
+              <a:satOff val="0"/>
+              <a:lumOff val="0"/>
+              <a:alphaOff val="0"/>
+            </a:schemeClr>
+          </a:lnRef>
+          <a:fillRef idx="1">
+            <a:schemeClr val="accent5">
+              <a:hueOff val="-919168"/>
+              <a:satOff val="-1278"/>
+              <a:lumOff val="-490"/>
+              <a:alphaOff val="0"/>
+            </a:schemeClr>
+          </a:fillRef>
+          <a:effectRef idx="0">
+            <a:schemeClr val="accent5">
+              <a:hueOff val="-919168"/>
+              <a:satOff val="-1278"/>
+              <a:lumOff val="-490"/>
+              <a:alphaOff val="0"/>
+            </a:schemeClr>
+          </a:effectRef>
+          <a:fontRef idx="minor">
+            <a:schemeClr val="lt1"/>
+          </a:fontRef>
+        </p:style>
+        <p:txBody>
+          <a:bodyPr spcFirstLastPara="0" vert="horz" wrap="square" lIns="38045" tIns="33282" rIns="38045" bIns="33282" numCol="1" spcCol="1270" anchor="ctr" anchorCtr="0">
+            <a:noAutofit/>
+          </a:bodyPr>
+          <a:lstStyle/>
+          <a:p>
+            <a:pPr algn="ctr" defTabSz="333375" eaLnBrk="1" fontAlgn="auto" hangingPunct="1">
+              <a:lnSpc>
+                <a:spcPct val="90000"/>
+              </a:lnSpc>
+              <a:spcAft>
+                <a:spcPct val="35000"/>
+              </a:spcAft>
+            </a:pPr>
+            <a:r>
+              <a:rPr lang="es-CO" sz="750" dirty="0">
+                <a:solidFill>
+                  <a:prstClr val="white"/>
+                </a:solidFill>
+              </a:rPr>
+              <a:t>Validación Topológica: Eliminar superposiciones</a:t>
+            </a:r>
+          </a:p>
+        </p:txBody>
+      </p:sp>
+      <p:sp>
+        <p:nvSpPr>
+          <p:cNvPr id="5" name="Forma libre 4"/>
+          <p:cNvSpPr/>
+          <p:nvPr/>
+        </p:nvSpPr>
+        <p:spPr>
+          <a:xfrm>
+            <a:off x="591669" y="5353468"/>
+            <a:ext cx="1558593" cy="826701"/>
+          </a:xfrm>
+          <a:custGeom>
+            <a:avLst/>
+            <a:gdLst>
+              <a:gd name="connsiteX0" fmla="*/ 0 w 1749052"/>
+              <a:gd name="connsiteY0" fmla="*/ 86469 h 864692"/>
+              <a:gd name="connsiteX1" fmla="*/ 86469 w 1749052"/>
+              <a:gd name="connsiteY1" fmla="*/ 0 h 864692"/>
+              <a:gd name="connsiteX2" fmla="*/ 1662583 w 1749052"/>
+              <a:gd name="connsiteY2" fmla="*/ 0 h 864692"/>
+              <a:gd name="connsiteX3" fmla="*/ 1749052 w 1749052"/>
+              <a:gd name="connsiteY3" fmla="*/ 86469 h 864692"/>
+              <a:gd name="connsiteX4" fmla="*/ 1749052 w 1749052"/>
+              <a:gd name="connsiteY4" fmla="*/ 778223 h 864692"/>
+              <a:gd name="connsiteX5" fmla="*/ 1662583 w 1749052"/>
+              <a:gd name="connsiteY5" fmla="*/ 864692 h 864692"/>
+              <a:gd name="connsiteX6" fmla="*/ 86469 w 1749052"/>
+              <a:gd name="connsiteY6" fmla="*/ 864692 h 864692"/>
+              <a:gd name="connsiteX7" fmla="*/ 0 w 1749052"/>
+              <a:gd name="connsiteY7" fmla="*/ 778223 h 864692"/>
+              <a:gd name="connsiteX8" fmla="*/ 0 w 1749052"/>
+              <a:gd name="connsiteY8" fmla="*/ 86469 h 864692"/>
+            </a:gdLst>
+            <a:ahLst/>
+            <a:cxnLst>
+              <a:cxn ang="0">
+                <a:pos x="connsiteX0" y="connsiteY0"/>
+              </a:cxn>
+              <a:cxn ang="0">
+                <a:pos x="connsiteX1" y="connsiteY1"/>
+              </a:cxn>
+              <a:cxn ang="0">
+                <a:pos x="connsiteX2" y="connsiteY2"/>
+              </a:cxn>
+              <a:cxn ang="0">
+                <a:pos x="connsiteX3" y="connsiteY3"/>
+              </a:cxn>
+              <a:cxn ang="0">
+                <a:pos x="connsiteX4" y="connsiteY4"/>
+              </a:cxn>
+              <a:cxn ang="0">
+                <a:pos x="connsiteX5" y="connsiteY5"/>
+              </a:cxn>
+              <a:cxn ang="0">
+                <a:pos x="connsiteX6" y="connsiteY6"/>
+              </a:cxn>
+              <a:cxn ang="0">
+                <a:pos x="connsiteX7" y="connsiteY7"/>
+              </a:cxn>
+              <a:cxn ang="0">
+                <a:pos x="connsiteX8" y="connsiteY8"/>
+              </a:cxn>
+            </a:cxnLst>
+            <a:rect l="l" t="t" r="r" b="b"/>
+            <a:pathLst>
+              <a:path w="1749052" h="864692">
+                <a:moveTo>
+                  <a:pt x="0" y="86469"/>
+                </a:moveTo>
+                <a:cubicBezTo>
+                  <a:pt x="0" y="38713"/>
+                  <a:pt x="38713" y="0"/>
+                  <a:pt x="86469" y="0"/>
+                </a:cubicBezTo>
+                <a:lnTo>
+                  <a:pt x="1662583" y="0"/>
+                </a:lnTo>
+                <a:cubicBezTo>
+                  <a:pt x="1710339" y="0"/>
+                  <a:pt x="1749052" y="38713"/>
+                  <a:pt x="1749052" y="86469"/>
+                </a:cubicBezTo>
+                <a:lnTo>
+                  <a:pt x="1749052" y="778223"/>
+                </a:lnTo>
+                <a:cubicBezTo>
+                  <a:pt x="1749052" y="825979"/>
+                  <a:pt x="1710339" y="864692"/>
+                  <a:pt x="1662583" y="864692"/>
+                </a:cubicBezTo>
+                <a:lnTo>
+                  <a:pt x="86469" y="864692"/>
+                </a:lnTo>
+                <a:cubicBezTo>
+                  <a:pt x="38713" y="864692"/>
+                  <a:pt x="0" y="825979"/>
+                  <a:pt x="0" y="778223"/>
+                </a:cubicBezTo>
+                <a:lnTo>
+                  <a:pt x="0" y="86469"/>
+                </a:lnTo>
+                <a:close/>
+              </a:path>
+            </a:pathLst>
+          </a:custGeom>
+        </p:spPr>
+        <p:style>
+          <a:lnRef idx="2">
+            <a:schemeClr val="lt1">
+              <a:hueOff val="0"/>
+              <a:satOff val="0"/>
+              <a:lumOff val="0"/>
+              <a:alphaOff val="0"/>
+            </a:schemeClr>
+          </a:lnRef>
+          <a:fillRef idx="1">
+            <a:schemeClr val="accent5">
+              <a:hueOff val="-1838336"/>
+              <a:satOff val="-2557"/>
+              <a:lumOff val="-981"/>
+              <a:alphaOff val="0"/>
+            </a:schemeClr>
+          </a:fillRef>
+          <a:effectRef idx="0">
+            <a:schemeClr val="accent5">
+              <a:hueOff val="-1838336"/>
+              <a:satOff val="-2557"/>
+              <a:lumOff val="-981"/>
+              <a:alphaOff val="0"/>
+            </a:schemeClr>
+          </a:effectRef>
+          <a:fontRef idx="minor">
+            <a:schemeClr val="lt1"/>
+          </a:fontRef>
+        </p:style>
+        <p:txBody>
+          <a:bodyPr spcFirstLastPara="0" vert="horz" wrap="square" lIns="38045" tIns="33282" rIns="38045" bIns="33282" numCol="1" spcCol="1270" anchor="ctr" anchorCtr="0">
+            <a:noAutofit/>
+          </a:bodyPr>
+          <a:lstStyle/>
+          <a:p>
+            <a:pPr algn="ctr" defTabSz="333375" eaLnBrk="1" fontAlgn="auto" hangingPunct="1">
+              <a:lnSpc>
+                <a:spcPct val="90000"/>
+              </a:lnSpc>
+              <a:spcAft>
+                <a:spcPct val="35000"/>
+              </a:spcAft>
+            </a:pPr>
+            <a:r>
+              <a:rPr lang="es-CO" sz="750" dirty="0">
+                <a:solidFill>
+                  <a:prstClr val="white"/>
+                </a:solidFill>
+              </a:rPr>
+              <a:t>Eliminar representaciones y valores Z y M de las geometrías</a:t>
+            </a:r>
+          </a:p>
+        </p:txBody>
+      </p:sp>
+      <p:grpSp>
+        <p:nvGrpSpPr>
+          <p:cNvPr id="84" name="Grupo 83"/>
+          <p:cNvGrpSpPr/>
+          <p:nvPr/>
+        </p:nvGrpSpPr>
+        <p:grpSpPr>
+          <a:xfrm>
+            <a:off x="4998256" y="2193238"/>
+            <a:ext cx="1948241" cy="4207991"/>
+            <a:chOff x="9745364" y="2182938"/>
+            <a:chExt cx="1948241" cy="4207991"/>
+          </a:xfrm>
+        </p:grpSpPr>
+        <p:sp>
+          <p:nvSpPr>
+            <p:cNvPr id="9" name="Forma libre 8"/>
+            <p:cNvSpPr/>
+            <p:nvPr/>
+          </p:nvSpPr>
+          <p:spPr>
+            <a:xfrm>
+              <a:off x="9745364" y="2182938"/>
+              <a:ext cx="1948241" cy="4207991"/>
+            </a:xfrm>
+            <a:custGeom>
+              <a:avLst/>
+              <a:gdLst>
+                <a:gd name="connsiteX0" fmla="*/ 0 w 2186315"/>
+                <a:gd name="connsiteY0" fmla="*/ 218632 h 4401367"/>
+                <a:gd name="connsiteX1" fmla="*/ 218632 w 2186315"/>
+                <a:gd name="connsiteY1" fmla="*/ 0 h 4401367"/>
+                <a:gd name="connsiteX2" fmla="*/ 1967684 w 2186315"/>
+                <a:gd name="connsiteY2" fmla="*/ 0 h 4401367"/>
+                <a:gd name="connsiteX3" fmla="*/ 2186316 w 2186315"/>
+                <a:gd name="connsiteY3" fmla="*/ 218632 h 4401367"/>
+                <a:gd name="connsiteX4" fmla="*/ 2186315 w 2186315"/>
+                <a:gd name="connsiteY4" fmla="*/ 4182736 h 4401367"/>
+                <a:gd name="connsiteX5" fmla="*/ 1967683 w 2186315"/>
+                <a:gd name="connsiteY5" fmla="*/ 4401368 h 4401367"/>
+                <a:gd name="connsiteX6" fmla="*/ 218632 w 2186315"/>
+                <a:gd name="connsiteY6" fmla="*/ 4401367 h 4401367"/>
+                <a:gd name="connsiteX7" fmla="*/ 0 w 2186315"/>
+                <a:gd name="connsiteY7" fmla="*/ 4182735 h 4401367"/>
+                <a:gd name="connsiteX8" fmla="*/ 0 w 2186315"/>
+                <a:gd name="connsiteY8" fmla="*/ 218632 h 4401367"/>
+              </a:gdLst>
+              <a:ahLst/>
+              <a:cxnLst>
+                <a:cxn ang="0">
+                  <a:pos x="connsiteX0" y="connsiteY0"/>
+                </a:cxn>
+                <a:cxn ang="0">
+                  <a:pos x="connsiteX1" y="connsiteY1"/>
+                </a:cxn>
+                <a:cxn ang="0">
+                  <a:pos x="connsiteX2" y="connsiteY2"/>
+                </a:cxn>
+                <a:cxn ang="0">
+                  <a:pos x="connsiteX3" y="connsiteY3"/>
+                </a:cxn>
+                <a:cxn ang="0">
+                  <a:pos x="connsiteX4" y="connsiteY4"/>
+                </a:cxn>
+                <a:cxn ang="0">
+                  <a:pos x="connsiteX5" y="connsiteY5"/>
+                </a:cxn>
+                <a:cxn ang="0">
+                  <a:pos x="connsiteX6" y="connsiteY6"/>
+                </a:cxn>
+                <a:cxn ang="0">
+                  <a:pos x="connsiteX7" y="connsiteY7"/>
+                </a:cxn>
+                <a:cxn ang="0">
+                  <a:pos x="connsiteX8" y="connsiteY8"/>
+                </a:cxn>
+              </a:cxnLst>
+              <a:rect l="l" t="t" r="r" b="b"/>
+              <a:pathLst>
+                <a:path w="2186315" h="4401367">
+                  <a:moveTo>
+                    <a:pt x="0" y="218632"/>
+                  </a:moveTo>
+                  <a:cubicBezTo>
+                    <a:pt x="0" y="97885"/>
+                    <a:pt x="97885" y="0"/>
+                    <a:pt x="218632" y="0"/>
+                  </a:cubicBezTo>
+                  <a:lnTo>
+                    <a:pt x="1967684" y="0"/>
+                  </a:lnTo>
+                  <a:cubicBezTo>
+                    <a:pt x="2088431" y="0"/>
+                    <a:pt x="2186316" y="97885"/>
+                    <a:pt x="2186316" y="218632"/>
+                  </a:cubicBezTo>
+                  <a:cubicBezTo>
+                    <a:pt x="2186316" y="1540000"/>
+                    <a:pt x="2186315" y="2861368"/>
+                    <a:pt x="2186315" y="4182736"/>
+                  </a:cubicBezTo>
+                  <a:cubicBezTo>
+                    <a:pt x="2186315" y="4303483"/>
+                    <a:pt x="2088430" y="4401368"/>
+                    <a:pt x="1967683" y="4401368"/>
+                  </a:cubicBezTo>
+                  <a:lnTo>
+                    <a:pt x="218632" y="4401367"/>
+                  </a:lnTo>
+                  <a:cubicBezTo>
+                    <a:pt x="97885" y="4401367"/>
+                    <a:pt x="0" y="4303482"/>
+                    <a:pt x="0" y="4182735"/>
+                  </a:cubicBezTo>
+                  <a:lnTo>
+                    <a:pt x="0" y="218632"/>
+                  </a:lnTo>
+                  <a:close/>
+                </a:path>
+              </a:pathLst>
+            </a:custGeom>
+          </p:spPr>
+          <p:style>
+            <a:lnRef idx="0">
+              <a:schemeClr val="dk1">
+                <a:hueOff val="0"/>
+                <a:satOff val="0"/>
+                <a:lumOff val="0"/>
+                <a:alphaOff val="0"/>
+              </a:schemeClr>
+            </a:lnRef>
+            <a:fillRef idx="1">
+              <a:schemeClr val="accent5">
+                <a:tint val="40000"/>
+                <a:hueOff val="0"/>
+                <a:satOff val="0"/>
+                <a:lumOff val="0"/>
+                <a:alphaOff val="0"/>
+              </a:schemeClr>
+            </a:fillRef>
+            <a:effectRef idx="0">
+              <a:schemeClr val="accent5">
+                <a:tint val="40000"/>
+                <a:hueOff val="0"/>
+                <a:satOff val="0"/>
+                <a:lumOff val="0"/>
+                <a:alphaOff val="0"/>
+              </a:schemeClr>
+            </a:effectRef>
+            <a:fontRef idx="minor">
+              <a:schemeClr val="dk1">
+                <a:hueOff val="0"/>
+                <a:satOff val="0"/>
+                <a:lumOff val="0"/>
+                <a:alphaOff val="0"/>
+              </a:schemeClr>
+            </a:fontRef>
+          </p:style>
+          <p:txBody>
+            <a:bodyPr spcFirstLastPara="0" vert="horz" wrap="square" lIns="51435" tIns="51435" rIns="51435" bIns="2362153" numCol="1" spcCol="1270" anchor="ctr" anchorCtr="0">
+              <a:noAutofit/>
+            </a:bodyPr>
+            <a:lstStyle/>
+            <a:p>
+              <a:pPr algn="ctr" defTabSz="600075" eaLnBrk="1" fontAlgn="auto" hangingPunct="1">
+                <a:lnSpc>
+                  <a:spcPct val="90000"/>
+                </a:lnSpc>
+                <a:spcAft>
+                  <a:spcPct val="35000"/>
+                </a:spcAft>
+              </a:pPr>
+              <a:r>
+                <a:rPr lang="es-CO" sz="1350" b="1" dirty="0">
+                  <a:solidFill>
+                    <a:prstClr val="black">
+                      <a:hueOff val="0"/>
+                      <a:satOff val="0"/>
+                      <a:lumOff val="0"/>
+                      <a:alphaOff val="0"/>
+                    </a:prstClr>
+                  </a:solidFill>
+                </a:rPr>
+                <a:t>Almacenamiento</a:t>
+              </a:r>
+            </a:p>
+          </p:txBody>
+        </p:sp>
+        <p:sp>
+          <p:nvSpPr>
+            <p:cNvPr id="10" name="Forma libre 9"/>
+            <p:cNvSpPr/>
+            <p:nvPr/>
+          </p:nvSpPr>
+          <p:spPr>
+            <a:xfrm>
+              <a:off x="9939438" y="3445694"/>
+              <a:ext cx="1558593" cy="826701"/>
+            </a:xfrm>
+            <a:custGeom>
+              <a:avLst/>
+              <a:gdLst>
+                <a:gd name="connsiteX0" fmla="*/ 0 w 1749052"/>
+                <a:gd name="connsiteY0" fmla="*/ 86469 h 864692"/>
+                <a:gd name="connsiteX1" fmla="*/ 86469 w 1749052"/>
+                <a:gd name="connsiteY1" fmla="*/ 0 h 864692"/>
+                <a:gd name="connsiteX2" fmla="*/ 1662583 w 1749052"/>
+                <a:gd name="connsiteY2" fmla="*/ 0 h 864692"/>
+                <a:gd name="connsiteX3" fmla="*/ 1749052 w 1749052"/>
+                <a:gd name="connsiteY3" fmla="*/ 86469 h 864692"/>
+                <a:gd name="connsiteX4" fmla="*/ 1749052 w 1749052"/>
+                <a:gd name="connsiteY4" fmla="*/ 778223 h 864692"/>
+                <a:gd name="connsiteX5" fmla="*/ 1662583 w 1749052"/>
+                <a:gd name="connsiteY5" fmla="*/ 864692 h 864692"/>
+                <a:gd name="connsiteX6" fmla="*/ 86469 w 1749052"/>
+                <a:gd name="connsiteY6" fmla="*/ 864692 h 864692"/>
+                <a:gd name="connsiteX7" fmla="*/ 0 w 1749052"/>
+                <a:gd name="connsiteY7" fmla="*/ 778223 h 864692"/>
+                <a:gd name="connsiteX8" fmla="*/ 0 w 1749052"/>
+                <a:gd name="connsiteY8" fmla="*/ 86469 h 864692"/>
+              </a:gdLst>
+              <a:ahLst/>
+              <a:cxnLst>
+                <a:cxn ang="0">
+                  <a:pos x="connsiteX0" y="connsiteY0"/>
+                </a:cxn>
+                <a:cxn ang="0">
+                  <a:pos x="connsiteX1" y="connsiteY1"/>
+                </a:cxn>
+                <a:cxn ang="0">
+                  <a:pos x="connsiteX2" y="connsiteY2"/>
+                </a:cxn>
+                <a:cxn ang="0">
+                  <a:pos x="connsiteX3" y="connsiteY3"/>
+                </a:cxn>
+                <a:cxn ang="0">
+                  <a:pos x="connsiteX4" y="connsiteY4"/>
+                </a:cxn>
+                <a:cxn ang="0">
+                  <a:pos x="connsiteX5" y="connsiteY5"/>
+                </a:cxn>
+                <a:cxn ang="0">
+                  <a:pos x="connsiteX6" y="connsiteY6"/>
+                </a:cxn>
+                <a:cxn ang="0">
+                  <a:pos x="connsiteX7" y="connsiteY7"/>
+                </a:cxn>
+                <a:cxn ang="0">
+                  <a:pos x="connsiteX8" y="connsiteY8"/>
+                </a:cxn>
+              </a:cxnLst>
+              <a:rect l="l" t="t" r="r" b="b"/>
+              <a:pathLst>
+                <a:path w="1749052" h="864692">
+                  <a:moveTo>
+                    <a:pt x="0" y="86469"/>
+                  </a:moveTo>
+                  <a:cubicBezTo>
+                    <a:pt x="0" y="38713"/>
+                    <a:pt x="38713" y="0"/>
+                    <a:pt x="86469" y="0"/>
+                  </a:cubicBezTo>
+                  <a:lnTo>
+                    <a:pt x="1662583" y="0"/>
+                  </a:lnTo>
+                  <a:cubicBezTo>
+                    <a:pt x="1710339" y="0"/>
+                    <a:pt x="1749052" y="38713"/>
+                    <a:pt x="1749052" y="86469"/>
+                  </a:cubicBezTo>
+                  <a:lnTo>
+                    <a:pt x="1749052" y="778223"/>
+                  </a:lnTo>
+                  <a:cubicBezTo>
+                    <a:pt x="1749052" y="825979"/>
+                    <a:pt x="1710339" y="864692"/>
+                    <a:pt x="1662583" y="864692"/>
+                  </a:cubicBezTo>
+                  <a:lnTo>
+                    <a:pt x="86469" y="864692"/>
+                  </a:lnTo>
+                  <a:cubicBezTo>
+                    <a:pt x="38713" y="864692"/>
+                    <a:pt x="0" y="825979"/>
+                    <a:pt x="0" y="778223"/>
+                  </a:cubicBezTo>
+                  <a:lnTo>
+                    <a:pt x="0" y="86469"/>
+                  </a:lnTo>
+                  <a:close/>
+                </a:path>
+              </a:pathLst>
+            </a:custGeom>
+          </p:spPr>
+          <p:style>
+            <a:lnRef idx="2">
+              <a:schemeClr val="lt1">
+                <a:hueOff val="0"/>
+                <a:satOff val="0"/>
+                <a:lumOff val="0"/>
+                <a:alphaOff val="0"/>
+              </a:schemeClr>
+            </a:lnRef>
+            <a:fillRef idx="1">
+              <a:schemeClr val="accent5">
+                <a:hueOff val="-5515009"/>
+                <a:satOff val="-7671"/>
+                <a:lumOff val="-2942"/>
+                <a:alphaOff val="0"/>
+              </a:schemeClr>
+            </a:fillRef>
+            <a:effectRef idx="0">
+              <a:schemeClr val="accent5">
+                <a:hueOff val="-5515009"/>
+                <a:satOff val="-7671"/>
+                <a:lumOff val="-2942"/>
+                <a:alphaOff val="0"/>
+              </a:schemeClr>
+            </a:effectRef>
+            <a:fontRef idx="minor">
+              <a:schemeClr val="lt1"/>
+            </a:fontRef>
+          </p:style>
+          <p:txBody>
+            <a:bodyPr spcFirstLastPara="0" vert="horz" wrap="square" lIns="38045" tIns="33282" rIns="38045" bIns="33282" numCol="1" spcCol="1270" anchor="ctr" anchorCtr="0">
+              <a:noAutofit/>
+            </a:bodyPr>
+            <a:lstStyle/>
+            <a:p>
+              <a:pPr algn="ctr" defTabSz="333375" eaLnBrk="1" fontAlgn="auto" hangingPunct="1">
+                <a:lnSpc>
+                  <a:spcPct val="90000"/>
+                </a:lnSpc>
+                <a:spcAft>
+                  <a:spcPct val="35000"/>
+                </a:spcAft>
+              </a:pPr>
+              <a:r>
+                <a:rPr lang="es-CO" sz="750" dirty="0">
+                  <a:solidFill>
+                    <a:prstClr val="white"/>
+                  </a:solidFill>
+                </a:rPr>
+                <a:t>Al guardar las capas y rutas de salida deben ser cortas sin acentos, espacios y Ñ</a:t>
+              </a:r>
+            </a:p>
+          </p:txBody>
+        </p:sp>
+        <p:sp>
+          <p:nvSpPr>
+            <p:cNvPr id="11" name="Forma libre 10"/>
+            <p:cNvSpPr/>
+            <p:nvPr/>
+          </p:nvSpPr>
+          <p:spPr>
+            <a:xfrm>
+              <a:off x="9939438" y="4399580"/>
+              <a:ext cx="1558593" cy="826701"/>
+            </a:xfrm>
+            <a:custGeom>
+              <a:avLst/>
+              <a:gdLst>
+                <a:gd name="connsiteX0" fmla="*/ 0 w 1749052"/>
+                <a:gd name="connsiteY0" fmla="*/ 86469 h 864692"/>
+                <a:gd name="connsiteX1" fmla="*/ 86469 w 1749052"/>
+                <a:gd name="connsiteY1" fmla="*/ 0 h 864692"/>
+                <a:gd name="connsiteX2" fmla="*/ 1662583 w 1749052"/>
+                <a:gd name="connsiteY2" fmla="*/ 0 h 864692"/>
+                <a:gd name="connsiteX3" fmla="*/ 1749052 w 1749052"/>
+                <a:gd name="connsiteY3" fmla="*/ 86469 h 864692"/>
+                <a:gd name="connsiteX4" fmla="*/ 1749052 w 1749052"/>
+                <a:gd name="connsiteY4" fmla="*/ 778223 h 864692"/>
+                <a:gd name="connsiteX5" fmla="*/ 1662583 w 1749052"/>
+                <a:gd name="connsiteY5" fmla="*/ 864692 h 864692"/>
+                <a:gd name="connsiteX6" fmla="*/ 86469 w 1749052"/>
+                <a:gd name="connsiteY6" fmla="*/ 864692 h 864692"/>
+                <a:gd name="connsiteX7" fmla="*/ 0 w 1749052"/>
+                <a:gd name="connsiteY7" fmla="*/ 778223 h 864692"/>
+                <a:gd name="connsiteX8" fmla="*/ 0 w 1749052"/>
+                <a:gd name="connsiteY8" fmla="*/ 86469 h 864692"/>
+              </a:gdLst>
+              <a:ahLst/>
+              <a:cxnLst>
+                <a:cxn ang="0">
+                  <a:pos x="connsiteX0" y="connsiteY0"/>
+                </a:cxn>
+                <a:cxn ang="0">
+                  <a:pos x="connsiteX1" y="connsiteY1"/>
+                </a:cxn>
+                <a:cxn ang="0">
+                  <a:pos x="connsiteX2" y="connsiteY2"/>
+                </a:cxn>
+                <a:cxn ang="0">
+                  <a:pos x="connsiteX3" y="connsiteY3"/>
+                </a:cxn>
+                <a:cxn ang="0">
+                  <a:pos x="connsiteX4" y="connsiteY4"/>
+                </a:cxn>
+                <a:cxn ang="0">
+                  <a:pos x="connsiteX5" y="connsiteY5"/>
+                </a:cxn>
+                <a:cxn ang="0">
+                  <a:pos x="connsiteX6" y="connsiteY6"/>
+                </a:cxn>
+                <a:cxn ang="0">
+                  <a:pos x="connsiteX7" y="connsiteY7"/>
+                </a:cxn>
+                <a:cxn ang="0">
+                  <a:pos x="connsiteX8" y="connsiteY8"/>
+                </a:cxn>
+              </a:cxnLst>
+              <a:rect l="l" t="t" r="r" b="b"/>
+              <a:pathLst>
+                <a:path w="1749052" h="864692">
+                  <a:moveTo>
+                    <a:pt x="0" y="86469"/>
+                  </a:moveTo>
+                  <a:cubicBezTo>
+                    <a:pt x="0" y="38713"/>
+                    <a:pt x="38713" y="0"/>
+                    <a:pt x="86469" y="0"/>
+                  </a:cubicBezTo>
+                  <a:lnTo>
+                    <a:pt x="1662583" y="0"/>
+                  </a:lnTo>
+                  <a:cubicBezTo>
+                    <a:pt x="1710339" y="0"/>
+                    <a:pt x="1749052" y="38713"/>
+                    <a:pt x="1749052" y="86469"/>
+                  </a:cubicBezTo>
+                  <a:lnTo>
+                    <a:pt x="1749052" y="778223"/>
+                  </a:lnTo>
+                  <a:cubicBezTo>
+                    <a:pt x="1749052" y="825979"/>
+                    <a:pt x="1710339" y="864692"/>
+                    <a:pt x="1662583" y="864692"/>
+                  </a:cubicBezTo>
+                  <a:lnTo>
+                    <a:pt x="86469" y="864692"/>
+                  </a:lnTo>
+                  <a:cubicBezTo>
+                    <a:pt x="38713" y="864692"/>
+                    <a:pt x="0" y="825979"/>
+                    <a:pt x="0" y="778223"/>
+                  </a:cubicBezTo>
+                  <a:lnTo>
+                    <a:pt x="0" y="86469"/>
+                  </a:lnTo>
+                  <a:close/>
+                </a:path>
+              </a:pathLst>
+            </a:custGeom>
+          </p:spPr>
+          <p:style>
+            <a:lnRef idx="2">
+              <a:schemeClr val="lt1">
+                <a:hueOff val="0"/>
+                <a:satOff val="0"/>
+                <a:lumOff val="0"/>
+                <a:alphaOff val="0"/>
+              </a:schemeClr>
+            </a:lnRef>
+            <a:fillRef idx="1">
+              <a:schemeClr val="accent5">
+                <a:hueOff val="-6434176"/>
+                <a:satOff val="-8949"/>
+                <a:lumOff val="-3432"/>
+                <a:alphaOff val="0"/>
+              </a:schemeClr>
+            </a:fillRef>
+            <a:effectRef idx="0">
+              <a:schemeClr val="accent5">
+                <a:hueOff val="-6434176"/>
+                <a:satOff val="-8949"/>
+                <a:lumOff val="-3432"/>
+                <a:alphaOff val="0"/>
+              </a:schemeClr>
+            </a:effectRef>
+            <a:fontRef idx="minor">
+              <a:schemeClr val="lt1"/>
+            </a:fontRef>
+          </p:style>
+          <p:txBody>
+            <a:bodyPr spcFirstLastPara="0" vert="horz" wrap="square" lIns="38045" tIns="33282" rIns="38045" bIns="33282" numCol="1" spcCol="1270" anchor="ctr" anchorCtr="0">
+              <a:noAutofit/>
+            </a:bodyPr>
+            <a:lstStyle/>
+            <a:p>
+              <a:pPr algn="ctr" defTabSz="333375" eaLnBrk="1" fontAlgn="auto" hangingPunct="1">
+                <a:lnSpc>
+                  <a:spcPct val="90000"/>
+                </a:lnSpc>
+                <a:spcAft>
+                  <a:spcPct val="35000"/>
+                </a:spcAft>
+              </a:pPr>
+              <a:r>
+                <a:rPr lang="es-CO" sz="750" dirty="0">
+                  <a:solidFill>
+                    <a:prstClr val="white"/>
+                  </a:solidFill>
+                </a:rPr>
+                <a:t>Se recomienda fraccionar los modelos grandes y hacer respaldos de los mismos</a:t>
+              </a:r>
+            </a:p>
+          </p:txBody>
+        </p:sp>
+        <p:sp>
+          <p:nvSpPr>
+            <p:cNvPr id="12" name="Forma libre 11"/>
+            <p:cNvSpPr/>
+            <p:nvPr/>
+          </p:nvSpPr>
+          <p:spPr>
+            <a:xfrm>
+              <a:off x="9939438" y="5353468"/>
+              <a:ext cx="1558593" cy="826701"/>
+            </a:xfrm>
+            <a:custGeom>
+              <a:avLst/>
+              <a:gdLst>
+                <a:gd name="connsiteX0" fmla="*/ 0 w 1749052"/>
+                <a:gd name="connsiteY0" fmla="*/ 86469 h 864692"/>
+                <a:gd name="connsiteX1" fmla="*/ 86469 w 1749052"/>
+                <a:gd name="connsiteY1" fmla="*/ 0 h 864692"/>
+                <a:gd name="connsiteX2" fmla="*/ 1662583 w 1749052"/>
+                <a:gd name="connsiteY2" fmla="*/ 0 h 864692"/>
+                <a:gd name="connsiteX3" fmla="*/ 1749052 w 1749052"/>
+                <a:gd name="connsiteY3" fmla="*/ 86469 h 864692"/>
+                <a:gd name="connsiteX4" fmla="*/ 1749052 w 1749052"/>
+                <a:gd name="connsiteY4" fmla="*/ 778223 h 864692"/>
+                <a:gd name="connsiteX5" fmla="*/ 1662583 w 1749052"/>
+                <a:gd name="connsiteY5" fmla="*/ 864692 h 864692"/>
+                <a:gd name="connsiteX6" fmla="*/ 86469 w 1749052"/>
+                <a:gd name="connsiteY6" fmla="*/ 864692 h 864692"/>
+                <a:gd name="connsiteX7" fmla="*/ 0 w 1749052"/>
+                <a:gd name="connsiteY7" fmla="*/ 778223 h 864692"/>
+                <a:gd name="connsiteX8" fmla="*/ 0 w 1749052"/>
+                <a:gd name="connsiteY8" fmla="*/ 86469 h 864692"/>
+              </a:gdLst>
+              <a:ahLst/>
+              <a:cxnLst>
+                <a:cxn ang="0">
+                  <a:pos x="connsiteX0" y="connsiteY0"/>
+                </a:cxn>
+                <a:cxn ang="0">
+                  <a:pos x="connsiteX1" y="connsiteY1"/>
+                </a:cxn>
+                <a:cxn ang="0">
+                  <a:pos x="connsiteX2" y="connsiteY2"/>
+                </a:cxn>
+                <a:cxn ang="0">
+                  <a:pos x="connsiteX3" y="connsiteY3"/>
+                </a:cxn>
+                <a:cxn ang="0">
+                  <a:pos x="connsiteX4" y="connsiteY4"/>
+                </a:cxn>
+                <a:cxn ang="0">
+                  <a:pos x="connsiteX5" y="connsiteY5"/>
+                </a:cxn>
+                <a:cxn ang="0">
+                  <a:pos x="connsiteX6" y="connsiteY6"/>
+                </a:cxn>
+                <a:cxn ang="0">
+                  <a:pos x="connsiteX7" y="connsiteY7"/>
+                </a:cxn>
+                <a:cxn ang="0">
+                  <a:pos x="connsiteX8" y="connsiteY8"/>
+                </a:cxn>
+              </a:cxnLst>
+              <a:rect l="l" t="t" r="r" b="b"/>
+              <a:pathLst>
+                <a:path w="1749052" h="864692">
+                  <a:moveTo>
+                    <a:pt x="0" y="86469"/>
+                  </a:moveTo>
+                  <a:cubicBezTo>
+                    <a:pt x="0" y="38713"/>
+                    <a:pt x="38713" y="0"/>
+                    <a:pt x="86469" y="0"/>
+                  </a:cubicBezTo>
+                  <a:lnTo>
+                    <a:pt x="1662583" y="0"/>
+                  </a:lnTo>
+                  <a:cubicBezTo>
+                    <a:pt x="1710339" y="0"/>
+                    <a:pt x="1749052" y="38713"/>
+                    <a:pt x="1749052" y="86469"/>
+                  </a:cubicBezTo>
+                  <a:lnTo>
+                    <a:pt x="1749052" y="778223"/>
+                  </a:lnTo>
+                  <a:cubicBezTo>
+                    <a:pt x="1749052" y="825979"/>
+                    <a:pt x="1710339" y="864692"/>
+                    <a:pt x="1662583" y="864692"/>
+                  </a:cubicBezTo>
+                  <a:lnTo>
+                    <a:pt x="86469" y="864692"/>
+                  </a:lnTo>
+                  <a:cubicBezTo>
+                    <a:pt x="38713" y="864692"/>
+                    <a:pt x="0" y="825979"/>
+                    <a:pt x="0" y="778223"/>
+                  </a:cubicBezTo>
+                  <a:lnTo>
+                    <a:pt x="0" y="86469"/>
+                  </a:lnTo>
+                  <a:close/>
+                </a:path>
+              </a:pathLst>
+            </a:custGeom>
+          </p:spPr>
+          <p:style>
+            <a:lnRef idx="2">
+              <a:schemeClr val="lt1">
+                <a:hueOff val="0"/>
+                <a:satOff val="0"/>
+                <a:lumOff val="0"/>
+                <a:alphaOff val="0"/>
+              </a:schemeClr>
+            </a:lnRef>
+            <a:fillRef idx="1">
+              <a:schemeClr val="accent5">
+                <a:hueOff val="-7353344"/>
+                <a:satOff val="-10228"/>
+                <a:lumOff val="-3922"/>
+                <a:alphaOff val="0"/>
+              </a:schemeClr>
+            </a:fillRef>
+            <a:effectRef idx="0">
+              <a:schemeClr val="accent5">
+                <a:hueOff val="-7353344"/>
+                <a:satOff val="-10228"/>
+                <a:lumOff val="-3922"/>
+                <a:alphaOff val="0"/>
+              </a:schemeClr>
+            </a:effectRef>
+            <a:fontRef idx="minor">
+              <a:schemeClr val="lt1"/>
+            </a:fontRef>
+          </p:style>
+          <p:txBody>
+            <a:bodyPr spcFirstLastPara="0" vert="horz" wrap="square" lIns="38045" tIns="33282" rIns="38045" bIns="33282" numCol="1" spcCol="1270" anchor="ctr" anchorCtr="0">
+              <a:noAutofit/>
+            </a:bodyPr>
+            <a:lstStyle/>
+            <a:p>
+              <a:pPr algn="ctr" defTabSz="333375" eaLnBrk="1" fontAlgn="auto" hangingPunct="1">
+                <a:lnSpc>
+                  <a:spcPct val="90000"/>
+                </a:lnSpc>
+                <a:spcAft>
+                  <a:spcPct val="35000"/>
+                </a:spcAft>
+              </a:pPr>
+              <a:r>
+                <a:rPr lang="es-CO" sz="750" dirty="0">
+                  <a:solidFill>
+                    <a:prstClr val="white"/>
+                  </a:solidFill>
+                </a:rPr>
+                <a:t>Al trabajar con Variables se recomienda estandarizar nombres y emplear diccionarios de datos</a:t>
+              </a:r>
+            </a:p>
+          </p:txBody>
+        </p:sp>
+      </p:grpSp>
+      <p:grpSp>
+        <p:nvGrpSpPr>
+          <p:cNvPr id="83" name="Grupo 82"/>
+          <p:cNvGrpSpPr/>
+          <p:nvPr/>
+        </p:nvGrpSpPr>
+        <p:grpSpPr>
+          <a:xfrm>
+            <a:off x="2637452" y="2202440"/>
+            <a:ext cx="1948241" cy="4207991"/>
+            <a:chOff x="4824324" y="2182938"/>
+            <a:chExt cx="1948241" cy="4207991"/>
+          </a:xfrm>
+        </p:grpSpPr>
+        <p:sp>
+          <p:nvSpPr>
+            <p:cNvPr id="6" name="Forma libre 5"/>
+            <p:cNvSpPr/>
+            <p:nvPr/>
+          </p:nvSpPr>
+          <p:spPr>
+            <a:xfrm>
+              <a:off x="4824324" y="2182938"/>
+              <a:ext cx="1948241" cy="4207991"/>
+            </a:xfrm>
+            <a:custGeom>
+              <a:avLst/>
+              <a:gdLst>
+                <a:gd name="connsiteX0" fmla="*/ 0 w 2186315"/>
+                <a:gd name="connsiteY0" fmla="*/ 218632 h 4401367"/>
+                <a:gd name="connsiteX1" fmla="*/ 218632 w 2186315"/>
+                <a:gd name="connsiteY1" fmla="*/ 0 h 4401367"/>
+                <a:gd name="connsiteX2" fmla="*/ 1967684 w 2186315"/>
+                <a:gd name="connsiteY2" fmla="*/ 0 h 4401367"/>
+                <a:gd name="connsiteX3" fmla="*/ 2186316 w 2186315"/>
+                <a:gd name="connsiteY3" fmla="*/ 218632 h 4401367"/>
+                <a:gd name="connsiteX4" fmla="*/ 2186315 w 2186315"/>
+                <a:gd name="connsiteY4" fmla="*/ 4182736 h 4401367"/>
+                <a:gd name="connsiteX5" fmla="*/ 1967683 w 2186315"/>
+                <a:gd name="connsiteY5" fmla="*/ 4401368 h 4401367"/>
+                <a:gd name="connsiteX6" fmla="*/ 218632 w 2186315"/>
+                <a:gd name="connsiteY6" fmla="*/ 4401367 h 4401367"/>
+                <a:gd name="connsiteX7" fmla="*/ 0 w 2186315"/>
+                <a:gd name="connsiteY7" fmla="*/ 4182735 h 4401367"/>
+                <a:gd name="connsiteX8" fmla="*/ 0 w 2186315"/>
+                <a:gd name="connsiteY8" fmla="*/ 218632 h 4401367"/>
+              </a:gdLst>
+              <a:ahLst/>
+              <a:cxnLst>
+                <a:cxn ang="0">
+                  <a:pos x="connsiteX0" y="connsiteY0"/>
+                </a:cxn>
+                <a:cxn ang="0">
+                  <a:pos x="connsiteX1" y="connsiteY1"/>
+                </a:cxn>
+                <a:cxn ang="0">
+                  <a:pos x="connsiteX2" y="connsiteY2"/>
+                </a:cxn>
+                <a:cxn ang="0">
+                  <a:pos x="connsiteX3" y="connsiteY3"/>
+                </a:cxn>
+                <a:cxn ang="0">
+                  <a:pos x="connsiteX4" y="connsiteY4"/>
+                </a:cxn>
+                <a:cxn ang="0">
+                  <a:pos x="connsiteX5" y="connsiteY5"/>
+                </a:cxn>
+                <a:cxn ang="0">
+                  <a:pos x="connsiteX6" y="connsiteY6"/>
+                </a:cxn>
+                <a:cxn ang="0">
+                  <a:pos x="connsiteX7" y="connsiteY7"/>
+                </a:cxn>
+                <a:cxn ang="0">
+                  <a:pos x="connsiteX8" y="connsiteY8"/>
+                </a:cxn>
+              </a:cxnLst>
+              <a:rect l="l" t="t" r="r" b="b"/>
+              <a:pathLst>
+                <a:path w="2186315" h="4401367">
+                  <a:moveTo>
+                    <a:pt x="0" y="218632"/>
+                  </a:moveTo>
+                  <a:cubicBezTo>
+                    <a:pt x="0" y="97885"/>
+                    <a:pt x="97885" y="0"/>
+                    <a:pt x="218632" y="0"/>
+                  </a:cubicBezTo>
+                  <a:lnTo>
+                    <a:pt x="1967684" y="0"/>
+                  </a:lnTo>
+                  <a:cubicBezTo>
+                    <a:pt x="2088431" y="0"/>
+                    <a:pt x="2186316" y="97885"/>
+                    <a:pt x="2186316" y="218632"/>
+                  </a:cubicBezTo>
+                  <a:cubicBezTo>
+                    <a:pt x="2186316" y="1540000"/>
+                    <a:pt x="2186315" y="2861368"/>
+                    <a:pt x="2186315" y="4182736"/>
+                  </a:cubicBezTo>
+                  <a:cubicBezTo>
+                    <a:pt x="2186315" y="4303483"/>
+                    <a:pt x="2088430" y="4401368"/>
+                    <a:pt x="1967683" y="4401368"/>
+                  </a:cubicBezTo>
+                  <a:lnTo>
+                    <a:pt x="218632" y="4401367"/>
+                  </a:lnTo>
+                  <a:cubicBezTo>
+                    <a:pt x="97885" y="4401367"/>
+                    <a:pt x="0" y="4303482"/>
+                    <a:pt x="0" y="4182735"/>
+                  </a:cubicBezTo>
+                  <a:lnTo>
+                    <a:pt x="0" y="218632"/>
+                  </a:lnTo>
+                  <a:close/>
+                </a:path>
+              </a:pathLst>
+            </a:custGeom>
+          </p:spPr>
+          <p:style>
+            <a:lnRef idx="0">
+              <a:schemeClr val="dk1">
+                <a:hueOff val="0"/>
+                <a:satOff val="0"/>
+                <a:lumOff val="0"/>
+                <a:alphaOff val="0"/>
+              </a:schemeClr>
+            </a:lnRef>
+            <a:fillRef idx="1">
+              <a:schemeClr val="accent5">
+                <a:tint val="40000"/>
+                <a:hueOff val="0"/>
+                <a:satOff val="0"/>
+                <a:lumOff val="0"/>
+                <a:alphaOff val="0"/>
+              </a:schemeClr>
+            </a:fillRef>
+            <a:effectRef idx="0">
+              <a:schemeClr val="accent5">
+                <a:tint val="40000"/>
+                <a:hueOff val="0"/>
+                <a:satOff val="0"/>
+                <a:lumOff val="0"/>
+                <a:alphaOff val="0"/>
+              </a:schemeClr>
+            </a:effectRef>
+            <a:fontRef idx="minor">
+              <a:schemeClr val="dk1">
+                <a:hueOff val="0"/>
+                <a:satOff val="0"/>
+                <a:lumOff val="0"/>
+                <a:alphaOff val="0"/>
+              </a:schemeClr>
+            </a:fontRef>
+          </p:style>
+          <p:txBody>
+            <a:bodyPr spcFirstLastPara="0" vert="horz" wrap="square" lIns="51435" tIns="51435" rIns="51435" bIns="2362153" numCol="1" spcCol="1270" anchor="ctr" anchorCtr="0">
+              <a:noAutofit/>
+            </a:bodyPr>
+            <a:lstStyle/>
+            <a:p>
+              <a:pPr algn="ctr" defTabSz="600075" eaLnBrk="1" fontAlgn="auto" hangingPunct="1">
+                <a:lnSpc>
+                  <a:spcPct val="90000"/>
+                </a:lnSpc>
+                <a:spcAft>
+                  <a:spcPct val="35000"/>
+                </a:spcAft>
+              </a:pPr>
+              <a:r>
+                <a:rPr lang="es-CO" sz="1350" b="1" dirty="0">
+                  <a:solidFill>
+                    <a:prstClr val="black">
+                      <a:hueOff val="0"/>
+                      <a:satOff val="0"/>
+                      <a:lumOff val="0"/>
+                      <a:alphaOff val="0"/>
+                    </a:prstClr>
+                  </a:solidFill>
+                </a:rPr>
+                <a:t>Procesamiento</a:t>
+              </a:r>
+            </a:p>
+          </p:txBody>
+        </p:sp>
+        <p:sp>
+          <p:nvSpPr>
+            <p:cNvPr id="7" name="Forma libre 6"/>
+            <p:cNvSpPr/>
+            <p:nvPr/>
+          </p:nvSpPr>
+          <p:spPr>
+            <a:xfrm>
+              <a:off x="5095988" y="3458863"/>
+              <a:ext cx="1558593" cy="826701"/>
+            </a:xfrm>
+            <a:custGeom>
+              <a:avLst/>
+              <a:gdLst>
+                <a:gd name="connsiteX0" fmla="*/ 0 w 1749052"/>
+                <a:gd name="connsiteY0" fmla="*/ 86469 h 864692"/>
+                <a:gd name="connsiteX1" fmla="*/ 86469 w 1749052"/>
+                <a:gd name="connsiteY1" fmla="*/ 0 h 864692"/>
+                <a:gd name="connsiteX2" fmla="*/ 1662583 w 1749052"/>
+                <a:gd name="connsiteY2" fmla="*/ 0 h 864692"/>
+                <a:gd name="connsiteX3" fmla="*/ 1749052 w 1749052"/>
+                <a:gd name="connsiteY3" fmla="*/ 86469 h 864692"/>
+                <a:gd name="connsiteX4" fmla="*/ 1749052 w 1749052"/>
+                <a:gd name="connsiteY4" fmla="*/ 778223 h 864692"/>
+                <a:gd name="connsiteX5" fmla="*/ 1662583 w 1749052"/>
+                <a:gd name="connsiteY5" fmla="*/ 864692 h 864692"/>
+                <a:gd name="connsiteX6" fmla="*/ 86469 w 1749052"/>
+                <a:gd name="connsiteY6" fmla="*/ 864692 h 864692"/>
+                <a:gd name="connsiteX7" fmla="*/ 0 w 1749052"/>
+                <a:gd name="connsiteY7" fmla="*/ 778223 h 864692"/>
+                <a:gd name="connsiteX8" fmla="*/ 0 w 1749052"/>
+                <a:gd name="connsiteY8" fmla="*/ 86469 h 864692"/>
+              </a:gdLst>
+              <a:ahLst/>
+              <a:cxnLst>
+                <a:cxn ang="0">
+                  <a:pos x="connsiteX0" y="connsiteY0"/>
+                </a:cxn>
+                <a:cxn ang="0">
+                  <a:pos x="connsiteX1" y="connsiteY1"/>
+                </a:cxn>
+                <a:cxn ang="0">
+                  <a:pos x="connsiteX2" y="connsiteY2"/>
+                </a:cxn>
+                <a:cxn ang="0">
+                  <a:pos x="connsiteX3" y="connsiteY3"/>
+                </a:cxn>
+                <a:cxn ang="0">
+                  <a:pos x="connsiteX4" y="connsiteY4"/>
+                </a:cxn>
+                <a:cxn ang="0">
+                  <a:pos x="connsiteX5" y="connsiteY5"/>
+                </a:cxn>
+                <a:cxn ang="0">
+                  <a:pos x="connsiteX6" y="connsiteY6"/>
+                </a:cxn>
+                <a:cxn ang="0">
+                  <a:pos x="connsiteX7" y="connsiteY7"/>
+                </a:cxn>
+                <a:cxn ang="0">
+                  <a:pos x="connsiteX8" y="connsiteY8"/>
+                </a:cxn>
+              </a:cxnLst>
+              <a:rect l="l" t="t" r="r" b="b"/>
+              <a:pathLst>
+                <a:path w="1749052" h="864692">
+                  <a:moveTo>
+                    <a:pt x="0" y="86469"/>
+                  </a:moveTo>
+                  <a:cubicBezTo>
+                    <a:pt x="0" y="38713"/>
+                    <a:pt x="38713" y="0"/>
+                    <a:pt x="86469" y="0"/>
+                  </a:cubicBezTo>
+                  <a:lnTo>
+                    <a:pt x="1662583" y="0"/>
+                  </a:lnTo>
+                  <a:cubicBezTo>
+                    <a:pt x="1710339" y="0"/>
+                    <a:pt x="1749052" y="38713"/>
+                    <a:pt x="1749052" y="86469"/>
+                  </a:cubicBezTo>
+                  <a:lnTo>
+                    <a:pt x="1749052" y="778223"/>
+                  </a:lnTo>
+                  <a:cubicBezTo>
+                    <a:pt x="1749052" y="825979"/>
+                    <a:pt x="1710339" y="864692"/>
+                    <a:pt x="1662583" y="864692"/>
+                  </a:cubicBezTo>
+                  <a:lnTo>
+                    <a:pt x="86469" y="864692"/>
+                  </a:lnTo>
+                  <a:cubicBezTo>
+                    <a:pt x="38713" y="864692"/>
+                    <a:pt x="0" y="825979"/>
+                    <a:pt x="0" y="778223"/>
+                  </a:cubicBezTo>
+                  <a:lnTo>
+                    <a:pt x="0" y="86469"/>
+                  </a:lnTo>
+                  <a:close/>
+                </a:path>
+              </a:pathLst>
+            </a:custGeom>
+          </p:spPr>
+          <p:style>
+            <a:lnRef idx="2">
+              <a:schemeClr val="lt1">
+                <a:hueOff val="0"/>
+                <a:satOff val="0"/>
+                <a:lumOff val="0"/>
+                <a:alphaOff val="0"/>
+              </a:schemeClr>
+            </a:lnRef>
+            <a:fillRef idx="1">
+              <a:schemeClr val="accent5">
+                <a:hueOff val="-2757504"/>
+                <a:satOff val="-3835"/>
+                <a:lumOff val="-1471"/>
+                <a:alphaOff val="0"/>
+              </a:schemeClr>
+            </a:fillRef>
+            <a:effectRef idx="0">
+              <a:schemeClr val="accent5">
+                <a:hueOff val="-2757504"/>
+                <a:satOff val="-3835"/>
+                <a:lumOff val="-1471"/>
+                <a:alphaOff val="0"/>
+              </a:schemeClr>
+            </a:effectRef>
+            <a:fontRef idx="minor">
+              <a:schemeClr val="lt1"/>
+            </a:fontRef>
+          </p:style>
+          <p:txBody>
+            <a:bodyPr spcFirstLastPara="0" vert="horz" wrap="square" lIns="38045" tIns="33282" rIns="38045" bIns="33282" numCol="1" spcCol="1270" anchor="ctr" anchorCtr="0">
+              <a:noAutofit/>
+            </a:bodyPr>
+            <a:lstStyle/>
+            <a:p>
+              <a:pPr algn="ctr" defTabSz="333375" eaLnBrk="1" fontAlgn="auto" hangingPunct="1">
+                <a:lnSpc>
+                  <a:spcPct val="90000"/>
+                </a:lnSpc>
+                <a:spcAft>
+                  <a:spcPct val="35000"/>
+                </a:spcAft>
+              </a:pPr>
+              <a:r>
+                <a:rPr lang="es-CO" sz="750" dirty="0">
+                  <a:solidFill>
+                    <a:prstClr val="white"/>
+                  </a:solidFill>
+                </a:rPr>
+                <a:t>Evitar múltiples geometrías por registro. (</a:t>
+              </a:r>
+              <a:r>
+                <a:rPr lang="es-CO" sz="750" dirty="0" err="1">
+                  <a:solidFill>
+                    <a:prstClr val="white"/>
+                  </a:solidFill>
+                </a:rPr>
+                <a:t>Multipart</a:t>
+              </a:r>
+              <a:r>
+                <a:rPr lang="es-CO" sz="750" dirty="0">
+                  <a:solidFill>
+                    <a:prstClr val="white"/>
+                  </a:solidFill>
+                </a:rPr>
+                <a:t> to Single </a:t>
+              </a:r>
+              <a:r>
+                <a:rPr lang="es-CO" sz="750" dirty="0" err="1">
+                  <a:solidFill>
+                    <a:prstClr val="white"/>
+                  </a:solidFill>
+                </a:rPr>
+                <a:t>Part</a:t>
+              </a:r>
+              <a:r>
+                <a:rPr lang="es-CO" sz="750" dirty="0">
+                  <a:solidFill>
+                    <a:prstClr val="white"/>
+                  </a:solidFill>
+                </a:rPr>
+                <a:t>)</a:t>
+              </a:r>
+            </a:p>
+          </p:txBody>
+        </p:sp>
+        <p:sp>
+          <p:nvSpPr>
+            <p:cNvPr id="8" name="Forma libre 7"/>
+            <p:cNvSpPr/>
+            <p:nvPr/>
+          </p:nvSpPr>
+          <p:spPr>
+            <a:xfrm>
+              <a:off x="5095988" y="4412749"/>
+              <a:ext cx="1558593" cy="826701"/>
+            </a:xfrm>
+            <a:custGeom>
+              <a:avLst/>
+              <a:gdLst>
+                <a:gd name="connsiteX0" fmla="*/ 0 w 1749052"/>
+                <a:gd name="connsiteY0" fmla="*/ 86469 h 864692"/>
+                <a:gd name="connsiteX1" fmla="*/ 86469 w 1749052"/>
+                <a:gd name="connsiteY1" fmla="*/ 0 h 864692"/>
+                <a:gd name="connsiteX2" fmla="*/ 1662583 w 1749052"/>
+                <a:gd name="connsiteY2" fmla="*/ 0 h 864692"/>
+                <a:gd name="connsiteX3" fmla="*/ 1749052 w 1749052"/>
+                <a:gd name="connsiteY3" fmla="*/ 86469 h 864692"/>
+                <a:gd name="connsiteX4" fmla="*/ 1749052 w 1749052"/>
+                <a:gd name="connsiteY4" fmla="*/ 778223 h 864692"/>
+                <a:gd name="connsiteX5" fmla="*/ 1662583 w 1749052"/>
+                <a:gd name="connsiteY5" fmla="*/ 864692 h 864692"/>
+                <a:gd name="connsiteX6" fmla="*/ 86469 w 1749052"/>
+                <a:gd name="connsiteY6" fmla="*/ 864692 h 864692"/>
+                <a:gd name="connsiteX7" fmla="*/ 0 w 1749052"/>
+                <a:gd name="connsiteY7" fmla="*/ 778223 h 864692"/>
+                <a:gd name="connsiteX8" fmla="*/ 0 w 1749052"/>
+                <a:gd name="connsiteY8" fmla="*/ 86469 h 864692"/>
+              </a:gdLst>
+              <a:ahLst/>
+              <a:cxnLst>
+                <a:cxn ang="0">
+                  <a:pos x="connsiteX0" y="connsiteY0"/>
+                </a:cxn>
+                <a:cxn ang="0">
+                  <a:pos x="connsiteX1" y="connsiteY1"/>
+                </a:cxn>
+                <a:cxn ang="0">
+                  <a:pos x="connsiteX2" y="connsiteY2"/>
+                </a:cxn>
+                <a:cxn ang="0">
+                  <a:pos x="connsiteX3" y="connsiteY3"/>
+                </a:cxn>
+                <a:cxn ang="0">
+                  <a:pos x="connsiteX4" y="connsiteY4"/>
+                </a:cxn>
+                <a:cxn ang="0">
+                  <a:pos x="connsiteX5" y="connsiteY5"/>
+                </a:cxn>
+                <a:cxn ang="0">
+                  <a:pos x="connsiteX6" y="connsiteY6"/>
+                </a:cxn>
+                <a:cxn ang="0">
+                  <a:pos x="connsiteX7" y="connsiteY7"/>
+                </a:cxn>
+                <a:cxn ang="0">
+                  <a:pos x="connsiteX8" y="connsiteY8"/>
+                </a:cxn>
+              </a:cxnLst>
+              <a:rect l="l" t="t" r="r" b="b"/>
+              <a:pathLst>
+                <a:path w="1749052" h="864692">
+                  <a:moveTo>
+                    <a:pt x="0" y="86469"/>
+                  </a:moveTo>
+                  <a:cubicBezTo>
+                    <a:pt x="0" y="38713"/>
+                    <a:pt x="38713" y="0"/>
+                    <a:pt x="86469" y="0"/>
+                  </a:cubicBezTo>
+                  <a:lnTo>
+                    <a:pt x="1662583" y="0"/>
+                  </a:lnTo>
+                  <a:cubicBezTo>
+                    <a:pt x="1710339" y="0"/>
+                    <a:pt x="1749052" y="38713"/>
+                    <a:pt x="1749052" y="86469"/>
+                  </a:cubicBezTo>
+                  <a:lnTo>
+                    <a:pt x="1749052" y="778223"/>
+                  </a:lnTo>
+                  <a:cubicBezTo>
+                    <a:pt x="1749052" y="825979"/>
+                    <a:pt x="1710339" y="864692"/>
+                    <a:pt x="1662583" y="864692"/>
+                  </a:cubicBezTo>
+                  <a:lnTo>
+                    <a:pt x="86469" y="864692"/>
+                  </a:lnTo>
+                  <a:cubicBezTo>
+                    <a:pt x="38713" y="864692"/>
+                    <a:pt x="0" y="825979"/>
+                    <a:pt x="0" y="778223"/>
+                  </a:cubicBezTo>
+                  <a:lnTo>
+                    <a:pt x="0" y="86469"/>
+                  </a:lnTo>
+                  <a:close/>
+                </a:path>
+              </a:pathLst>
+            </a:custGeom>
+          </p:spPr>
+          <p:style>
+            <a:lnRef idx="2">
+              <a:schemeClr val="lt1">
+                <a:hueOff val="0"/>
+                <a:satOff val="0"/>
+                <a:lumOff val="0"/>
+                <a:alphaOff val="0"/>
+              </a:schemeClr>
+            </a:lnRef>
+            <a:fillRef idx="1">
+              <a:schemeClr val="accent5">
+                <a:hueOff val="-3676672"/>
+                <a:satOff val="-5114"/>
+                <a:lumOff val="-1961"/>
+                <a:alphaOff val="0"/>
+              </a:schemeClr>
+            </a:fillRef>
+            <a:effectRef idx="0">
+              <a:schemeClr val="accent5">
+                <a:hueOff val="-3676672"/>
+                <a:satOff val="-5114"/>
+                <a:lumOff val="-1961"/>
+                <a:alphaOff val="0"/>
+              </a:schemeClr>
+            </a:effectRef>
+            <a:fontRef idx="minor">
+              <a:schemeClr val="lt1"/>
+            </a:fontRef>
+          </p:style>
+          <p:txBody>
+            <a:bodyPr spcFirstLastPara="0" vert="horz" wrap="square" lIns="38045" tIns="33282" rIns="38045" bIns="33282" numCol="1" spcCol="1270" anchor="ctr" anchorCtr="0">
+              <a:noAutofit/>
+            </a:bodyPr>
+            <a:lstStyle/>
+            <a:p>
+              <a:pPr algn="ctr" defTabSz="333375" eaLnBrk="1" fontAlgn="auto" hangingPunct="1">
+                <a:lnSpc>
+                  <a:spcPct val="90000"/>
+                </a:lnSpc>
+                <a:spcAft>
+                  <a:spcPct val="35000"/>
+                </a:spcAft>
+              </a:pPr>
+              <a:r>
+                <a:rPr lang="es-CO" sz="750" dirty="0">
+                  <a:solidFill>
+                    <a:prstClr val="white"/>
+                  </a:solidFill>
+                </a:rPr>
+                <a:t>Simplificar polígonos grandes y complejos. (Dice)</a:t>
+              </a:r>
+            </a:p>
+          </p:txBody>
+        </p:sp>
+        <p:sp>
+          <p:nvSpPr>
+            <p:cNvPr id="14" name="Forma libre 13"/>
+            <p:cNvSpPr/>
+            <p:nvPr/>
+          </p:nvSpPr>
+          <p:spPr>
+            <a:xfrm>
+              <a:off x="5095988" y="5366637"/>
+              <a:ext cx="1558593" cy="826701"/>
+            </a:xfrm>
+            <a:custGeom>
+              <a:avLst/>
+              <a:gdLst>
+                <a:gd name="connsiteX0" fmla="*/ 0 w 1749052"/>
+                <a:gd name="connsiteY0" fmla="*/ 86469 h 864692"/>
+                <a:gd name="connsiteX1" fmla="*/ 86469 w 1749052"/>
+                <a:gd name="connsiteY1" fmla="*/ 0 h 864692"/>
+                <a:gd name="connsiteX2" fmla="*/ 1662583 w 1749052"/>
+                <a:gd name="connsiteY2" fmla="*/ 0 h 864692"/>
+                <a:gd name="connsiteX3" fmla="*/ 1749052 w 1749052"/>
+                <a:gd name="connsiteY3" fmla="*/ 86469 h 864692"/>
+                <a:gd name="connsiteX4" fmla="*/ 1749052 w 1749052"/>
+                <a:gd name="connsiteY4" fmla="*/ 778223 h 864692"/>
+                <a:gd name="connsiteX5" fmla="*/ 1662583 w 1749052"/>
+                <a:gd name="connsiteY5" fmla="*/ 864692 h 864692"/>
+                <a:gd name="connsiteX6" fmla="*/ 86469 w 1749052"/>
+                <a:gd name="connsiteY6" fmla="*/ 864692 h 864692"/>
+                <a:gd name="connsiteX7" fmla="*/ 0 w 1749052"/>
+                <a:gd name="connsiteY7" fmla="*/ 778223 h 864692"/>
+                <a:gd name="connsiteX8" fmla="*/ 0 w 1749052"/>
+                <a:gd name="connsiteY8" fmla="*/ 86469 h 864692"/>
+              </a:gdLst>
+              <a:ahLst/>
+              <a:cxnLst>
+                <a:cxn ang="0">
+                  <a:pos x="connsiteX0" y="connsiteY0"/>
+                </a:cxn>
+                <a:cxn ang="0">
+                  <a:pos x="connsiteX1" y="connsiteY1"/>
+                </a:cxn>
+                <a:cxn ang="0">
+                  <a:pos x="connsiteX2" y="connsiteY2"/>
+                </a:cxn>
+                <a:cxn ang="0">
+                  <a:pos x="connsiteX3" y="connsiteY3"/>
+                </a:cxn>
+                <a:cxn ang="0">
+                  <a:pos x="connsiteX4" y="connsiteY4"/>
+                </a:cxn>
+                <a:cxn ang="0">
+                  <a:pos x="connsiteX5" y="connsiteY5"/>
+                </a:cxn>
+                <a:cxn ang="0">
+                  <a:pos x="connsiteX6" y="connsiteY6"/>
+                </a:cxn>
+                <a:cxn ang="0">
+                  <a:pos x="connsiteX7" y="connsiteY7"/>
+                </a:cxn>
+                <a:cxn ang="0">
+                  <a:pos x="connsiteX8" y="connsiteY8"/>
+                </a:cxn>
+              </a:cxnLst>
+              <a:rect l="l" t="t" r="r" b="b"/>
+              <a:pathLst>
+                <a:path w="1749052" h="864692">
+                  <a:moveTo>
+                    <a:pt x="0" y="86469"/>
+                  </a:moveTo>
+                  <a:cubicBezTo>
+                    <a:pt x="0" y="38713"/>
+                    <a:pt x="38713" y="0"/>
+                    <a:pt x="86469" y="0"/>
+                  </a:cubicBezTo>
+                  <a:lnTo>
+                    <a:pt x="1662583" y="0"/>
+                  </a:lnTo>
+                  <a:cubicBezTo>
+                    <a:pt x="1710339" y="0"/>
+                    <a:pt x="1749052" y="38713"/>
+                    <a:pt x="1749052" y="86469"/>
+                  </a:cubicBezTo>
+                  <a:lnTo>
+                    <a:pt x="1749052" y="778223"/>
+                  </a:lnTo>
+                  <a:cubicBezTo>
+                    <a:pt x="1749052" y="825979"/>
+                    <a:pt x="1710339" y="864692"/>
+                    <a:pt x="1662583" y="864692"/>
+                  </a:cubicBezTo>
+                  <a:lnTo>
+                    <a:pt x="86469" y="864692"/>
+                  </a:lnTo>
+                  <a:cubicBezTo>
+                    <a:pt x="38713" y="864692"/>
+                    <a:pt x="0" y="825979"/>
+                    <a:pt x="0" y="778223"/>
+                  </a:cubicBezTo>
+                  <a:lnTo>
+                    <a:pt x="0" y="86469"/>
+                  </a:lnTo>
+                  <a:close/>
+                </a:path>
+              </a:pathLst>
+            </a:custGeom>
+          </p:spPr>
+          <p:style>
+            <a:lnRef idx="2">
+              <a:schemeClr val="lt1">
+                <a:hueOff val="0"/>
+                <a:satOff val="0"/>
+                <a:lumOff val="0"/>
+                <a:alphaOff val="0"/>
+              </a:schemeClr>
+            </a:lnRef>
+            <a:fillRef idx="1">
+              <a:schemeClr val="accent5">
+                <a:hueOff val="-4595840"/>
+                <a:satOff val="-6392"/>
+                <a:lumOff val="-2451"/>
+                <a:alphaOff val="0"/>
+              </a:schemeClr>
+            </a:fillRef>
+            <a:effectRef idx="0">
+              <a:schemeClr val="accent5">
+                <a:hueOff val="-4595840"/>
+                <a:satOff val="-6392"/>
+                <a:lumOff val="-2451"/>
+                <a:alphaOff val="0"/>
+              </a:schemeClr>
+            </a:effectRef>
+            <a:fontRef idx="minor">
+              <a:schemeClr val="lt1"/>
+            </a:fontRef>
+          </p:style>
+          <p:txBody>
+            <a:bodyPr spcFirstLastPara="0" vert="horz" wrap="square" lIns="38045" tIns="33282" rIns="38045" bIns="33282" numCol="1" spcCol="1270" anchor="ctr" anchorCtr="0">
+              <a:noAutofit/>
+            </a:bodyPr>
+            <a:lstStyle/>
+            <a:p>
+              <a:pPr algn="ctr" defTabSz="333375" eaLnBrk="1" fontAlgn="auto" hangingPunct="1">
+                <a:lnSpc>
+                  <a:spcPct val="90000"/>
+                </a:lnSpc>
+                <a:spcAft>
+                  <a:spcPct val="35000"/>
+                </a:spcAft>
+              </a:pPr>
+              <a:r>
+                <a:rPr lang="es-CO" sz="750" dirty="0">
+                  <a:solidFill>
+                    <a:prstClr val="white"/>
+                  </a:solidFill>
+                </a:rPr>
+                <a:t>Después de operaciones de superposición. </a:t>
+              </a:r>
+            </a:p>
+            <a:p>
+              <a:pPr algn="ctr" defTabSz="333375" eaLnBrk="1" fontAlgn="auto" hangingPunct="1">
+                <a:lnSpc>
+                  <a:spcPct val="90000"/>
+                </a:lnSpc>
+                <a:spcAft>
+                  <a:spcPct val="35000"/>
+                </a:spcAft>
+              </a:pPr>
+              <a:r>
+                <a:rPr lang="es-CO" sz="750" dirty="0">
+                  <a:solidFill>
+                    <a:prstClr val="white"/>
+                  </a:solidFill>
+                </a:rPr>
+                <a:t>(</a:t>
+              </a:r>
+              <a:r>
+                <a:rPr lang="es-CO" sz="750" dirty="0" err="1">
+                  <a:solidFill>
+                    <a:prstClr val="white"/>
+                  </a:solidFill>
+                </a:rPr>
+                <a:t>Repair</a:t>
+              </a:r>
+              <a:r>
+                <a:rPr lang="es-CO" sz="750" dirty="0">
+                  <a:solidFill>
+                    <a:prstClr val="white"/>
+                  </a:solidFill>
+                </a:rPr>
+                <a:t> </a:t>
+              </a:r>
+              <a:r>
+                <a:rPr lang="es-CO" sz="750" dirty="0" err="1">
+                  <a:solidFill>
+                    <a:prstClr val="white"/>
+                  </a:solidFill>
+                </a:rPr>
+                <a:t>Geometry</a:t>
+              </a:r>
+              <a:r>
+                <a:rPr lang="es-CO" sz="750" dirty="0">
+                  <a:solidFill>
+                    <a:prstClr val="white"/>
+                  </a:solidFill>
+                </a:rPr>
+                <a:t>)</a:t>
+              </a:r>
+            </a:p>
+          </p:txBody>
+        </p:sp>
+      </p:grpSp>
+      <p:pic>
+        <p:nvPicPr>
+          <p:cNvPr id="75" name="Imagen 74"/>
+          <p:cNvPicPr>
+            <a:picLocks noChangeAspect="1"/>
+          </p:cNvPicPr>
+          <p:nvPr/>
+        </p:nvPicPr>
+        <p:blipFill>
+          <a:blip r:embed="rId2">
+            <a:extLst>
+              <a:ext uri="{28A0092B-C50C-407E-A947-70E740481C1C}">
+                <a14:useLocalDpi xmlns:a14="http://schemas.microsoft.com/office/drawing/2010/main" val="0"/>
+              </a:ext>
+            </a:extLst>
+          </a:blip>
+          <a:stretch>
+            <a:fillRect/>
+          </a:stretch>
+        </p:blipFill>
+        <p:spPr>
+          <a:xfrm>
+            <a:off x="9754123" y="3882129"/>
+            <a:ext cx="2220739" cy="679311"/>
+          </a:xfrm>
+          <a:prstGeom prst="rect">
+            <a:avLst/>
+          </a:prstGeom>
+        </p:spPr>
+      </p:pic>
+      <p:pic>
+        <p:nvPicPr>
+          <p:cNvPr id="80" name="Imagen 79"/>
+          <p:cNvPicPr>
+            <a:picLocks noChangeAspect="1"/>
+          </p:cNvPicPr>
+          <p:nvPr/>
+        </p:nvPicPr>
+        <p:blipFill>
+          <a:blip r:embed="rId3"/>
+          <a:stretch>
+            <a:fillRect/>
+          </a:stretch>
+        </p:blipFill>
+        <p:spPr>
+          <a:xfrm>
+            <a:off x="9699051" y="5084064"/>
+            <a:ext cx="2330882" cy="913921"/>
+          </a:xfrm>
+          <a:prstGeom prst="rect">
+            <a:avLst/>
+          </a:prstGeom>
+        </p:spPr>
+      </p:pic>
+      <p:sp>
+        <p:nvSpPr>
+          <p:cNvPr id="82" name="Shape 89"/>
           <p:cNvSpPr txBox="1"/>
           <p:nvPr/>
         </p:nvSpPr>
         <p:spPr>
           <a:xfrm>
-            <a:off x="2532175" y="690600"/>
-            <a:ext cx="7395000" cy="644700"/>
+            <a:off x="284091" y="966051"/>
+            <a:ext cx="10515600" cy="680223"/>
           </a:xfrm>
           <a:prstGeom prst="rect">
             <a:avLst/>
@@ -18282,35 +19062,42 @@
           </a:ln>
         </p:spPr>
         <p:txBody>
-          <a:bodyPr spcFirstLastPara="1" wrap="square" lIns="91425" tIns="91425" rIns="91425" bIns="91425" anchor="t" anchorCtr="0">
+          <a:bodyPr spcFirstLastPara="1" wrap="square" lIns="91425" tIns="45700" rIns="91425" bIns="45700" anchor="b" anchorCtr="0">
             <a:noAutofit/>
           </a:bodyPr>
           <a:lstStyle/>
           <a:p>
-            <a:pPr marL="0" lvl="0" indent="0" algn="ctr" rtl="0">
-              <a:spcBef>
-                <a:spcPts val="0"/>
-              </a:spcBef>
-              <a:spcAft>
-                <a:spcPts val="0"/>
-              </a:spcAft>
+            <a:pPr marL="0" marR="0" lvl="0" indent="0" algn="ctr" rtl="0">
+              <a:lnSpc>
+                <a:spcPct val="90000"/>
+              </a:lnSpc>
+              <a:spcBef>
+                <a:spcPts val="0"/>
+              </a:spcBef>
+              <a:spcAft>
+                <a:spcPts val="0"/>
+              </a:spcAft>
+              <a:buClr>
+                <a:srgbClr val="FFFFFF"/>
+              </a:buClr>
+              <a:buFont typeface="Century Gothic"/>
               <a:buNone/>
             </a:pPr>
             <a:r>
-              <a:rPr lang="es-CO" sz="1800" b="1">
-                <a:solidFill>
-                  <a:srgbClr val="179339"/>
+              <a:rPr lang="es-CO" sz="4000" b="1" dirty="0" smtClean="0">
+                <a:solidFill>
+                  <a:srgbClr val="00B050"/>
                 </a:solidFill>
                 <a:latin typeface="Century Gothic"/>
                 <a:ea typeface="Century Gothic"/>
                 <a:cs typeface="Century Gothic"/>
                 <a:sym typeface="Century Gothic"/>
               </a:rPr>
-              <a:t>Requerimientos para la Geodatabase Corporativa</a:t>
+              <a:t>Categorización y resumen</a:t>
             </a:r>
-            <a:endParaRPr sz="1800" b="1">
+            <a:endParaRPr sz="2800" b="1" i="0" u="none" strike="noStrike" cap="none" dirty="0">
               <a:solidFill>
-                <a:srgbClr val="179339"/>
+                <a:srgbClr val="00B050"/>
               </a:solidFill>
               <a:latin typeface="Century Gothic"/>
               <a:ea typeface="Century Gothic"/>
@@ -18320,182 +19107,1496 @@
           </a:p>
         </p:txBody>
       </p:sp>
-      <p:pic>
-        <p:nvPicPr>
-          <p:cNvPr id="124" name="Shape 124"/>
-          <p:cNvPicPr preferRelativeResize="0"/>
+      <p:grpSp>
+        <p:nvGrpSpPr>
+          <p:cNvPr id="89" name="Grupo 88"/>
+          <p:cNvGrpSpPr/>
           <p:nvPr/>
-        </p:nvPicPr>
-        <p:blipFill>
-          <a:blip r:embed="rId3">
-            <a:alphaModFix/>
-          </a:blip>
-          <a:stretch>
-            <a:fillRect/>
-          </a:stretch>
-        </p:blipFill>
+        </p:nvGrpSpPr>
+        <p:grpSpPr>
+          <a:xfrm>
+            <a:off x="7108343" y="2981484"/>
+            <a:ext cx="2354797" cy="2773177"/>
+            <a:chOff x="7108343" y="2981484"/>
+            <a:chExt cx="2354797" cy="2773177"/>
+          </a:xfrm>
+        </p:grpSpPr>
+        <p:grpSp>
+          <p:nvGrpSpPr>
+            <p:cNvPr id="48" name="Grupo 47"/>
+            <p:cNvGrpSpPr/>
+            <p:nvPr/>
+          </p:nvGrpSpPr>
+          <p:grpSpPr>
+            <a:xfrm>
+              <a:off x="7108343" y="2981484"/>
+              <a:ext cx="2354797" cy="2277468"/>
+              <a:chOff x="3818486" y="105107"/>
+              <a:chExt cx="5129010" cy="4893793"/>
+            </a:xfrm>
+          </p:grpSpPr>
+          <p:pic>
+            <p:nvPicPr>
+              <p:cNvPr id="49" name="Imagen 48"/>
+              <p:cNvPicPr>
+                <a:picLocks noChangeAspect="1"/>
+              </p:cNvPicPr>
+              <p:nvPr/>
+            </p:nvPicPr>
+            <p:blipFill>
+              <a:blip r:embed="rId4">
+                <a:extLst>
+                  <a:ext uri="{28A0092B-C50C-407E-A947-70E740481C1C}">
+                    <a14:useLocalDpi xmlns:a14="http://schemas.microsoft.com/office/drawing/2010/main" val="0"/>
+                  </a:ext>
+                </a:extLst>
+              </a:blip>
+              <a:stretch>
+                <a:fillRect/>
+              </a:stretch>
+            </p:blipFill>
+            <p:spPr>
+              <a:xfrm>
+                <a:off x="6509401" y="1119621"/>
+                <a:ext cx="2438095" cy="2438095"/>
+              </a:xfrm>
+              <a:prstGeom prst="rect">
+                <a:avLst/>
+              </a:prstGeom>
+            </p:spPr>
+          </p:pic>
+          <p:pic>
+            <p:nvPicPr>
+              <p:cNvPr id="50" name="Imagen 49"/>
+              <p:cNvPicPr>
+                <a:picLocks noChangeAspect="1"/>
+              </p:cNvPicPr>
+              <p:nvPr/>
+            </p:nvPicPr>
+            <p:blipFill>
+              <a:blip r:embed="rId5"/>
+              <a:stretch>
+                <a:fillRect/>
+              </a:stretch>
+            </p:blipFill>
+            <p:spPr>
+              <a:xfrm>
+                <a:off x="4067944" y="2139702"/>
+                <a:ext cx="1224000" cy="1091676"/>
+              </a:xfrm>
+              <a:prstGeom prst="rect">
+                <a:avLst/>
+              </a:prstGeom>
+            </p:spPr>
+          </p:pic>
+          <p:pic>
+            <p:nvPicPr>
+              <p:cNvPr id="51" name="Imagen 50"/>
+              <p:cNvPicPr>
+                <a:picLocks noChangeAspect="1"/>
+              </p:cNvPicPr>
+              <p:nvPr/>
+            </p:nvPicPr>
+            <p:blipFill>
+              <a:blip r:embed="rId6"/>
+              <a:stretch>
+                <a:fillRect/>
+              </a:stretch>
+            </p:blipFill>
+            <p:spPr>
+              <a:xfrm>
+                <a:off x="6197791" y="206914"/>
+                <a:ext cx="1224000" cy="915699"/>
+              </a:xfrm>
+              <a:prstGeom prst="rect">
+                <a:avLst/>
+              </a:prstGeom>
+            </p:spPr>
+          </p:pic>
+          <p:pic>
+            <p:nvPicPr>
+              <p:cNvPr id="52" name="Imagen 51"/>
+              <p:cNvPicPr>
+                <a:picLocks noChangeAspect="1"/>
+              </p:cNvPicPr>
+              <p:nvPr/>
+            </p:nvPicPr>
+            <p:blipFill>
+              <a:blip r:embed="rId7"/>
+              <a:stretch>
+                <a:fillRect/>
+              </a:stretch>
+            </p:blipFill>
+            <p:spPr>
+              <a:xfrm>
+                <a:off x="4155855" y="1223029"/>
+                <a:ext cx="1224000" cy="983134"/>
+              </a:xfrm>
+              <a:prstGeom prst="rect">
+                <a:avLst/>
+              </a:prstGeom>
+            </p:spPr>
+          </p:pic>
+          <p:pic>
+            <p:nvPicPr>
+              <p:cNvPr id="53" name="Imagen 52"/>
+              <p:cNvPicPr>
+                <a:picLocks noChangeAspect="1"/>
+              </p:cNvPicPr>
+              <p:nvPr/>
+            </p:nvPicPr>
+            <p:blipFill>
+              <a:blip r:embed="rId8"/>
+              <a:stretch>
+                <a:fillRect/>
+              </a:stretch>
+            </p:blipFill>
+            <p:spPr>
+              <a:xfrm>
+                <a:off x="4882831" y="3939902"/>
+                <a:ext cx="1224000" cy="879179"/>
+              </a:xfrm>
+              <a:prstGeom prst="rect">
+                <a:avLst/>
+              </a:prstGeom>
+            </p:spPr>
+          </p:pic>
+          <p:pic>
+            <p:nvPicPr>
+              <p:cNvPr id="54" name="Imagen 53"/>
+              <p:cNvPicPr>
+                <a:picLocks noChangeAspect="1"/>
+              </p:cNvPicPr>
+              <p:nvPr/>
+            </p:nvPicPr>
+            <p:blipFill>
+              <a:blip r:embed="rId9"/>
+              <a:stretch>
+                <a:fillRect/>
+              </a:stretch>
+            </p:blipFill>
+            <p:spPr>
+              <a:xfrm>
+                <a:off x="4336032" y="3225478"/>
+                <a:ext cx="1224000" cy="858440"/>
+              </a:xfrm>
+              <a:prstGeom prst="rect">
+                <a:avLst/>
+              </a:prstGeom>
+            </p:spPr>
+          </p:pic>
+          <p:pic>
+            <p:nvPicPr>
+              <p:cNvPr id="55" name="Imagen 54"/>
+              <p:cNvPicPr>
+                <a:picLocks noChangeAspect="1"/>
+              </p:cNvPicPr>
+              <p:nvPr/>
+            </p:nvPicPr>
+            <p:blipFill>
+              <a:blip r:embed="rId10"/>
+              <a:stretch>
+                <a:fillRect/>
+              </a:stretch>
+            </p:blipFill>
+            <p:spPr>
+              <a:xfrm>
+                <a:off x="6074280" y="4083918"/>
+                <a:ext cx="1224000" cy="914982"/>
+              </a:xfrm>
+              <a:prstGeom prst="rect">
+                <a:avLst/>
+              </a:prstGeom>
+            </p:spPr>
+          </p:pic>
+          <p:pic>
+            <p:nvPicPr>
+              <p:cNvPr id="56" name="Imagen 55"/>
+              <p:cNvPicPr>
+                <a:picLocks noChangeAspect="1"/>
+              </p:cNvPicPr>
+              <p:nvPr/>
+            </p:nvPicPr>
+            <p:blipFill>
+              <a:blip r:embed="rId11"/>
+              <a:stretch>
+                <a:fillRect/>
+              </a:stretch>
+            </p:blipFill>
+            <p:spPr>
+              <a:xfrm>
+                <a:off x="4948032" y="696657"/>
+                <a:ext cx="1224000" cy="807075"/>
+              </a:xfrm>
+              <a:prstGeom prst="rect">
+                <a:avLst/>
+              </a:prstGeom>
+            </p:spPr>
+          </p:pic>
+          <p:cxnSp>
+            <p:nvCxnSpPr>
+              <p:cNvPr id="57" name="Conector curvado 56"/>
+              <p:cNvCxnSpPr>
+                <a:stCxn id="56" idx="3"/>
+              </p:cNvCxnSpPr>
+              <p:nvPr/>
+            </p:nvCxnSpPr>
+            <p:spPr>
+              <a:xfrm>
+                <a:off x="6172032" y="1100195"/>
+                <a:ext cx="897851" cy="653302"/>
+              </a:xfrm>
+              <a:prstGeom prst="curvedConnector3">
+                <a:avLst/>
+              </a:prstGeom>
+              <a:ln>
+                <a:tailEnd type="triangle"/>
+              </a:ln>
+            </p:spPr>
+            <p:style>
+              <a:lnRef idx="1">
+                <a:schemeClr val="accent1"/>
+              </a:lnRef>
+              <a:fillRef idx="0">
+                <a:schemeClr val="accent1"/>
+              </a:fillRef>
+              <a:effectRef idx="0">
+                <a:schemeClr val="accent1"/>
+              </a:effectRef>
+              <a:fontRef idx="minor">
+                <a:schemeClr val="tx1"/>
+              </a:fontRef>
+            </p:style>
+          </p:cxnSp>
+          <p:cxnSp>
+            <p:nvCxnSpPr>
+              <p:cNvPr id="58" name="Conector curvado 57"/>
+              <p:cNvCxnSpPr>
+                <a:stCxn id="52" idx="3"/>
+              </p:cNvCxnSpPr>
+              <p:nvPr/>
+            </p:nvCxnSpPr>
+            <p:spPr>
+              <a:xfrm>
+                <a:off x="5379855" y="1714596"/>
+                <a:ext cx="1224000" cy="245784"/>
+              </a:xfrm>
+              <a:prstGeom prst="curvedConnector3">
+                <a:avLst/>
+              </a:prstGeom>
+              <a:ln>
+                <a:tailEnd type="triangle"/>
+              </a:ln>
+            </p:spPr>
+            <p:style>
+              <a:lnRef idx="1">
+                <a:schemeClr val="accent1"/>
+              </a:lnRef>
+              <a:fillRef idx="0">
+                <a:schemeClr val="accent1"/>
+              </a:fillRef>
+              <a:effectRef idx="0">
+                <a:schemeClr val="accent1"/>
+              </a:effectRef>
+              <a:fontRef idx="minor">
+                <a:schemeClr val="tx1"/>
+              </a:fontRef>
+            </p:style>
+          </p:cxnSp>
+          <p:cxnSp>
+            <p:nvCxnSpPr>
+              <p:cNvPr id="59" name="Conector curvado 58"/>
+              <p:cNvCxnSpPr>
+                <a:stCxn id="50" idx="3"/>
+                <a:endCxn id="49" idx="1"/>
+              </p:cNvCxnSpPr>
+              <p:nvPr/>
+            </p:nvCxnSpPr>
+            <p:spPr>
+              <a:xfrm flipV="1">
+                <a:off x="5291944" y="2338669"/>
+                <a:ext cx="1217457" cy="346871"/>
+              </a:xfrm>
+              <a:prstGeom prst="curvedConnector3">
+                <a:avLst/>
+              </a:prstGeom>
+              <a:ln>
+                <a:tailEnd type="triangle"/>
+              </a:ln>
+            </p:spPr>
+            <p:style>
+              <a:lnRef idx="1">
+                <a:schemeClr val="accent1"/>
+              </a:lnRef>
+              <a:fillRef idx="0">
+                <a:schemeClr val="accent1"/>
+              </a:fillRef>
+              <a:effectRef idx="0">
+                <a:schemeClr val="accent1"/>
+              </a:effectRef>
+              <a:fontRef idx="minor">
+                <a:schemeClr val="tx1"/>
+              </a:fontRef>
+            </p:style>
+          </p:cxnSp>
+          <p:cxnSp>
+            <p:nvCxnSpPr>
+              <p:cNvPr id="60" name="Conector curvado 59"/>
+              <p:cNvCxnSpPr>
+                <a:stCxn id="51" idx="3"/>
+              </p:cNvCxnSpPr>
+              <p:nvPr/>
+            </p:nvCxnSpPr>
+            <p:spPr>
+              <a:xfrm flipH="1">
+                <a:off x="7298280" y="664764"/>
+                <a:ext cx="123511" cy="1042890"/>
+              </a:xfrm>
+              <a:prstGeom prst="curvedConnector4">
+                <a:avLst>
+                  <a:gd name="adj1" fmla="val -185085"/>
+                  <a:gd name="adj2" fmla="val 71951"/>
+                </a:avLst>
+              </a:prstGeom>
+              <a:ln>
+                <a:tailEnd type="triangle"/>
+              </a:ln>
+            </p:spPr>
+            <p:style>
+              <a:lnRef idx="1">
+                <a:schemeClr val="accent1"/>
+              </a:lnRef>
+              <a:fillRef idx="0">
+                <a:schemeClr val="accent1"/>
+              </a:fillRef>
+              <a:effectRef idx="0">
+                <a:schemeClr val="accent1"/>
+              </a:effectRef>
+              <a:fontRef idx="minor">
+                <a:schemeClr val="tx1"/>
+              </a:fontRef>
+            </p:style>
+          </p:cxnSp>
+          <p:cxnSp>
+            <p:nvCxnSpPr>
+              <p:cNvPr id="61" name="Conector curvado 60"/>
+              <p:cNvCxnSpPr>
+                <a:stCxn id="54" idx="3"/>
+              </p:cNvCxnSpPr>
+              <p:nvPr/>
+            </p:nvCxnSpPr>
+            <p:spPr>
+              <a:xfrm flipV="1">
+                <a:off x="5560032" y="2775294"/>
+                <a:ext cx="949369" cy="879404"/>
+              </a:xfrm>
+              <a:prstGeom prst="curvedConnector3">
+                <a:avLst/>
+              </a:prstGeom>
+              <a:ln>
+                <a:tailEnd type="triangle"/>
+              </a:ln>
+            </p:spPr>
+            <p:style>
+              <a:lnRef idx="1">
+                <a:schemeClr val="accent1"/>
+              </a:lnRef>
+              <a:fillRef idx="0">
+                <a:schemeClr val="accent1"/>
+              </a:fillRef>
+              <a:effectRef idx="0">
+                <a:schemeClr val="accent1"/>
+              </a:effectRef>
+              <a:fontRef idx="minor">
+                <a:schemeClr val="tx1"/>
+              </a:fontRef>
+            </p:style>
+          </p:cxnSp>
+          <p:cxnSp>
+            <p:nvCxnSpPr>
+              <p:cNvPr id="62" name="Conector curvado 61"/>
+              <p:cNvCxnSpPr/>
+              <p:nvPr/>
+            </p:nvCxnSpPr>
+            <p:spPr>
+              <a:xfrm flipV="1">
+                <a:off x="5966116" y="3191362"/>
+                <a:ext cx="1115843" cy="892556"/>
+              </a:xfrm>
+              <a:prstGeom prst="curvedConnector3">
+                <a:avLst/>
+              </a:prstGeom>
+              <a:ln>
+                <a:tailEnd type="triangle"/>
+              </a:ln>
+            </p:spPr>
+            <p:style>
+              <a:lnRef idx="1">
+                <a:schemeClr val="accent1"/>
+              </a:lnRef>
+              <a:fillRef idx="0">
+                <a:schemeClr val="accent1"/>
+              </a:fillRef>
+              <a:effectRef idx="0">
+                <a:schemeClr val="accent1"/>
+              </a:effectRef>
+              <a:fontRef idx="minor">
+                <a:schemeClr val="tx1"/>
+              </a:fontRef>
+            </p:style>
+          </p:cxnSp>
+          <p:cxnSp>
+            <p:nvCxnSpPr>
+              <p:cNvPr id="63" name="Conector curvado 62"/>
+              <p:cNvCxnSpPr/>
+              <p:nvPr/>
+            </p:nvCxnSpPr>
+            <p:spPr>
+              <a:xfrm rot="5400000" flipH="1" flipV="1">
+                <a:off x="6710772" y="3435864"/>
+                <a:ext cx="794695" cy="596654"/>
+              </a:xfrm>
+              <a:prstGeom prst="curvedConnector3">
+                <a:avLst/>
+              </a:prstGeom>
+              <a:ln>
+                <a:tailEnd type="triangle"/>
+              </a:ln>
+            </p:spPr>
+            <p:style>
+              <a:lnRef idx="1">
+                <a:schemeClr val="accent1"/>
+              </a:lnRef>
+              <a:fillRef idx="0">
+                <a:schemeClr val="accent1"/>
+              </a:fillRef>
+              <a:effectRef idx="0">
+                <a:schemeClr val="accent1"/>
+              </a:effectRef>
+              <a:fontRef idx="minor">
+                <a:schemeClr val="tx1"/>
+              </a:fontRef>
+            </p:style>
+          </p:cxnSp>
+          <p:sp>
+            <p:nvSpPr>
+              <p:cNvPr id="64" name="Rectángulo 63"/>
+              <p:cNvSpPr/>
+              <p:nvPr/>
+            </p:nvSpPr>
+            <p:spPr>
+              <a:xfrm>
+                <a:off x="4429138" y="2501817"/>
+                <a:ext cx="1412206" cy="246221"/>
+              </a:xfrm>
+              <a:prstGeom prst="rect">
+                <a:avLst/>
+              </a:prstGeom>
+            </p:spPr>
+            <p:txBody>
+              <a:bodyPr wrap="square">
+                <a:spAutoFit/>
+              </a:bodyPr>
+              <a:lstStyle/>
+              <a:p>
+                <a:r>
+                  <a:rPr lang="es-CO" sz="1000" b="1" dirty="0" smtClean="0">
+                    <a:solidFill>
+                      <a:srgbClr val="1F497D"/>
+                    </a:solidFill>
+                    <a:latin typeface="Century Gothic" charset="0"/>
+                  </a:rPr>
+                  <a:t>PNN</a:t>
+                </a:r>
+                <a:endParaRPr lang="es-CO" sz="1000" dirty="0">
+                  <a:solidFill>
+                    <a:srgbClr val="1F497D"/>
+                  </a:solidFill>
+                </a:endParaRPr>
+              </a:p>
+            </p:txBody>
+          </p:sp>
+          <p:pic>
+            <p:nvPicPr>
+              <p:cNvPr id="65" name="Imagen 64"/>
+              <p:cNvPicPr>
+                <a:picLocks noChangeAspect="1"/>
+              </p:cNvPicPr>
+              <p:nvPr/>
+            </p:nvPicPr>
+            <p:blipFill>
+              <a:blip r:embed="rId12" cstate="print">
+                <a:extLst>
+                  <a:ext uri="{28A0092B-C50C-407E-A947-70E740481C1C}">
+                    <a14:useLocalDpi xmlns:a14="http://schemas.microsoft.com/office/drawing/2010/main" val="0"/>
+                  </a:ext>
+                </a:extLst>
+              </a:blip>
+              <a:stretch>
+                <a:fillRect/>
+              </a:stretch>
+            </p:blipFill>
+            <p:spPr>
+              <a:xfrm>
+                <a:off x="6809791" y="105107"/>
+                <a:ext cx="426505" cy="426505"/>
+              </a:xfrm>
+              <a:prstGeom prst="rect">
+                <a:avLst/>
+              </a:prstGeom>
+            </p:spPr>
+          </p:pic>
+          <p:pic>
+            <p:nvPicPr>
+              <p:cNvPr id="66" name="Imagen 65"/>
+              <p:cNvPicPr>
+                <a:picLocks noChangeAspect="1"/>
+              </p:cNvPicPr>
+              <p:nvPr/>
+            </p:nvPicPr>
+            <p:blipFill>
+              <a:blip r:embed="rId13" cstate="print">
+                <a:extLst>
+                  <a:ext uri="{28A0092B-C50C-407E-A947-70E740481C1C}">
+                    <a14:useLocalDpi xmlns:a14="http://schemas.microsoft.com/office/drawing/2010/main" val="0"/>
+                  </a:ext>
+                </a:extLst>
+              </a:blip>
+              <a:stretch>
+                <a:fillRect/>
+              </a:stretch>
+            </p:blipFill>
+            <p:spPr>
+              <a:xfrm>
+                <a:off x="5417210" y="3801491"/>
+                <a:ext cx="657070" cy="328535"/>
+              </a:xfrm>
+              <a:prstGeom prst="rect">
+                <a:avLst/>
+              </a:prstGeom>
+            </p:spPr>
+          </p:pic>
+          <p:pic>
+            <p:nvPicPr>
+              <p:cNvPr id="67" name="Imagen 66"/>
+              <p:cNvPicPr>
+                <a:picLocks noChangeAspect="1"/>
+              </p:cNvPicPr>
+              <p:nvPr/>
+            </p:nvPicPr>
+            <p:blipFill rotWithShape="1">
+              <a:blip r:embed="rId14">
+                <a:extLst>
+                  <a:ext uri="{28A0092B-C50C-407E-A947-70E740481C1C}">
+                    <a14:useLocalDpi xmlns:a14="http://schemas.microsoft.com/office/drawing/2010/main" val="0"/>
+                  </a:ext>
+                </a:extLst>
+              </a:blip>
+              <a:srcRect r="89020"/>
+              <a:stretch/>
+            </p:blipFill>
+            <p:spPr>
+              <a:xfrm>
+                <a:off x="4761514" y="2244367"/>
+                <a:ext cx="295962" cy="352076"/>
+              </a:xfrm>
+              <a:prstGeom prst="rect">
+                <a:avLst/>
+              </a:prstGeom>
+            </p:spPr>
+          </p:pic>
+          <p:pic>
+            <p:nvPicPr>
+              <p:cNvPr id="68" name="Imagen 67"/>
+              <p:cNvPicPr>
+                <a:picLocks noChangeAspect="1"/>
+              </p:cNvPicPr>
+              <p:nvPr/>
+            </p:nvPicPr>
+            <p:blipFill rotWithShape="1">
+              <a:blip r:embed="rId15" cstate="print">
+                <a:extLst>
+                  <a:ext uri="{28A0092B-C50C-407E-A947-70E740481C1C}">
+                    <a14:useLocalDpi xmlns:a14="http://schemas.microsoft.com/office/drawing/2010/main" val="0"/>
+                  </a:ext>
+                </a:extLst>
+              </a:blip>
+              <a:srcRect l="22035" t="22235" r="12340" b="18521"/>
+              <a:stretch/>
+            </p:blipFill>
+            <p:spPr>
+              <a:xfrm>
+                <a:off x="4948032" y="3174256"/>
+                <a:ext cx="438357" cy="243532"/>
+              </a:xfrm>
+              <a:prstGeom prst="rect">
+                <a:avLst/>
+              </a:prstGeom>
+            </p:spPr>
+          </p:pic>
+          <p:pic>
+            <p:nvPicPr>
+              <p:cNvPr id="69" name="Imagen 68"/>
+              <p:cNvPicPr>
+                <a:picLocks noChangeAspect="1"/>
+              </p:cNvPicPr>
+              <p:nvPr/>
+            </p:nvPicPr>
+            <p:blipFill>
+              <a:blip r:embed="rId16" cstate="print">
+                <a:extLst>
+                  <a:ext uri="{28A0092B-C50C-407E-A947-70E740481C1C}">
+                    <a14:useLocalDpi xmlns:a14="http://schemas.microsoft.com/office/drawing/2010/main" val="0"/>
+                  </a:ext>
+                </a:extLst>
+              </a:blip>
+              <a:stretch>
+                <a:fillRect/>
+              </a:stretch>
+            </p:blipFill>
+            <p:spPr>
+              <a:xfrm>
+                <a:off x="6809791" y="4063538"/>
+                <a:ext cx="245203" cy="268471"/>
+              </a:xfrm>
+              <a:prstGeom prst="rect">
+                <a:avLst/>
+              </a:prstGeom>
+            </p:spPr>
+          </p:pic>
+          <p:pic>
+            <p:nvPicPr>
+              <p:cNvPr id="70" name="Imagen 69"/>
+              <p:cNvPicPr>
+                <a:picLocks noChangeAspect="1"/>
+              </p:cNvPicPr>
+              <p:nvPr/>
+            </p:nvPicPr>
+            <p:blipFill>
+              <a:blip r:embed="rId17" cstate="print">
+                <a:extLst>
+                  <a:ext uri="{28A0092B-C50C-407E-A947-70E740481C1C}">
+                    <a14:useLocalDpi xmlns:a14="http://schemas.microsoft.com/office/drawing/2010/main" val="0"/>
+                  </a:ext>
+                </a:extLst>
+              </a:blip>
+              <a:stretch>
+                <a:fillRect/>
+              </a:stretch>
+            </p:blipFill>
+            <p:spPr>
+              <a:xfrm>
+                <a:off x="5620671" y="450875"/>
+                <a:ext cx="232927" cy="323826"/>
+              </a:xfrm>
+              <a:prstGeom prst="rect">
+                <a:avLst/>
+              </a:prstGeom>
+            </p:spPr>
+          </p:pic>
+          <p:pic>
+            <p:nvPicPr>
+              <p:cNvPr id="71" name="Imagen 70"/>
+              <p:cNvPicPr>
+                <a:picLocks noChangeAspect="1"/>
+              </p:cNvPicPr>
+              <p:nvPr/>
+            </p:nvPicPr>
+            <p:blipFill>
+              <a:blip r:embed="rId18"/>
+              <a:stretch>
+                <a:fillRect/>
+              </a:stretch>
+            </p:blipFill>
+            <p:spPr>
+              <a:xfrm>
+                <a:off x="7406444" y="4255515"/>
+                <a:ext cx="1293776" cy="743385"/>
+              </a:xfrm>
+              <a:prstGeom prst="rect">
+                <a:avLst/>
+              </a:prstGeom>
+            </p:spPr>
+          </p:pic>
+          <p:cxnSp>
+            <p:nvCxnSpPr>
+              <p:cNvPr id="72" name="Conector curvado 71"/>
+              <p:cNvCxnSpPr/>
+              <p:nvPr/>
+            </p:nvCxnSpPr>
+            <p:spPr>
+              <a:xfrm rot="16200000" flipV="1">
+                <a:off x="7703136" y="3602834"/>
+                <a:ext cx="829544" cy="475819"/>
+              </a:xfrm>
+              <a:prstGeom prst="curvedConnector3">
+                <a:avLst>
+                  <a:gd name="adj1" fmla="val 50000"/>
+                </a:avLst>
+              </a:prstGeom>
+              <a:ln>
+                <a:tailEnd type="triangle"/>
+              </a:ln>
+            </p:spPr>
+            <p:style>
+              <a:lnRef idx="1">
+                <a:schemeClr val="accent1"/>
+              </a:lnRef>
+              <a:fillRef idx="0">
+                <a:schemeClr val="accent1"/>
+              </a:fillRef>
+              <a:effectRef idx="0">
+                <a:schemeClr val="accent1"/>
+              </a:effectRef>
+              <a:fontRef idx="minor">
+                <a:schemeClr val="tx1"/>
+              </a:fontRef>
+            </p:style>
+          </p:cxnSp>
+          <p:pic>
+            <p:nvPicPr>
+              <p:cNvPr id="73" name="Imagen 72"/>
+              <p:cNvPicPr>
+                <a:picLocks noChangeAspect="1"/>
+              </p:cNvPicPr>
+              <p:nvPr/>
+            </p:nvPicPr>
+            <p:blipFill>
+              <a:blip r:embed="rId19" cstate="print">
+                <a:extLst>
+                  <a:ext uri="{28A0092B-C50C-407E-A947-70E740481C1C}">
+                    <a14:useLocalDpi xmlns:a14="http://schemas.microsoft.com/office/drawing/2010/main" val="0"/>
+                  </a:ext>
+                </a:extLst>
+              </a:blip>
+              <a:stretch>
+                <a:fillRect/>
+              </a:stretch>
+            </p:blipFill>
+            <p:spPr>
+              <a:xfrm>
+                <a:off x="7843722" y="3992027"/>
+                <a:ext cx="315036" cy="307395"/>
+              </a:xfrm>
+              <a:prstGeom prst="rect">
+                <a:avLst/>
+              </a:prstGeom>
+            </p:spPr>
+          </p:pic>
+          <p:pic>
+            <p:nvPicPr>
+              <p:cNvPr id="74" name="Imagen 73"/>
+              <p:cNvPicPr>
+                <a:picLocks noChangeAspect="1"/>
+              </p:cNvPicPr>
+              <p:nvPr/>
+            </p:nvPicPr>
+            <p:blipFill rotWithShape="1">
+              <a:blip r:embed="rId20">
+                <a:extLst>
+                  <a:ext uri="{28A0092B-C50C-407E-A947-70E740481C1C}">
+                    <a14:useLocalDpi xmlns:a14="http://schemas.microsoft.com/office/drawing/2010/main" val="0"/>
+                  </a:ext>
+                </a:extLst>
+              </a:blip>
+              <a:srcRect t="29620" r="48432" b="27121"/>
+              <a:stretch/>
+            </p:blipFill>
+            <p:spPr>
+              <a:xfrm>
+                <a:off x="3818486" y="1419622"/>
+                <a:ext cx="1020571" cy="265551"/>
+              </a:xfrm>
+              <a:prstGeom prst="rect">
+                <a:avLst/>
+              </a:prstGeom>
+            </p:spPr>
+          </p:pic>
+        </p:grpSp>
+        <p:sp>
+          <p:nvSpPr>
+            <p:cNvPr id="86" name="CuadroTexto 85"/>
+            <p:cNvSpPr txBox="1"/>
+            <p:nvPr/>
+          </p:nvSpPr>
+          <p:spPr>
+            <a:xfrm>
+              <a:off x="7617300" y="5385329"/>
+              <a:ext cx="1562604" cy="369332"/>
+            </a:xfrm>
+            <a:prstGeom prst="rect">
+              <a:avLst/>
+            </a:prstGeom>
+            <a:noFill/>
+          </p:spPr>
+          <p:txBody>
+            <a:bodyPr wrap="square" rtlCol="0">
+              <a:spAutoFit/>
+            </a:bodyPr>
+            <a:lstStyle/>
+            <a:p>
+              <a:r>
+                <a:rPr lang="es-CO" sz="900" b="1" dirty="0" smtClean="0">
+                  <a:solidFill>
+                    <a:srgbClr val="FF0000"/>
+                  </a:solidFill>
+                </a:rPr>
+                <a:t>Múltiples sistemas de coordenadas</a:t>
+              </a:r>
+              <a:endParaRPr lang="es-CO" sz="900" b="1" dirty="0">
+                <a:solidFill>
+                  <a:srgbClr val="FF0000"/>
+                </a:solidFill>
+              </a:endParaRPr>
+            </a:p>
+          </p:txBody>
+        </p:sp>
+      </p:grpSp>
+      <p:grpSp>
+        <p:nvGrpSpPr>
+          <p:cNvPr id="88" name="Grupo 87"/>
+          <p:cNvGrpSpPr/>
+          <p:nvPr/>
+        </p:nvGrpSpPr>
+        <p:grpSpPr>
+          <a:xfrm>
+            <a:off x="9599668" y="2461842"/>
+            <a:ext cx="2827428" cy="1008749"/>
+            <a:chOff x="9599668" y="2461842"/>
+            <a:chExt cx="2827428" cy="1008749"/>
+          </a:xfrm>
+        </p:grpSpPr>
+        <p:pic>
+          <p:nvPicPr>
+            <p:cNvPr id="81" name="Imagen 80"/>
+            <p:cNvPicPr>
+              <a:picLocks noChangeAspect="1"/>
+            </p:cNvPicPr>
+            <p:nvPr/>
+          </p:nvPicPr>
+          <p:blipFill>
+            <a:blip r:embed="rId21">
+              <a:extLst>
+                <a:ext uri="{28A0092B-C50C-407E-A947-70E740481C1C}">
+                  <a14:useLocalDpi xmlns:a14="http://schemas.microsoft.com/office/drawing/2010/main" val="0"/>
+                </a:ext>
+              </a:extLst>
+            </a:blip>
+            <a:stretch>
+              <a:fillRect/>
+            </a:stretch>
+          </p:blipFill>
+          <p:spPr>
+            <a:xfrm>
+              <a:off x="9710808" y="2461842"/>
+              <a:ext cx="2453229" cy="758354"/>
+            </a:xfrm>
+            <a:prstGeom prst="rect">
+              <a:avLst/>
+            </a:prstGeom>
+          </p:spPr>
+        </p:pic>
+        <p:sp>
+          <p:nvSpPr>
+            <p:cNvPr id="85" name="CuadroTexto 84"/>
+            <p:cNvSpPr txBox="1"/>
+            <p:nvPr/>
+          </p:nvSpPr>
+          <p:spPr>
+            <a:xfrm>
+              <a:off x="9599668" y="3244522"/>
+              <a:ext cx="1562604" cy="200055"/>
+            </a:xfrm>
+            <a:prstGeom prst="rect">
+              <a:avLst/>
+            </a:prstGeom>
+            <a:noFill/>
+          </p:spPr>
+          <p:txBody>
+            <a:bodyPr wrap="square" rtlCol="0">
+              <a:spAutoFit/>
+            </a:bodyPr>
+            <a:lstStyle/>
+            <a:p>
+              <a:r>
+                <a:rPr lang="es-CO" sz="700" dirty="0" smtClean="0">
+                  <a:solidFill>
+                    <a:srgbClr val="FF0000"/>
+                  </a:solidFill>
+                </a:rPr>
+                <a:t>Con problemas Geométricos</a:t>
+              </a:r>
+              <a:endParaRPr lang="es-CO" sz="700" dirty="0">
+                <a:solidFill>
+                  <a:srgbClr val="FF0000"/>
+                </a:solidFill>
+              </a:endParaRPr>
+            </a:p>
+          </p:txBody>
+        </p:sp>
+        <p:sp>
+          <p:nvSpPr>
+            <p:cNvPr id="87" name="CuadroTexto 86"/>
+            <p:cNvSpPr txBox="1"/>
+            <p:nvPr/>
+          </p:nvSpPr>
+          <p:spPr>
+            <a:xfrm>
+              <a:off x="10864492" y="3270536"/>
+              <a:ext cx="1562604" cy="200055"/>
+            </a:xfrm>
+            <a:prstGeom prst="rect">
+              <a:avLst/>
+            </a:prstGeom>
+            <a:noFill/>
+          </p:spPr>
+          <p:txBody>
+            <a:bodyPr wrap="square" rtlCol="0">
+              <a:spAutoFit/>
+            </a:bodyPr>
+            <a:lstStyle/>
+            <a:p>
+              <a:r>
+                <a:rPr lang="es-CO" sz="700" dirty="0" smtClean="0">
+                  <a:solidFill>
+                    <a:srgbClr val="00B050"/>
+                  </a:solidFill>
+                </a:rPr>
+                <a:t>Sin  problemas Geométricos</a:t>
+              </a:r>
+              <a:endParaRPr lang="es-CO" sz="700" dirty="0">
+                <a:solidFill>
+                  <a:srgbClr val="00B050"/>
+                </a:solidFill>
+              </a:endParaRPr>
+            </a:p>
+          </p:txBody>
+        </p:sp>
+      </p:grpSp>
+      <p:sp>
+        <p:nvSpPr>
+          <p:cNvPr id="90" name="Elipse 89"/>
+          <p:cNvSpPr/>
+          <p:nvPr/>
+        </p:nvSpPr>
         <p:spPr>
           <a:xfrm>
-            <a:off x="785450" y="1247900"/>
-            <a:ext cx="9794396" cy="5217900"/>
+            <a:off x="1102258" y="2411393"/>
+            <a:ext cx="488960" cy="406573"/>
+          </a:xfrm>
+          <a:prstGeom prst="ellipse">
+            <a:avLst/>
+          </a:prstGeom>
+          <a:solidFill>
+            <a:srgbClr val="CFD5EA"/>
+          </a:solidFill>
+          <a:effectLst>
+            <a:glow rad="139700">
+              <a:schemeClr val="accent3">
+                <a:satMod val="175000"/>
+                <a:alpha val="40000"/>
+              </a:schemeClr>
+            </a:glow>
+          </a:effectLst>
+          <a:scene3d>
+            <a:camera prst="orthographicFront"/>
+            <a:lightRig rig="threePt" dir="t"/>
+          </a:scene3d>
+          <a:sp3d>
+            <a:bevelT w="165100" prst="coolSlant"/>
+          </a:sp3d>
+        </p:spPr>
+        <p:style>
+          <a:lnRef idx="2">
+            <a:schemeClr val="accent1">
+              <a:shade val="50000"/>
+            </a:schemeClr>
+          </a:lnRef>
+          <a:fillRef idx="1">
+            <a:schemeClr val="accent1"/>
+          </a:fillRef>
+          <a:effectRef idx="0">
+            <a:schemeClr val="accent1"/>
+          </a:effectRef>
+          <a:fontRef idx="minor">
+            <a:schemeClr val="lt1"/>
+          </a:fontRef>
+        </p:style>
+        <p:txBody>
+          <a:bodyPr rtlCol="0" anchor="ctr"/>
+          <a:lstStyle/>
+          <a:p>
+            <a:pPr algn="ctr"/>
+            <a:r>
+              <a:rPr lang="es-CO" dirty="0" smtClean="0"/>
+              <a:t>1</a:t>
+            </a:r>
+            <a:endParaRPr lang="es-CO" dirty="0"/>
+          </a:p>
+        </p:txBody>
+      </p:sp>
+      <p:sp>
+        <p:nvSpPr>
+          <p:cNvPr id="91" name="Elipse 90"/>
+          <p:cNvSpPr/>
+          <p:nvPr/>
+        </p:nvSpPr>
+        <p:spPr>
+          <a:xfrm>
+            <a:off x="3387659" y="2425998"/>
+            <a:ext cx="488960" cy="406573"/>
+          </a:xfrm>
+          <a:prstGeom prst="ellipse">
+            <a:avLst/>
+          </a:prstGeom>
+          <a:solidFill>
+            <a:srgbClr val="CFD5EA"/>
+          </a:solidFill>
+          <a:effectLst>
+            <a:glow rad="139700">
+              <a:schemeClr val="accent3">
+                <a:satMod val="175000"/>
+                <a:alpha val="40000"/>
+              </a:schemeClr>
+            </a:glow>
+          </a:effectLst>
+          <a:scene3d>
+            <a:camera prst="orthographicFront"/>
+            <a:lightRig rig="threePt" dir="t"/>
+          </a:scene3d>
+          <a:sp3d>
+            <a:bevelT w="165100" prst="coolSlant"/>
+          </a:sp3d>
+        </p:spPr>
+        <p:style>
+          <a:lnRef idx="2">
+            <a:schemeClr val="accent1">
+              <a:shade val="50000"/>
+            </a:schemeClr>
+          </a:lnRef>
+          <a:fillRef idx="1">
+            <a:schemeClr val="accent1"/>
+          </a:fillRef>
+          <a:effectRef idx="0">
+            <a:schemeClr val="accent1"/>
+          </a:effectRef>
+          <a:fontRef idx="minor">
+            <a:schemeClr val="lt1"/>
+          </a:fontRef>
+        </p:style>
+        <p:txBody>
+          <a:bodyPr rtlCol="0" anchor="ctr"/>
+          <a:lstStyle/>
+          <a:p>
+            <a:pPr algn="ctr"/>
+            <a:r>
+              <a:rPr lang="es-CO" dirty="0" smtClean="0"/>
+              <a:t>2</a:t>
+            </a:r>
+            <a:endParaRPr lang="es-CO" dirty="0"/>
+          </a:p>
+        </p:txBody>
+      </p:sp>
+      <p:sp>
+        <p:nvSpPr>
+          <p:cNvPr id="92" name="Elipse 91"/>
+          <p:cNvSpPr/>
+          <p:nvPr/>
+        </p:nvSpPr>
+        <p:spPr>
+          <a:xfrm>
+            <a:off x="5717490" y="2411393"/>
+            <a:ext cx="488960" cy="406573"/>
+          </a:xfrm>
+          <a:prstGeom prst="ellipse">
+            <a:avLst/>
+          </a:prstGeom>
+          <a:solidFill>
+            <a:srgbClr val="CFD5EA"/>
+          </a:solidFill>
+          <a:effectLst>
+            <a:glow rad="139700">
+              <a:schemeClr val="accent3">
+                <a:satMod val="175000"/>
+                <a:alpha val="40000"/>
+              </a:schemeClr>
+            </a:glow>
+          </a:effectLst>
+          <a:scene3d>
+            <a:camera prst="orthographicFront"/>
+            <a:lightRig rig="threePt" dir="t"/>
+          </a:scene3d>
+          <a:sp3d>
+            <a:bevelT w="165100" prst="coolSlant"/>
+          </a:sp3d>
+        </p:spPr>
+        <p:style>
+          <a:lnRef idx="2">
+            <a:schemeClr val="accent1">
+              <a:shade val="50000"/>
+            </a:schemeClr>
+          </a:lnRef>
+          <a:fillRef idx="1">
+            <a:schemeClr val="accent1"/>
+          </a:fillRef>
+          <a:effectRef idx="0">
+            <a:schemeClr val="accent1"/>
+          </a:effectRef>
+          <a:fontRef idx="minor">
+            <a:schemeClr val="lt1"/>
+          </a:fontRef>
+        </p:style>
+        <p:txBody>
+          <a:bodyPr rtlCol="0" anchor="ctr"/>
+          <a:lstStyle/>
+          <a:p>
+            <a:pPr algn="ctr"/>
+            <a:r>
+              <a:rPr lang="es-CO" dirty="0"/>
+              <a:t>3</a:t>
+            </a:r>
+            <a:endParaRPr lang="es-CO" dirty="0"/>
+          </a:p>
+        </p:txBody>
+      </p:sp>
+      <p:sp>
+        <p:nvSpPr>
+          <p:cNvPr id="94" name="CuadroTexto 93"/>
+          <p:cNvSpPr txBox="1"/>
+          <p:nvPr/>
+        </p:nvSpPr>
+        <p:spPr>
+          <a:xfrm>
+            <a:off x="10475441" y="2227338"/>
+            <a:ext cx="1041645" cy="253916"/>
           </a:xfrm>
           <a:prstGeom prst="rect">
             <a:avLst/>
           </a:prstGeom>
           <a:noFill/>
-          <a:ln>
-            <a:noFill/>
-          </a:ln>
         </p:spPr>
-      </p:pic>
-    </p:spTree>
-  </p:cSld>
-  <p:clrMapOvr>
-    <a:masterClrMapping/>
-  </p:clrMapOvr>
-</p:sld>
-</file>
-
-<file path=ppt/slides/slide6.xml><?xml version="1.0" encoding="utf-8"?>
-<p:sld xmlns:a="http://schemas.openxmlformats.org/drawingml/2006/main" xmlns:r="http://schemas.openxmlformats.org/officeDocument/2006/relationships" xmlns:p="http://schemas.openxmlformats.org/presentationml/2006/main">
-  <p:cSld>
-    <p:spTree>
-      <p:nvGrpSpPr>
-        <p:cNvPr id="1" name="Shape 129"/>
-        <p:cNvGrpSpPr/>
-        <p:nvPr/>
-      </p:nvGrpSpPr>
-      <p:grpSpPr>
-        <a:xfrm>
-          <a:off x="0" y="0"/>
-          <a:ext cx="0" cy="0"/>
-          <a:chOff x="0" y="0"/>
-          <a:chExt cx="0" cy="0"/>
-        </a:xfrm>
-      </p:grpSpPr>
+        <p:txBody>
+          <a:bodyPr wrap="square" rtlCol="0">
+            <a:spAutoFit/>
+          </a:bodyPr>
+          <a:lstStyle/>
+          <a:p>
+            <a:r>
+              <a:rPr lang="es-CO" sz="1000" b="1" dirty="0" smtClean="0">
+                <a:solidFill>
+                  <a:srgbClr val="00B050"/>
+                </a:solidFill>
+              </a:rPr>
+              <a:t>Reparación</a:t>
+            </a:r>
+            <a:endParaRPr lang="es-CO" sz="1000" b="1" dirty="0">
+              <a:solidFill>
+                <a:srgbClr val="00B050"/>
+              </a:solidFill>
+            </a:endParaRPr>
+          </a:p>
+        </p:txBody>
+      </p:sp>
       <p:sp>
         <p:nvSpPr>
-          <p:cNvPr id="130" name="Shape 130"/>
+          <p:cNvPr id="95" name="CuadroTexto 94"/>
           <p:cNvSpPr txBox="1"/>
           <p:nvPr/>
         </p:nvSpPr>
         <p:spPr>
           <a:xfrm>
-            <a:off x="2532175" y="690600"/>
-            <a:ext cx="5524800" cy="644700"/>
+            <a:off x="7697004" y="2621690"/>
+            <a:ext cx="1482900" cy="400110"/>
           </a:xfrm>
           <a:prstGeom prst="rect">
             <a:avLst/>
           </a:prstGeom>
           <a:noFill/>
-          <a:ln>
-            <a:noFill/>
-          </a:ln>
         </p:spPr>
         <p:txBody>
-          <a:bodyPr spcFirstLastPara="1" wrap="square" lIns="91425" tIns="91425" rIns="91425" bIns="91425" anchor="t" anchorCtr="0">
-            <a:noAutofit/>
+          <a:bodyPr wrap="square" rtlCol="0">
+            <a:spAutoFit/>
           </a:bodyPr>
           <a:lstStyle/>
           <a:p>
-            <a:pPr marL="0" lvl="0" indent="0" algn="ctr" rtl="0">
-              <a:spcBef>
-                <a:spcPts val="0"/>
-              </a:spcBef>
-              <a:spcAft>
-                <a:spcPts val="0"/>
-              </a:spcAft>
-              <a:buNone/>
-            </a:pPr>
+            <a:pPr algn="ctr"/>
             <a:r>
-              <a:rPr lang="es-CO" sz="1800" b="1">
-                <a:solidFill>
-                  <a:srgbClr val="179339"/>
-                </a:solidFill>
-                <a:latin typeface="Century Gothic"/>
-                <a:ea typeface="Century Gothic"/>
-                <a:cs typeface="Century Gothic"/>
-                <a:sym typeface="Century Gothic"/>
+              <a:rPr lang="es-CO" sz="1000" b="1" dirty="0" smtClean="0">
+                <a:solidFill>
+                  <a:srgbClr val="00B050"/>
+                </a:solidFill>
               </a:rPr>
-              <a:t>Herramientas de ayuda</a:t>
+              <a:t>Unificación de coordenadas</a:t>
             </a:r>
-            <a:endParaRPr sz="1800" b="1">
+            <a:endParaRPr lang="es-CO" sz="1000" b="1" dirty="0">
               <a:solidFill>
-                <a:srgbClr val="179339"/>
+                <a:srgbClr val="00B050"/>
               </a:solidFill>
-              <a:latin typeface="Century Gothic"/>
-              <a:ea typeface="Century Gothic"/>
-              <a:cs typeface="Century Gothic"/>
-              <a:sym typeface="Century Gothic"/>
             </a:endParaRPr>
           </a:p>
         </p:txBody>
       </p:sp>
-      <p:pic>
-        <p:nvPicPr>
-          <p:cNvPr id="131" name="Shape 131"/>
-          <p:cNvPicPr preferRelativeResize="0"/>
+      <p:sp>
+        <p:nvSpPr>
+          <p:cNvPr id="96" name="CuadroTexto 95"/>
+          <p:cNvSpPr txBox="1"/>
           <p:nvPr/>
-        </p:nvPicPr>
-        <p:blipFill>
-          <a:blip r:embed="rId3">
-            <a:alphaModFix/>
-          </a:blip>
-          <a:stretch>
-            <a:fillRect/>
-          </a:stretch>
-        </p:blipFill>
+        </p:nvSpPr>
         <p:spPr>
           <a:xfrm>
-            <a:off x="766275" y="1539425"/>
-            <a:ext cx="5034024" cy="4023700"/>
+            <a:off x="10225933" y="3575424"/>
+            <a:ext cx="1232312" cy="246221"/>
           </a:xfrm>
           <a:prstGeom prst="rect">
             <a:avLst/>
           </a:prstGeom>
           <a:noFill/>
-          <a:ln>
-            <a:noFill/>
-          </a:ln>
         </p:spPr>
-      </p:pic>
-      <p:pic>
-        <p:nvPicPr>
-          <p:cNvPr id="132" name="Shape 132"/>
-          <p:cNvPicPr preferRelativeResize="0"/>
+        <p:txBody>
+          <a:bodyPr wrap="square" rtlCol="0">
+            <a:spAutoFit/>
+          </a:bodyPr>
+          <a:lstStyle/>
+          <a:p>
+            <a:pPr algn="ctr"/>
+            <a:r>
+              <a:rPr lang="es-CO" sz="1000" b="1" dirty="0" smtClean="0">
+                <a:solidFill>
+                  <a:srgbClr val="00B050"/>
+                </a:solidFill>
+              </a:rPr>
+              <a:t>Partes únicas</a:t>
+            </a:r>
+            <a:endParaRPr lang="es-CO" sz="1000" b="1" dirty="0">
+              <a:solidFill>
+                <a:srgbClr val="00B050"/>
+              </a:solidFill>
+            </a:endParaRPr>
+          </a:p>
+        </p:txBody>
+      </p:sp>
+      <p:sp>
+        <p:nvSpPr>
+          <p:cNvPr id="97" name="CuadroTexto 96"/>
+          <p:cNvSpPr txBox="1"/>
           <p:nvPr/>
-        </p:nvPicPr>
-        <p:blipFill>
-          <a:blip r:embed="rId4">
-            <a:alphaModFix/>
-          </a:blip>
-          <a:stretch>
-            <a:fillRect/>
-          </a:stretch>
-        </p:blipFill>
+        </p:nvSpPr>
         <p:spPr>
           <a:xfrm>
-            <a:off x="7314699" y="1865549"/>
-            <a:ext cx="3849170" cy="3697575"/>
+            <a:off x="10225932" y="4748341"/>
+            <a:ext cx="1422977" cy="246221"/>
           </a:xfrm>
           <a:prstGeom prst="rect">
             <a:avLst/>
           </a:prstGeom>
           <a:noFill/>
-          <a:ln>
-            <a:noFill/>
-          </a:ln>
         </p:spPr>
-      </p:pic>
+        <p:txBody>
+          <a:bodyPr wrap="square" rtlCol="0">
+            <a:spAutoFit/>
+          </a:bodyPr>
+          <a:lstStyle/>
+          <a:p>
+            <a:pPr algn="ctr"/>
+            <a:r>
+              <a:rPr lang="es-CO" sz="1000" b="1" dirty="0" smtClean="0">
+                <a:solidFill>
+                  <a:srgbClr val="00B050"/>
+                </a:solidFill>
+              </a:rPr>
+              <a:t>Fragmentación</a:t>
+            </a:r>
+            <a:endParaRPr lang="es-CO" sz="1000" b="1" dirty="0">
+              <a:solidFill>
+                <a:srgbClr val="00B050"/>
+              </a:solidFill>
+            </a:endParaRPr>
+          </a:p>
+        </p:txBody>
+      </p:sp>
     </p:spTree>
+    <p:extLst>
+      <p:ext uri="{BB962C8B-B14F-4D97-AF65-F5344CB8AC3E}">
+        <p14:creationId xmlns:p14="http://schemas.microsoft.com/office/powerpoint/2010/main" val="3312607454"/>
+      </p:ext>
+    </p:extLst>
   </p:cSld>
   <p:clrMapOvr>
     <a:masterClrMapping/>
   </p:clrMapOvr>
+  <p:timing>
+    <p:tnLst>
+      <p:par>
+        <p:cTn id="1" dur="indefinite" restart="never" nodeType="tmRoot">
+          <p:childTnLst>
+            <p:seq concurrent="1" nextAc="seek">
+              <p:cTn id="2" dur="indefinite" nodeType="mainSeq">
+                <p:childTnLst>
+                  <p:par>
+                    <p:cTn id="3" fill="hold">
+                      <p:stCondLst>
+                        <p:cond delay="indefinite"/>
+                        <p:cond evt="onBegin" delay="0">
+                          <p:tn val="2"/>
+                        </p:cond>
+                      </p:stCondLst>
+                      <p:childTnLst>
+                        <p:par>
+                          <p:cTn id="4" fill="hold">
+                            <p:stCondLst>
+                              <p:cond delay="0"/>
+                            </p:stCondLst>
+                            <p:childTnLst>
+                              <p:par>
+                                <p:cTn id="5" presetID="2" presetClass="entr" presetSubtype="4" fill="hold" nodeType="withEffect">
+                                  <p:stCondLst>
+                                    <p:cond delay="0"/>
+                                  </p:stCondLst>
+                                  <p:childTnLst>
+                                    <p:set>
+                                      <p:cBhvr>
+                                        <p:cTn id="6" dur="1" fill="hold">
+                                          <p:stCondLst>
+                                            <p:cond delay="0"/>
+                                          </p:stCondLst>
+                                        </p:cTn>
+                                        <p:tgtEl>
+                                          <p:spTgt spid="75"/>
+                                        </p:tgtEl>
+                                        <p:attrNameLst>
+                                          <p:attrName>style.visibility</p:attrName>
+                                        </p:attrNameLst>
+                                      </p:cBhvr>
+                                      <p:to>
+                                        <p:strVal val="visible"/>
+                                      </p:to>
+                                    </p:set>
+                                    <p:anim calcmode="lin" valueType="num">
+                                      <p:cBhvr additive="base">
+                                        <p:cTn id="7" dur="500" fill="hold"/>
+                                        <p:tgtEl>
+                                          <p:spTgt spid="75"/>
+                                        </p:tgtEl>
+                                        <p:attrNameLst>
+                                          <p:attrName>ppt_x</p:attrName>
+                                        </p:attrNameLst>
+                                      </p:cBhvr>
+                                      <p:tavLst>
+                                        <p:tav tm="0">
+                                          <p:val>
+                                            <p:strVal val="#ppt_x"/>
+                                          </p:val>
+                                        </p:tav>
+                                        <p:tav tm="100000">
+                                          <p:val>
+                                            <p:strVal val="#ppt_x"/>
+                                          </p:val>
+                                        </p:tav>
+                                      </p:tavLst>
+                                    </p:anim>
+                                    <p:anim calcmode="lin" valueType="num">
+                                      <p:cBhvr additive="base">
+                                        <p:cTn id="8" dur="500" fill="hold"/>
+                                        <p:tgtEl>
+                                          <p:spTgt spid="75"/>
+                                        </p:tgtEl>
+                                        <p:attrNameLst>
+                                          <p:attrName>ppt_y</p:attrName>
+                                        </p:attrNameLst>
+                                      </p:cBhvr>
+                                      <p:tavLst>
+                                        <p:tav tm="0">
+                                          <p:val>
+                                            <p:strVal val="1+#ppt_h/2"/>
+                                          </p:val>
+                                        </p:tav>
+                                        <p:tav tm="100000">
+                                          <p:val>
+                                            <p:strVal val="#ppt_y"/>
+                                          </p:val>
+                                        </p:tav>
+                                      </p:tavLst>
+                                    </p:anim>
+                                  </p:childTnLst>
+                                </p:cTn>
+                              </p:par>
+                            </p:childTnLst>
+                          </p:cTn>
+                        </p:par>
+                      </p:childTnLst>
+                    </p:cTn>
+                  </p:par>
+                  <p:par>
+                    <p:cTn id="9" fill="hold">
+                      <p:stCondLst>
+                        <p:cond delay="indefinite"/>
+                      </p:stCondLst>
+                      <p:childTnLst>
+                        <p:par>
+                          <p:cTn id="10" fill="hold">
+                            <p:stCondLst>
+                              <p:cond delay="0"/>
+                            </p:stCondLst>
+                            <p:childTnLst>
+                              <p:par>
+                                <p:cTn id="11" presetID="1" presetClass="exit" presetSubtype="0" fill="hold" nodeType="clickEffect">
+                                  <p:stCondLst>
+                                    <p:cond delay="0"/>
+                                  </p:stCondLst>
+                                  <p:childTnLst>
+                                    <p:set>
+                                      <p:cBhvr>
+                                        <p:cTn id="12" dur="1" fill="hold">
+                                          <p:stCondLst>
+                                            <p:cond delay="0"/>
+                                          </p:stCondLst>
+                                        </p:cTn>
+                                        <p:tgtEl>
+                                          <p:spTgt spid="75"/>
+                                        </p:tgtEl>
+                                        <p:attrNameLst>
+                                          <p:attrName>style.visibility</p:attrName>
+                                        </p:attrNameLst>
+                                      </p:cBhvr>
+                                      <p:to>
+                                        <p:strVal val="hidden"/>
+                                      </p:to>
+                                    </p:set>
+                                  </p:childTnLst>
+                                </p:cTn>
+                              </p:par>
+                            </p:childTnLst>
+                          </p:cTn>
+                        </p:par>
+                      </p:childTnLst>
+                    </p:cTn>
+                  </p:par>
+                </p:childTnLst>
+              </p:cTn>
+              <p:prevCondLst>
+                <p:cond evt="onPrev" delay="0">
+                  <p:tgtEl>
+                    <p:sldTgt/>
+                  </p:tgtEl>
+                </p:cond>
+              </p:prevCondLst>
+              <p:nextCondLst>
+                <p:cond evt="onNext" delay="0">
+                  <p:tgtEl>
+                    <p:sldTgt/>
+                  </p:tgtEl>
+                </p:cond>
+              </p:nextCondLst>
+            </p:seq>
+          </p:childTnLst>
+        </p:cTn>
+      </p:par>
+    </p:tnLst>
+  </p:timing>
 </p:sld>
 </file>
 
-<file path=ppt/slides/slide7.xml><?xml version="1.0" encoding="utf-8"?>
+<file path=ppt/slides/slide4.xml><?xml version="1.0" encoding="utf-8"?>
 <p:sld xmlns:a="http://schemas.openxmlformats.org/drawingml/2006/main" xmlns:r="http://schemas.openxmlformats.org/officeDocument/2006/relationships" xmlns:p="http://schemas.openxmlformats.org/presentationml/2006/main">
   <p:cSld>
     <p:bg>
